--- a/presentation_v02.pptx
+++ b/presentation_v02.pptx
@@ -10,11 +10,14 @@
     <p:sldId id="265" r:id="rId4"/>
     <p:sldId id="257" r:id="rId5"/>
     <p:sldId id="258" r:id="rId6"/>
-    <p:sldId id="259" r:id="rId7"/>
-    <p:sldId id="260" r:id="rId8"/>
-    <p:sldId id="261" r:id="rId9"/>
-    <p:sldId id="263" r:id="rId10"/>
-    <p:sldId id="262" r:id="rId11"/>
+    <p:sldId id="268" r:id="rId7"/>
+    <p:sldId id="259" r:id="rId8"/>
+    <p:sldId id="260" r:id="rId9"/>
+    <p:sldId id="261" r:id="rId10"/>
+    <p:sldId id="263" r:id="rId11"/>
+    <p:sldId id="262" r:id="rId12"/>
+    <p:sldId id="269" r:id="rId13"/>
+    <p:sldId id="267" r:id="rId14"/>
   </p:sldIdLst>
   <p:sldSz cx="12192000" cy="6858000"/>
   <p:notesSz cx="6858000" cy="9144000"/>
@@ -123,11 +126,14 @@
             <p14:sldId id="265"/>
             <p14:sldId id="257"/>
             <p14:sldId id="258"/>
+            <p14:sldId id="268"/>
             <p14:sldId id="259"/>
             <p14:sldId id="260"/>
             <p14:sldId id="261"/>
             <p14:sldId id="263"/>
             <p14:sldId id="262"/>
+            <p14:sldId id="269"/>
+            <p14:sldId id="267"/>
           </p14:sldIdLst>
         </p14:section>
       </p14:sectionLst>
@@ -193,7 +199,7 @@
           <a:noFill/>
           <a:extLst>
             <a:ext uri="{909E8E84-426E-40dd-AFC4-6F175D3DCCD1}">
-              <a14:hiddenFill xmlns:a14="http://schemas.microsoft.com/office/drawing/2010/main" xmlns="">
+              <a14:hiddenFill xmlns="" xmlns:a14="http://schemas.microsoft.com/office/drawing/2010/main">
                 <a:solidFill>
                   <a:srgbClr val="FFFFFF"/>
                 </a:solidFill>
@@ -253,7 +259,7 @@
             </a:ln>
             <a:extLst>
               <a:ext uri="{91240B29-F687-4f45-9708-019B960494DF}">
-                <a14:hiddenLine xmlns:a14="http://schemas.microsoft.com/office/drawing/2010/main" xmlns="" w="9525">
+                <a14:hiddenLine xmlns="" xmlns:a14="http://schemas.microsoft.com/office/drawing/2010/main" w="9525">
                   <a:solidFill>
                     <a:srgbClr val="000000"/>
                   </a:solidFill>
@@ -343,7 +349,7 @@
             </a:ln>
             <a:extLst>
               <a:ext uri="{91240B29-F687-4f45-9708-019B960494DF}">
-                <a14:hiddenLine xmlns:a14="http://schemas.microsoft.com/office/drawing/2010/main" xmlns="" w="9525">
+                <a14:hiddenLine xmlns="" xmlns:a14="http://schemas.microsoft.com/office/drawing/2010/main" w="9525">
                   <a:solidFill>
                     <a:srgbClr val="000000"/>
                   </a:solidFill>
@@ -433,7 +439,7 @@
             </a:ln>
             <a:extLst>
               <a:ext uri="{91240B29-F687-4f45-9708-019B960494DF}">
-                <a14:hiddenLine xmlns:a14="http://schemas.microsoft.com/office/drawing/2010/main" xmlns="" w="9525">
+                <a14:hiddenLine xmlns="" xmlns:a14="http://schemas.microsoft.com/office/drawing/2010/main" w="9525">
                   <a:solidFill>
                     <a:srgbClr val="000000"/>
                   </a:solidFill>
@@ -467,7 +473,7 @@
             </a:ln>
             <a:extLst>
               <a:ext uri="{91240B29-F687-4f45-9708-019B960494DF}">
-                <a14:hiddenLine xmlns:a14="http://schemas.microsoft.com/office/drawing/2010/main" xmlns="" w="9525">
+                <a14:hiddenLine xmlns="" xmlns:a14="http://schemas.microsoft.com/office/drawing/2010/main" w="9525">
                   <a:solidFill>
                     <a:srgbClr val="000000"/>
                   </a:solidFill>
@@ -557,7 +563,7 @@
             </a:ln>
             <a:extLst>
               <a:ext uri="{91240B29-F687-4f45-9708-019B960494DF}">
-                <a14:hiddenLine xmlns:a14="http://schemas.microsoft.com/office/drawing/2010/main" xmlns="" w="9525">
+                <a14:hiddenLine xmlns="" xmlns:a14="http://schemas.microsoft.com/office/drawing/2010/main" w="9525">
                   <a:solidFill>
                     <a:srgbClr val="000000"/>
                   </a:solidFill>
@@ -619,7 +625,7 @@
             </a:ln>
             <a:extLst>
               <a:ext uri="{91240B29-F687-4f45-9708-019B960494DF}">
-                <a14:hiddenLine xmlns:a14="http://schemas.microsoft.com/office/drawing/2010/main" xmlns="" w="9525">
+                <a14:hiddenLine xmlns="" xmlns:a14="http://schemas.microsoft.com/office/drawing/2010/main" w="9525">
                   <a:solidFill>
                     <a:srgbClr val="000000"/>
                   </a:solidFill>
@@ -681,7 +687,7 @@
             </a:ln>
             <a:extLst>
               <a:ext uri="{91240B29-F687-4f45-9708-019B960494DF}">
-                <a14:hiddenLine xmlns:a14="http://schemas.microsoft.com/office/drawing/2010/main" xmlns="" w="9525">
+                <a14:hiddenLine xmlns="" xmlns:a14="http://schemas.microsoft.com/office/drawing/2010/main" w="9525">
                   <a:solidFill>
                     <a:srgbClr val="000000"/>
                   </a:solidFill>
@@ -771,7 +777,7 @@
             </a:ln>
             <a:extLst>
               <a:ext uri="{91240B29-F687-4f45-9708-019B960494DF}">
-                <a14:hiddenLine xmlns:a14="http://schemas.microsoft.com/office/drawing/2010/main" xmlns="" w="9525">
+                <a14:hiddenLine xmlns="" xmlns:a14="http://schemas.microsoft.com/office/drawing/2010/main" w="9525">
                   <a:solidFill>
                     <a:srgbClr val="000000"/>
                   </a:solidFill>
@@ -833,7 +839,7 @@
             </a:ln>
             <a:extLst>
               <a:ext uri="{91240B29-F687-4f45-9708-019B960494DF}">
-                <a14:hiddenLine xmlns:a14="http://schemas.microsoft.com/office/drawing/2010/main" xmlns="" w="9525">
+                <a14:hiddenLine xmlns="" xmlns:a14="http://schemas.microsoft.com/office/drawing/2010/main" w="9525">
                   <a:solidFill>
                     <a:srgbClr val="000000"/>
                   </a:solidFill>
@@ -895,7 +901,7 @@
             </a:ln>
             <a:extLst>
               <a:ext uri="{91240B29-F687-4f45-9708-019B960494DF}">
-                <a14:hiddenLine xmlns:a14="http://schemas.microsoft.com/office/drawing/2010/main" xmlns="" w="9525">
+                <a14:hiddenLine xmlns="" xmlns:a14="http://schemas.microsoft.com/office/drawing/2010/main" w="9525">
                   <a:solidFill>
                     <a:srgbClr val="000000"/>
                   </a:solidFill>
@@ -985,7 +991,7 @@
             </a:ln>
             <a:extLst>
               <a:ext uri="{91240B29-F687-4f45-9708-019B960494DF}">
-                <a14:hiddenLine xmlns:a14="http://schemas.microsoft.com/office/drawing/2010/main" xmlns="" w="9525">
+                <a14:hiddenLine xmlns="" xmlns:a14="http://schemas.microsoft.com/office/drawing/2010/main" w="9525">
                   <a:solidFill>
                     <a:srgbClr val="000000"/>
                   </a:solidFill>
@@ -1075,7 +1081,7 @@
             </a:ln>
             <a:extLst>
               <a:ext uri="{91240B29-F687-4f45-9708-019B960494DF}">
-                <a14:hiddenLine xmlns:a14="http://schemas.microsoft.com/office/drawing/2010/main" xmlns="" w="9525">
+                <a14:hiddenLine xmlns="" xmlns:a14="http://schemas.microsoft.com/office/drawing/2010/main" w="9525">
                   <a:solidFill>
                     <a:srgbClr val="000000"/>
                   </a:solidFill>
@@ -1137,7 +1143,7 @@
             </a:ln>
             <a:extLst>
               <a:ext uri="{91240B29-F687-4f45-9708-019B960494DF}">
-                <a14:hiddenLine xmlns:a14="http://schemas.microsoft.com/office/drawing/2010/main" xmlns="" w="9525">
+                <a14:hiddenLine xmlns="" xmlns:a14="http://schemas.microsoft.com/office/drawing/2010/main" w="9525">
                   <a:solidFill>
                     <a:srgbClr val="000000"/>
                   </a:solidFill>
@@ -1247,7 +1253,7 @@
             </a:ln>
             <a:extLst>
               <a:ext uri="{91240B29-F687-4f45-9708-019B960494DF}">
-                <a14:hiddenLine xmlns:a14="http://schemas.microsoft.com/office/drawing/2010/main" xmlns="" w="9525">
+                <a14:hiddenLine xmlns="" xmlns:a14="http://schemas.microsoft.com/office/drawing/2010/main" w="9525">
                   <a:solidFill>
                     <a:srgbClr val="000000"/>
                   </a:solidFill>
@@ -1309,7 +1315,7 @@
             </a:ln>
             <a:extLst>
               <a:ext uri="{91240B29-F687-4f45-9708-019B960494DF}">
-                <a14:hiddenLine xmlns:a14="http://schemas.microsoft.com/office/drawing/2010/main" xmlns="" w="9525">
+                <a14:hiddenLine xmlns="" xmlns:a14="http://schemas.microsoft.com/office/drawing/2010/main" w="9525">
                   <a:solidFill>
                     <a:srgbClr val="000000"/>
                   </a:solidFill>
@@ -1399,7 +1405,7 @@
             </a:ln>
             <a:extLst>
               <a:ext uri="{91240B29-F687-4f45-9708-019B960494DF}">
-                <a14:hiddenLine xmlns:a14="http://schemas.microsoft.com/office/drawing/2010/main" xmlns="" w="9525">
+                <a14:hiddenLine xmlns="" xmlns:a14="http://schemas.microsoft.com/office/drawing/2010/main" w="9525">
                   <a:solidFill>
                     <a:srgbClr val="000000"/>
                   </a:solidFill>
@@ -1489,7 +1495,7 @@
             </a:ln>
             <a:extLst>
               <a:ext uri="{91240B29-F687-4f45-9708-019B960494DF}">
-                <a14:hiddenLine xmlns:a14="http://schemas.microsoft.com/office/drawing/2010/main" xmlns="" w="9525">
+                <a14:hiddenLine xmlns="" xmlns:a14="http://schemas.microsoft.com/office/drawing/2010/main" w="9525">
                   <a:solidFill>
                     <a:srgbClr val="000000"/>
                   </a:solidFill>
@@ -1551,7 +1557,7 @@
             </a:ln>
             <a:extLst>
               <a:ext uri="{91240B29-F687-4f45-9708-019B960494DF}">
-                <a14:hiddenLine xmlns:a14="http://schemas.microsoft.com/office/drawing/2010/main" xmlns="" w="9525">
+                <a14:hiddenLine xmlns="" xmlns:a14="http://schemas.microsoft.com/office/drawing/2010/main" w="9525">
                   <a:solidFill>
                     <a:srgbClr val="000000"/>
                   </a:solidFill>
@@ -1641,7 +1647,7 @@
             </a:ln>
             <a:extLst>
               <a:ext uri="{91240B29-F687-4f45-9708-019B960494DF}">
-                <a14:hiddenLine xmlns:a14="http://schemas.microsoft.com/office/drawing/2010/main" xmlns="" w="9525">
+                <a14:hiddenLine xmlns="" xmlns:a14="http://schemas.microsoft.com/office/drawing/2010/main" w="9525">
                   <a:solidFill>
                     <a:srgbClr val="000000"/>
                   </a:solidFill>
@@ -1731,7 +1737,7 @@
             </a:ln>
             <a:extLst>
               <a:ext uri="{91240B29-F687-4f45-9708-019B960494DF}">
-                <a14:hiddenLine xmlns:a14="http://schemas.microsoft.com/office/drawing/2010/main" xmlns="" w="9525">
+                <a14:hiddenLine xmlns="" xmlns:a14="http://schemas.microsoft.com/office/drawing/2010/main" w="9525">
                   <a:solidFill>
                     <a:srgbClr val="000000"/>
                   </a:solidFill>
@@ -1787,7 +1793,7 @@
             </a:ln>
             <a:extLst>
               <a:ext uri="{91240B29-F687-4f45-9708-019B960494DF}">
-                <a14:hiddenLine xmlns:a14="http://schemas.microsoft.com/office/drawing/2010/main" xmlns="" w="9525">
+                <a14:hiddenLine xmlns="" xmlns:a14="http://schemas.microsoft.com/office/drawing/2010/main" w="9525">
                   <a:solidFill>
                     <a:srgbClr val="000000"/>
                   </a:solidFill>
@@ -1877,7 +1883,7 @@
             </a:ln>
             <a:extLst>
               <a:ext uri="{91240B29-F687-4f45-9708-019B960494DF}">
-                <a14:hiddenLine xmlns:a14="http://schemas.microsoft.com/office/drawing/2010/main" xmlns="" w="9525">
+                <a14:hiddenLine xmlns="" xmlns:a14="http://schemas.microsoft.com/office/drawing/2010/main" w="9525">
                   <a:solidFill>
                     <a:srgbClr val="000000"/>
                   </a:solidFill>
@@ -1933,7 +1939,7 @@
             </a:ln>
             <a:extLst>
               <a:ext uri="{91240B29-F687-4f45-9708-019B960494DF}">
-                <a14:hiddenLine xmlns:a14="http://schemas.microsoft.com/office/drawing/2010/main" xmlns="" w="9525">
+                <a14:hiddenLine xmlns="" xmlns:a14="http://schemas.microsoft.com/office/drawing/2010/main" w="9525">
                   <a:solidFill>
                     <a:srgbClr val="000000"/>
                   </a:solidFill>
@@ -2023,7 +2029,7 @@
             </a:ln>
             <a:extLst>
               <a:ext uri="{91240B29-F687-4f45-9708-019B960494DF}">
-                <a14:hiddenLine xmlns:a14="http://schemas.microsoft.com/office/drawing/2010/main" xmlns="" w="9525">
+                <a14:hiddenLine xmlns="" xmlns:a14="http://schemas.microsoft.com/office/drawing/2010/main" w="9525">
                   <a:solidFill>
                     <a:srgbClr val="000000"/>
                   </a:solidFill>
@@ -2091,7 +2097,7 @@
             </a:ln>
             <a:extLst>
               <a:ext uri="{91240B29-F687-4f45-9708-019B960494DF}">
-                <a14:hiddenLine xmlns:a14="http://schemas.microsoft.com/office/drawing/2010/main" xmlns="" w="9525">
+                <a14:hiddenLine xmlns="" xmlns:a14="http://schemas.microsoft.com/office/drawing/2010/main" w="9525">
                   <a:solidFill>
                     <a:srgbClr val="000000"/>
                   </a:solidFill>
@@ -2181,7 +2187,7 @@
             </a:ln>
             <a:extLst>
               <a:ext uri="{91240B29-F687-4f45-9708-019B960494DF}">
-                <a14:hiddenLine xmlns:a14="http://schemas.microsoft.com/office/drawing/2010/main" xmlns="" w="9525">
+                <a14:hiddenLine xmlns="" xmlns:a14="http://schemas.microsoft.com/office/drawing/2010/main" w="9525">
                   <a:solidFill>
                     <a:srgbClr val="000000"/>
                   </a:solidFill>
@@ -2249,7 +2255,7 @@
             </a:ln>
             <a:extLst>
               <a:ext uri="{91240B29-F687-4f45-9708-019B960494DF}">
-                <a14:hiddenLine xmlns:a14="http://schemas.microsoft.com/office/drawing/2010/main" xmlns="" w="9525">
+                <a14:hiddenLine xmlns="" xmlns:a14="http://schemas.microsoft.com/office/drawing/2010/main" w="9525">
                   <a:solidFill>
                     <a:srgbClr val="000000"/>
                   </a:solidFill>
@@ -2339,7 +2345,7 @@
             </a:ln>
             <a:extLst>
               <a:ext uri="{91240B29-F687-4f45-9708-019B960494DF}">
-                <a14:hiddenLine xmlns:a14="http://schemas.microsoft.com/office/drawing/2010/main" xmlns="" w="9525">
+                <a14:hiddenLine xmlns="" xmlns:a14="http://schemas.microsoft.com/office/drawing/2010/main" w="9525">
                   <a:solidFill>
                     <a:srgbClr val="000000"/>
                   </a:solidFill>
@@ -2373,7 +2379,7 @@
             </a:ln>
             <a:extLst>
               <a:ext uri="{91240B29-F687-4f45-9708-019B960494DF}">
-                <a14:hiddenLine xmlns:a14="http://schemas.microsoft.com/office/drawing/2010/main" xmlns="" w="9525">
+                <a14:hiddenLine xmlns="" xmlns:a14="http://schemas.microsoft.com/office/drawing/2010/main" w="9525">
                   <a:solidFill>
                     <a:srgbClr val="000000"/>
                   </a:solidFill>
@@ -2463,7 +2469,7 @@
             </a:ln>
             <a:extLst>
               <a:ext uri="{91240B29-F687-4f45-9708-019B960494DF}">
-                <a14:hiddenLine xmlns:a14="http://schemas.microsoft.com/office/drawing/2010/main" xmlns="" w="9525">
+                <a14:hiddenLine xmlns="" xmlns:a14="http://schemas.microsoft.com/office/drawing/2010/main" w="9525">
                   <a:solidFill>
                     <a:srgbClr val="000000"/>
                   </a:solidFill>
@@ -2525,7 +2531,7 @@
             </a:ln>
             <a:extLst>
               <a:ext uri="{91240B29-F687-4f45-9708-019B960494DF}">
-                <a14:hiddenLine xmlns:a14="http://schemas.microsoft.com/office/drawing/2010/main" xmlns="" w="9525">
+                <a14:hiddenLine xmlns="" xmlns:a14="http://schemas.microsoft.com/office/drawing/2010/main" w="9525">
                   <a:solidFill>
                     <a:srgbClr val="000000"/>
                   </a:solidFill>
@@ -2587,7 +2593,7 @@
             </a:ln>
             <a:extLst>
               <a:ext uri="{91240B29-F687-4f45-9708-019B960494DF}">
-                <a14:hiddenLine xmlns:a14="http://schemas.microsoft.com/office/drawing/2010/main" xmlns="" w="9525">
+                <a14:hiddenLine xmlns="" xmlns:a14="http://schemas.microsoft.com/office/drawing/2010/main" w="9525">
                   <a:solidFill>
                     <a:srgbClr val="000000"/>
                   </a:solidFill>
@@ -2677,7 +2683,7 @@
             </a:ln>
             <a:extLst>
               <a:ext uri="{91240B29-F687-4f45-9708-019B960494DF}">
-                <a14:hiddenLine xmlns:a14="http://schemas.microsoft.com/office/drawing/2010/main" xmlns="" w="9525">
+                <a14:hiddenLine xmlns="" xmlns:a14="http://schemas.microsoft.com/office/drawing/2010/main" w="9525">
                   <a:solidFill>
                     <a:srgbClr val="000000"/>
                   </a:solidFill>
@@ -2745,7 +2751,7 @@
             </a:ln>
             <a:extLst>
               <a:ext uri="{91240B29-F687-4f45-9708-019B960494DF}">
-                <a14:hiddenLine xmlns:a14="http://schemas.microsoft.com/office/drawing/2010/main" xmlns="" w="9525">
+                <a14:hiddenLine xmlns="" xmlns:a14="http://schemas.microsoft.com/office/drawing/2010/main" w="9525">
                   <a:solidFill>
                     <a:srgbClr val="000000"/>
                   </a:solidFill>
@@ -2807,7 +2813,7 @@
             </a:ln>
             <a:extLst>
               <a:ext uri="{91240B29-F687-4f45-9708-019B960494DF}">
-                <a14:hiddenLine xmlns:a14="http://schemas.microsoft.com/office/drawing/2010/main" xmlns="" w="9525">
+                <a14:hiddenLine xmlns="" xmlns:a14="http://schemas.microsoft.com/office/drawing/2010/main" w="9525">
                   <a:solidFill>
                     <a:srgbClr val="000000"/>
                   </a:solidFill>
@@ -2897,7 +2903,7 @@
             </a:ln>
             <a:extLst>
               <a:ext uri="{91240B29-F687-4f45-9708-019B960494DF}">
-                <a14:hiddenLine xmlns:a14="http://schemas.microsoft.com/office/drawing/2010/main" xmlns="" w="9525">
+                <a14:hiddenLine xmlns="" xmlns:a14="http://schemas.microsoft.com/office/drawing/2010/main" w="9525">
                   <a:solidFill>
                     <a:srgbClr val="000000"/>
                   </a:solidFill>
@@ -2959,7 +2965,7 @@
             </a:ln>
             <a:extLst>
               <a:ext uri="{91240B29-F687-4f45-9708-019B960494DF}">
-                <a14:hiddenLine xmlns:a14="http://schemas.microsoft.com/office/drawing/2010/main" xmlns="" w="9525">
+                <a14:hiddenLine xmlns="" xmlns:a14="http://schemas.microsoft.com/office/drawing/2010/main" w="9525">
                   <a:solidFill>
                     <a:srgbClr val="000000"/>
                   </a:solidFill>
@@ -3049,7 +3055,7 @@
             </a:ln>
             <a:extLst>
               <a:ext uri="{91240B29-F687-4f45-9708-019B960494DF}">
-                <a14:hiddenLine xmlns:a14="http://schemas.microsoft.com/office/drawing/2010/main" xmlns="" w="9525">
+                <a14:hiddenLine xmlns="" xmlns:a14="http://schemas.microsoft.com/office/drawing/2010/main" w="9525">
                   <a:solidFill>
                     <a:srgbClr val="000000"/>
                   </a:solidFill>
@@ -3111,7 +3117,7 @@
             </a:ln>
             <a:extLst>
               <a:ext uri="{91240B29-F687-4f45-9708-019B960494DF}">
-                <a14:hiddenLine xmlns:a14="http://schemas.microsoft.com/office/drawing/2010/main" xmlns="" w="9525">
+                <a14:hiddenLine xmlns="" xmlns:a14="http://schemas.microsoft.com/office/drawing/2010/main" w="9525">
                   <a:solidFill>
                     <a:srgbClr val="000000"/>
                   </a:solidFill>
@@ -3201,7 +3207,7 @@
             </a:ln>
             <a:extLst>
               <a:ext uri="{91240B29-F687-4f45-9708-019B960494DF}">
-                <a14:hiddenLine xmlns:a14="http://schemas.microsoft.com/office/drawing/2010/main" xmlns="" w="9525">
+                <a14:hiddenLine xmlns="" xmlns:a14="http://schemas.microsoft.com/office/drawing/2010/main" w="9525">
                   <a:solidFill>
                     <a:srgbClr val="000000"/>
                   </a:solidFill>
@@ -3235,7 +3241,7 @@
             </a:ln>
             <a:extLst>
               <a:ext uri="{91240B29-F687-4f45-9708-019B960494DF}">
-                <a14:hiddenLine xmlns:a14="http://schemas.microsoft.com/office/drawing/2010/main" xmlns="" w="9525">
+                <a14:hiddenLine xmlns="" xmlns:a14="http://schemas.microsoft.com/office/drawing/2010/main" w="9525">
                   <a:solidFill>
                     <a:srgbClr val="000000"/>
                   </a:solidFill>
@@ -3300,7 +3306,7 @@
             </a:ln>
             <a:extLst>
               <a:ext uri="{91240B29-F687-4f45-9708-019B960494DF}">
-                <a14:hiddenLine xmlns:a14="http://schemas.microsoft.com/office/drawing/2010/main" xmlns="" w="9525">
+                <a14:hiddenLine xmlns="" xmlns:a14="http://schemas.microsoft.com/office/drawing/2010/main" w="9525">
                   <a:solidFill>
                     <a:srgbClr val="000000"/>
                   </a:solidFill>
@@ -3390,7 +3396,7 @@
             </a:ln>
             <a:extLst>
               <a:ext uri="{91240B29-F687-4f45-9708-019B960494DF}">
-                <a14:hiddenLine xmlns:a14="http://schemas.microsoft.com/office/drawing/2010/main" xmlns="" w="9525">
+                <a14:hiddenLine xmlns="" xmlns:a14="http://schemas.microsoft.com/office/drawing/2010/main" w="9525">
                   <a:solidFill>
                     <a:srgbClr val="000000"/>
                   </a:solidFill>
@@ -3452,7 +3458,7 @@
             </a:ln>
             <a:extLst>
               <a:ext uri="{91240B29-F687-4f45-9708-019B960494DF}">
-                <a14:hiddenLine xmlns:a14="http://schemas.microsoft.com/office/drawing/2010/main" xmlns="" w="9525">
+                <a14:hiddenLine xmlns="" xmlns:a14="http://schemas.microsoft.com/office/drawing/2010/main" w="9525">
                   <a:solidFill>
                     <a:srgbClr val="000000"/>
                   </a:solidFill>
@@ -3542,7 +3548,7 @@
             </a:ln>
             <a:extLst>
               <a:ext uri="{91240B29-F687-4f45-9708-019B960494DF}">
-                <a14:hiddenLine xmlns:a14="http://schemas.microsoft.com/office/drawing/2010/main" xmlns="" w="9525">
+                <a14:hiddenLine xmlns="" xmlns:a14="http://schemas.microsoft.com/office/drawing/2010/main" w="9525">
                   <a:solidFill>
                     <a:srgbClr val="000000"/>
                   </a:solidFill>
@@ -3632,7 +3638,7 @@
             </a:ln>
             <a:extLst>
               <a:ext uri="{91240B29-F687-4f45-9708-019B960494DF}">
-                <a14:hiddenLine xmlns:a14="http://schemas.microsoft.com/office/drawing/2010/main" xmlns="" w="9525">
+                <a14:hiddenLine xmlns="" xmlns:a14="http://schemas.microsoft.com/office/drawing/2010/main" w="9525">
                   <a:solidFill>
                     <a:srgbClr val="000000"/>
                   </a:solidFill>
@@ -3697,7 +3703,7 @@
             </a:ln>
             <a:extLst>
               <a:ext uri="{91240B29-F687-4f45-9708-019B960494DF}">
-                <a14:hiddenLine xmlns:a14="http://schemas.microsoft.com/office/drawing/2010/main" xmlns="" w="9525">
+                <a14:hiddenLine xmlns="" xmlns:a14="http://schemas.microsoft.com/office/drawing/2010/main" w="9525">
                   <a:solidFill>
                     <a:srgbClr val="000000"/>
                   </a:solidFill>
@@ -3759,7 +3765,7 @@
             </a:ln>
             <a:extLst>
               <a:ext uri="{91240B29-F687-4f45-9708-019B960494DF}">
-                <a14:hiddenLine xmlns:a14="http://schemas.microsoft.com/office/drawing/2010/main" xmlns="" w="9525">
+                <a14:hiddenLine xmlns="" xmlns:a14="http://schemas.microsoft.com/office/drawing/2010/main" w="9525">
                   <a:solidFill>
                     <a:srgbClr val="000000"/>
                   </a:solidFill>
@@ -3849,7 +3855,7 @@
             </a:ln>
             <a:extLst>
               <a:ext uri="{91240B29-F687-4f45-9708-019B960494DF}">
-                <a14:hiddenLine xmlns:a14="http://schemas.microsoft.com/office/drawing/2010/main" xmlns="" w="9525">
+                <a14:hiddenLine xmlns="" xmlns:a14="http://schemas.microsoft.com/office/drawing/2010/main" w="9525">
                   <a:solidFill>
                     <a:srgbClr val="000000"/>
                   </a:solidFill>
@@ -3939,7 +3945,7 @@
             </a:ln>
             <a:extLst>
               <a:ext uri="{91240B29-F687-4f45-9708-019B960494DF}">
-                <a14:hiddenLine xmlns:a14="http://schemas.microsoft.com/office/drawing/2010/main" xmlns="" w="9525">
+                <a14:hiddenLine xmlns="" xmlns:a14="http://schemas.microsoft.com/office/drawing/2010/main" w="9525">
                   <a:solidFill>
                     <a:srgbClr val="000000"/>
                   </a:solidFill>
@@ -4001,7 +4007,7 @@
             </a:ln>
             <a:extLst>
               <a:ext uri="{91240B29-F687-4f45-9708-019B960494DF}">
-                <a14:hiddenLine xmlns:a14="http://schemas.microsoft.com/office/drawing/2010/main" xmlns="" w="9525">
+                <a14:hiddenLine xmlns="" xmlns:a14="http://schemas.microsoft.com/office/drawing/2010/main" w="9525">
                   <a:solidFill>
                     <a:srgbClr val="000000"/>
                   </a:solidFill>
@@ -4121,7 +4127,7 @@
             </a:ln>
             <a:extLst>
               <a:ext uri="{91240B29-F687-4f45-9708-019B960494DF}">
-                <a14:hiddenLine xmlns:a14="http://schemas.microsoft.com/office/drawing/2010/main" xmlns="" w="9525">
+                <a14:hiddenLine xmlns="" xmlns:a14="http://schemas.microsoft.com/office/drawing/2010/main" w="9525">
                   <a:solidFill>
                     <a:srgbClr val="000000"/>
                   </a:solidFill>
@@ -4189,7 +4195,7 @@
             </a:ln>
             <a:extLst>
               <a:ext uri="{91240B29-F687-4f45-9708-019B960494DF}">
-                <a14:hiddenLine xmlns:a14="http://schemas.microsoft.com/office/drawing/2010/main" xmlns="" w="9525">
+                <a14:hiddenLine xmlns="" xmlns:a14="http://schemas.microsoft.com/office/drawing/2010/main" w="9525">
                   <a:solidFill>
                     <a:srgbClr val="000000"/>
                   </a:solidFill>
@@ -4279,7 +4285,7 @@
             </a:ln>
             <a:extLst>
               <a:ext uri="{91240B29-F687-4f45-9708-019B960494DF}">
-                <a14:hiddenLine xmlns:a14="http://schemas.microsoft.com/office/drawing/2010/main" xmlns="" w="9525">
+                <a14:hiddenLine xmlns="" xmlns:a14="http://schemas.microsoft.com/office/drawing/2010/main" w="9525">
                   <a:solidFill>
                     <a:srgbClr val="000000"/>
                   </a:solidFill>
@@ -4419,7 +4425,7 @@
           <a:p>
             <a:fld id="{48A87A34-81AB-432B-8DAE-1953F412C126}" type="datetimeFigureOut">
               <a:rPr lang="en-US" smtClean="0"/>
-              <a:t>28-Aug-17</a:t>
+              <a:t>12-Sep-17</a:t>
             </a:fld>
             <a:endParaRPr lang="en-US" dirty="0"/>
           </a:p>
@@ -4686,7 +4692,7 @@
           <a:p>
             <a:fld id="{48A87A34-81AB-432B-8DAE-1953F412C126}" type="datetimeFigureOut">
               <a:rPr lang="en-US" smtClean="0"/>
-              <a:t>28-Aug-17</a:t>
+              <a:t>12-Sep-17</a:t>
             </a:fld>
             <a:endParaRPr lang="en-US" dirty="0"/>
           </a:p>
@@ -4882,7 +4888,7 @@
           <a:p>
             <a:fld id="{48A87A34-81AB-432B-8DAE-1953F412C126}" type="datetimeFigureOut">
               <a:rPr lang="en-US" smtClean="0"/>
-              <a:t>28-Aug-17</a:t>
+              <a:t>12-Sep-17</a:t>
             </a:fld>
             <a:endParaRPr lang="en-US" dirty="0"/>
           </a:p>
@@ -5145,7 +5151,7 @@
           <a:p>
             <a:fld id="{48A87A34-81AB-432B-8DAE-1953F412C126}" type="datetimeFigureOut">
               <a:rPr lang="en-US" smtClean="0"/>
-              <a:t>28-Aug-17</a:t>
+              <a:t>12-Sep-17</a:t>
             </a:fld>
             <a:endParaRPr lang="en-US" dirty="0"/>
           </a:p>
@@ -5579,7 +5585,7 @@
           <a:p>
             <a:fld id="{48A87A34-81AB-432B-8DAE-1953F412C126}" type="datetimeFigureOut">
               <a:rPr lang="en-US" smtClean="0"/>
-              <a:t>28-Aug-17</a:t>
+              <a:t>12-Sep-17</a:t>
             </a:fld>
             <a:endParaRPr lang="en-US" dirty="0"/>
           </a:p>
@@ -6125,7 +6131,7 @@
           <a:p>
             <a:fld id="{48A87A34-81AB-432B-8DAE-1953F412C126}" type="datetimeFigureOut">
               <a:rPr lang="en-US" smtClean="0"/>
-              <a:t>28-Aug-17</a:t>
+              <a:t>12-Sep-17</a:t>
             </a:fld>
             <a:endParaRPr lang="en-US" dirty="0"/>
           </a:p>
@@ -6845,7 +6851,7 @@
           <a:p>
             <a:fld id="{48A87A34-81AB-432B-8DAE-1953F412C126}" type="datetimeFigureOut">
               <a:rPr lang="en-US" smtClean="0"/>
-              <a:t>28-Aug-17</a:t>
+              <a:t>12-Sep-17</a:t>
             </a:fld>
             <a:endParaRPr lang="en-US" dirty="0"/>
           </a:p>
@@ -7015,7 +7021,7 @@
           <a:p>
             <a:fld id="{48A87A34-81AB-432B-8DAE-1953F412C126}" type="datetimeFigureOut">
               <a:rPr lang="en-US" smtClean="0"/>
-              <a:t>28-Aug-17</a:t>
+              <a:t>12-Sep-17</a:t>
             </a:fld>
             <a:endParaRPr lang="en-US" dirty="0"/>
           </a:p>
@@ -7195,7 +7201,7 @@
           <a:p>
             <a:fld id="{48A87A34-81AB-432B-8DAE-1953F412C126}" type="datetimeFigureOut">
               <a:rPr lang="en-US" smtClean="0"/>
-              <a:t>28-Aug-17</a:t>
+              <a:t>12-Sep-17</a:t>
             </a:fld>
             <a:endParaRPr lang="en-US" dirty="0"/>
           </a:p>
@@ -7365,7 +7371,7 @@
           <a:p>
             <a:fld id="{48A87A34-81AB-432B-8DAE-1953F412C126}" type="datetimeFigureOut">
               <a:rPr lang="en-US" smtClean="0"/>
-              <a:t>28-Aug-17</a:t>
+              <a:t>12-Sep-17</a:t>
             </a:fld>
             <a:endParaRPr lang="en-US" dirty="0"/>
           </a:p>
@@ -7615,7 +7621,7 @@
           <a:p>
             <a:fld id="{48A87A34-81AB-432B-8DAE-1953F412C126}" type="datetimeFigureOut">
               <a:rPr lang="en-US" smtClean="0"/>
-              <a:t>28-Aug-17</a:t>
+              <a:t>12-Sep-17</a:t>
             </a:fld>
             <a:endParaRPr lang="en-US" dirty="0"/>
           </a:p>
@@ -7847,7 +7853,7 @@
           <a:p>
             <a:fld id="{48A87A34-81AB-432B-8DAE-1953F412C126}" type="datetimeFigureOut">
               <a:rPr lang="en-US" smtClean="0"/>
-              <a:t>28-Aug-17</a:t>
+              <a:t>12-Sep-17</a:t>
             </a:fld>
             <a:endParaRPr lang="en-US" dirty="0"/>
           </a:p>
@@ -8228,7 +8234,7 @@
           <a:p>
             <a:fld id="{48A87A34-81AB-432B-8DAE-1953F412C126}" type="datetimeFigureOut">
               <a:rPr lang="en-US" smtClean="0"/>
-              <a:t>28-Aug-17</a:t>
+              <a:t>12-Sep-17</a:t>
             </a:fld>
             <a:endParaRPr lang="en-US" dirty="0"/>
           </a:p>
@@ -8346,7 +8352,7 @@
           <a:p>
             <a:fld id="{48A87A34-81AB-432B-8DAE-1953F412C126}" type="datetimeFigureOut">
               <a:rPr lang="en-US" smtClean="0"/>
-              <a:t>28-Aug-17</a:t>
+              <a:t>12-Sep-17</a:t>
             </a:fld>
             <a:endParaRPr lang="en-US" dirty="0"/>
           </a:p>
@@ -8441,7 +8447,7 @@
           <a:p>
             <a:fld id="{48A87A34-81AB-432B-8DAE-1953F412C126}" type="datetimeFigureOut">
               <a:rPr lang="en-US" smtClean="0"/>
-              <a:t>28-Aug-17</a:t>
+              <a:t>12-Sep-17</a:t>
             </a:fld>
             <a:endParaRPr lang="en-US" dirty="0"/>
           </a:p>
@@ -8690,7 +8696,7 @@
           <a:p>
             <a:fld id="{48A87A34-81AB-432B-8DAE-1953F412C126}" type="datetimeFigureOut">
               <a:rPr lang="en-US" smtClean="0"/>
-              <a:t>28-Aug-17</a:t>
+              <a:t>12-Sep-17</a:t>
             </a:fld>
             <a:endParaRPr lang="en-US" dirty="0"/>
           </a:p>
@@ -8970,7 +8976,7 @@
           <a:p>
             <a:fld id="{48A87A34-81AB-432B-8DAE-1953F412C126}" type="datetimeFigureOut">
               <a:rPr lang="en-US" smtClean="0"/>
-              <a:t>28-Aug-17</a:t>
+              <a:t>12-Sep-17</a:t>
             </a:fld>
             <a:endParaRPr lang="en-US" dirty="0"/>
           </a:p>
@@ -9086,7 +9092,7 @@
           <a:noFill/>
           <a:extLst>
             <a:ext uri="{909E8E84-426E-40dd-AFC4-6F175D3DCCD1}">
-              <a14:hiddenFill xmlns:a14="http://schemas.microsoft.com/office/drawing/2010/main" xmlns="">
+              <a14:hiddenFill xmlns="" xmlns:a14="http://schemas.microsoft.com/office/drawing/2010/main">
                 <a:solidFill>
                   <a:srgbClr val="FFFFFF"/>
                 </a:solidFill>
@@ -9160,7 +9166,7 @@
               </a:ln>
               <a:extLst>
                 <a:ext uri="{91240B29-F687-4f45-9708-019B960494DF}">
-                  <a14:hiddenLine xmlns:a14="http://schemas.microsoft.com/office/drawing/2010/main" xmlns="" w="9525">
+                  <a14:hiddenLine xmlns="" xmlns:a14="http://schemas.microsoft.com/office/drawing/2010/main" w="9525">
                     <a:solidFill>
                       <a:srgbClr val="000000"/>
                     </a:solidFill>
@@ -9250,7 +9256,7 @@
               </a:ln>
               <a:extLst>
                 <a:ext uri="{91240B29-F687-4f45-9708-019B960494DF}">
-                  <a14:hiddenLine xmlns:a14="http://schemas.microsoft.com/office/drawing/2010/main" xmlns="" w="9525">
+                  <a14:hiddenLine xmlns="" xmlns:a14="http://schemas.microsoft.com/office/drawing/2010/main" w="9525">
                     <a:solidFill>
                       <a:srgbClr val="000000"/>
                     </a:solidFill>
@@ -9340,7 +9346,7 @@
               </a:ln>
               <a:extLst>
                 <a:ext uri="{91240B29-F687-4f45-9708-019B960494DF}">
-                  <a14:hiddenLine xmlns:a14="http://schemas.microsoft.com/office/drawing/2010/main" xmlns="" w="9525">
+                  <a14:hiddenLine xmlns="" xmlns:a14="http://schemas.microsoft.com/office/drawing/2010/main" w="9525">
                     <a:solidFill>
                       <a:srgbClr val="000000"/>
                     </a:solidFill>
@@ -9402,7 +9408,7 @@
               </a:ln>
               <a:extLst>
                 <a:ext uri="{91240B29-F687-4f45-9708-019B960494DF}">
-                  <a14:hiddenLine xmlns:a14="http://schemas.microsoft.com/office/drawing/2010/main" xmlns="" w="9525">
+                  <a14:hiddenLine xmlns="" xmlns:a14="http://schemas.microsoft.com/office/drawing/2010/main" w="9525">
                     <a:solidFill>
                       <a:srgbClr val="000000"/>
                     </a:solidFill>
@@ -9492,7 +9498,7 @@
               </a:ln>
               <a:extLst>
                 <a:ext uri="{91240B29-F687-4f45-9708-019B960494DF}">
-                  <a14:hiddenLine xmlns:a14="http://schemas.microsoft.com/office/drawing/2010/main" xmlns="" w="9525">
+                  <a14:hiddenLine xmlns="" xmlns:a14="http://schemas.microsoft.com/office/drawing/2010/main" w="9525">
                     <a:solidFill>
                       <a:srgbClr val="000000"/>
                     </a:solidFill>
@@ -9554,7 +9560,7 @@
               </a:ln>
               <a:extLst>
                 <a:ext uri="{91240B29-F687-4f45-9708-019B960494DF}">
-                  <a14:hiddenLine xmlns:a14="http://schemas.microsoft.com/office/drawing/2010/main" xmlns="" w="9525">
+                  <a14:hiddenLine xmlns="" xmlns:a14="http://schemas.microsoft.com/office/drawing/2010/main" w="9525">
                     <a:solidFill>
                       <a:srgbClr val="000000"/>
                     </a:solidFill>
@@ -9616,7 +9622,7 @@
               </a:ln>
               <a:extLst>
                 <a:ext uri="{91240B29-F687-4f45-9708-019B960494DF}">
-                  <a14:hiddenLine xmlns:a14="http://schemas.microsoft.com/office/drawing/2010/main" xmlns="" w="9525">
+                  <a14:hiddenLine xmlns="" xmlns:a14="http://schemas.microsoft.com/office/drawing/2010/main" w="9525">
                     <a:solidFill>
                       <a:srgbClr val="000000"/>
                     </a:solidFill>
@@ -9706,7 +9712,7 @@
               </a:ln>
               <a:extLst>
                 <a:ext uri="{91240B29-F687-4f45-9708-019B960494DF}">
-                  <a14:hiddenLine xmlns:a14="http://schemas.microsoft.com/office/drawing/2010/main" xmlns="" w="9525">
+                  <a14:hiddenLine xmlns="" xmlns:a14="http://schemas.microsoft.com/office/drawing/2010/main" w="9525">
                     <a:solidFill>
                       <a:srgbClr val="000000"/>
                     </a:solidFill>
@@ -9796,7 +9802,7 @@
               </a:ln>
               <a:extLst>
                 <a:ext uri="{91240B29-F687-4f45-9708-019B960494DF}">
-                  <a14:hiddenLine xmlns:a14="http://schemas.microsoft.com/office/drawing/2010/main" xmlns="" w="9525">
+                  <a14:hiddenLine xmlns="" xmlns:a14="http://schemas.microsoft.com/office/drawing/2010/main" w="9525">
                     <a:solidFill>
                       <a:srgbClr val="000000"/>
                     </a:solidFill>
@@ -9858,7 +9864,7 @@
               </a:ln>
               <a:extLst>
                 <a:ext uri="{91240B29-F687-4f45-9708-019B960494DF}">
-                  <a14:hiddenLine xmlns:a14="http://schemas.microsoft.com/office/drawing/2010/main" xmlns="" w="9525">
+                  <a14:hiddenLine xmlns="" xmlns:a14="http://schemas.microsoft.com/office/drawing/2010/main" w="9525">
                     <a:solidFill>
                       <a:srgbClr val="000000"/>
                     </a:solidFill>
@@ -9968,7 +9974,7 @@
               </a:ln>
               <a:extLst>
                 <a:ext uri="{91240B29-F687-4f45-9708-019B960494DF}">
-                  <a14:hiddenLine xmlns:a14="http://schemas.microsoft.com/office/drawing/2010/main" xmlns="" w="9525">
+                  <a14:hiddenLine xmlns="" xmlns:a14="http://schemas.microsoft.com/office/drawing/2010/main" w="9525">
                     <a:solidFill>
                       <a:srgbClr val="000000"/>
                     </a:solidFill>
@@ -10052,7 +10058,7 @@
               </a:ln>
               <a:extLst>
                 <a:ext uri="{91240B29-F687-4f45-9708-019B960494DF}">
-                  <a14:hiddenLine xmlns:a14="http://schemas.microsoft.com/office/drawing/2010/main" xmlns="" w="9525">
+                  <a14:hiddenLine xmlns="" xmlns:a14="http://schemas.microsoft.com/office/drawing/2010/main" w="9525">
                     <a:solidFill>
                       <a:srgbClr val="000000"/>
                     </a:solidFill>
@@ -10114,7 +10120,7 @@
               </a:ln>
               <a:extLst>
                 <a:ext uri="{91240B29-F687-4f45-9708-019B960494DF}">
-                  <a14:hiddenLine xmlns:a14="http://schemas.microsoft.com/office/drawing/2010/main" xmlns="" w="9525">
+                  <a14:hiddenLine xmlns="" xmlns:a14="http://schemas.microsoft.com/office/drawing/2010/main" w="9525">
                     <a:solidFill>
                       <a:srgbClr val="000000"/>
                     </a:solidFill>
@@ -10176,7 +10182,7 @@
               </a:ln>
               <a:extLst>
                 <a:ext uri="{91240B29-F687-4f45-9708-019B960494DF}">
-                  <a14:hiddenLine xmlns:a14="http://schemas.microsoft.com/office/drawing/2010/main" xmlns="" w="9525">
+                  <a14:hiddenLine xmlns="" xmlns:a14="http://schemas.microsoft.com/office/drawing/2010/main" w="9525">
                     <a:solidFill>
                       <a:srgbClr val="000000"/>
                     </a:solidFill>
@@ -10266,7 +10272,7 @@
               </a:ln>
               <a:extLst>
                 <a:ext uri="{91240B29-F687-4f45-9708-019B960494DF}">
-                  <a14:hiddenLine xmlns:a14="http://schemas.microsoft.com/office/drawing/2010/main" xmlns="" w="9525">
+                  <a14:hiddenLine xmlns="" xmlns:a14="http://schemas.microsoft.com/office/drawing/2010/main" w="9525">
                     <a:solidFill>
                       <a:srgbClr val="000000"/>
                     </a:solidFill>
@@ -10300,7 +10306,7 @@
               </a:ln>
               <a:extLst>
                 <a:ext uri="{91240B29-F687-4f45-9708-019B960494DF}">
-                  <a14:hiddenLine xmlns:a14="http://schemas.microsoft.com/office/drawing/2010/main" xmlns="" w="9525">
+                  <a14:hiddenLine xmlns="" xmlns:a14="http://schemas.microsoft.com/office/drawing/2010/main" w="9525">
                     <a:solidFill>
                       <a:srgbClr val="000000"/>
                     </a:solidFill>
@@ -10365,7 +10371,7 @@
               </a:ln>
               <a:extLst>
                 <a:ext uri="{91240B29-F687-4f45-9708-019B960494DF}">
-                  <a14:hiddenLine xmlns:a14="http://schemas.microsoft.com/office/drawing/2010/main" xmlns="" w="9525">
+                  <a14:hiddenLine xmlns="" xmlns:a14="http://schemas.microsoft.com/office/drawing/2010/main" w="9525">
                     <a:solidFill>
                       <a:srgbClr val="000000"/>
                     </a:solidFill>
@@ -10455,7 +10461,7 @@
               </a:ln>
               <a:extLst>
                 <a:ext uri="{91240B29-F687-4f45-9708-019B960494DF}">
-                  <a14:hiddenLine xmlns:a14="http://schemas.microsoft.com/office/drawing/2010/main" xmlns="" w="9525">
+                  <a14:hiddenLine xmlns="" xmlns:a14="http://schemas.microsoft.com/office/drawing/2010/main" w="9525">
                     <a:solidFill>
                       <a:srgbClr val="000000"/>
                     </a:solidFill>
@@ -10517,7 +10523,7 @@
               </a:ln>
               <a:extLst>
                 <a:ext uri="{91240B29-F687-4f45-9708-019B960494DF}">
-                  <a14:hiddenLine xmlns:a14="http://schemas.microsoft.com/office/drawing/2010/main" xmlns="" w="9525">
+                  <a14:hiddenLine xmlns="" xmlns:a14="http://schemas.microsoft.com/office/drawing/2010/main" w="9525">
                     <a:solidFill>
                       <a:srgbClr val="000000"/>
                     </a:solidFill>
@@ -10607,7 +10613,7 @@
               </a:ln>
               <a:extLst>
                 <a:ext uri="{91240B29-F687-4f45-9708-019B960494DF}">
-                  <a14:hiddenLine xmlns:a14="http://schemas.microsoft.com/office/drawing/2010/main" xmlns="" w="9525">
+                  <a14:hiddenLine xmlns="" xmlns:a14="http://schemas.microsoft.com/office/drawing/2010/main" w="9525">
                     <a:solidFill>
                       <a:srgbClr val="000000"/>
                     </a:solidFill>
@@ -10672,7 +10678,7 @@
               </a:ln>
               <a:extLst>
                 <a:ext uri="{91240B29-F687-4f45-9708-019B960494DF}">
-                  <a14:hiddenLine xmlns:a14="http://schemas.microsoft.com/office/drawing/2010/main" xmlns="" w="9525">
+                  <a14:hiddenLine xmlns="" xmlns:a14="http://schemas.microsoft.com/office/drawing/2010/main" w="9525">
                     <a:solidFill>
                       <a:srgbClr val="000000"/>
                     </a:solidFill>
@@ -10734,7 +10740,7 @@
               </a:ln>
               <a:extLst>
                 <a:ext uri="{91240B29-F687-4f45-9708-019B960494DF}">
-                  <a14:hiddenLine xmlns:a14="http://schemas.microsoft.com/office/drawing/2010/main" xmlns="" w="9525">
+                  <a14:hiddenLine xmlns="" xmlns:a14="http://schemas.microsoft.com/office/drawing/2010/main" w="9525">
                     <a:solidFill>
                       <a:srgbClr val="000000"/>
                     </a:solidFill>
@@ -10824,7 +10830,7 @@
               </a:ln>
               <a:extLst>
                 <a:ext uri="{91240B29-F687-4f45-9708-019B960494DF}">
-                  <a14:hiddenLine xmlns:a14="http://schemas.microsoft.com/office/drawing/2010/main" xmlns="" w="9525">
+                  <a14:hiddenLine xmlns="" xmlns:a14="http://schemas.microsoft.com/office/drawing/2010/main" w="9525">
                     <a:solidFill>
                       <a:srgbClr val="000000"/>
                     </a:solidFill>
@@ -10914,7 +10920,7 @@
               </a:ln>
               <a:extLst>
                 <a:ext uri="{91240B29-F687-4f45-9708-019B960494DF}">
-                  <a14:hiddenLine xmlns:a14="http://schemas.microsoft.com/office/drawing/2010/main" xmlns="" w="9525">
+                  <a14:hiddenLine xmlns="" xmlns:a14="http://schemas.microsoft.com/office/drawing/2010/main" w="9525">
                     <a:solidFill>
                       <a:srgbClr val="000000"/>
                     </a:solidFill>
@@ -10979,7 +10985,7 @@
               </a:ln>
               <a:extLst>
                 <a:ext uri="{91240B29-F687-4f45-9708-019B960494DF}">
-                  <a14:hiddenLine xmlns:a14="http://schemas.microsoft.com/office/drawing/2010/main" xmlns="" w="9525">
+                  <a14:hiddenLine xmlns="" xmlns:a14="http://schemas.microsoft.com/office/drawing/2010/main" w="9525">
                     <a:solidFill>
                       <a:srgbClr val="000000"/>
                     </a:solidFill>
@@ -11099,7 +11105,7 @@
               </a:ln>
               <a:extLst>
                 <a:ext uri="{91240B29-F687-4f45-9708-019B960494DF}">
-                  <a14:hiddenLine xmlns:a14="http://schemas.microsoft.com/office/drawing/2010/main" xmlns="" w="9525">
+                  <a14:hiddenLine xmlns="" xmlns:a14="http://schemas.microsoft.com/office/drawing/2010/main" w="9525">
                     <a:solidFill>
                       <a:srgbClr val="000000"/>
                     </a:solidFill>
@@ -11197,7 +11203,7 @@
               </a:ln>
               <a:extLst>
                 <a:ext uri="{91240B29-F687-4f45-9708-019B960494DF}">
-                  <a14:hiddenLine xmlns:a14="http://schemas.microsoft.com/office/drawing/2010/main" xmlns="" w="9525">
+                  <a14:hiddenLine xmlns="" xmlns:a14="http://schemas.microsoft.com/office/drawing/2010/main" w="9525">
                     <a:solidFill>
                       <a:srgbClr val="000000"/>
                     </a:solidFill>
@@ -11312,7 +11318,7 @@
               </a:ln>
               <a:extLst>
                 <a:ext uri="{91240B29-F687-4f45-9708-019B960494DF}">
-                  <a14:hiddenLine xmlns:a14="http://schemas.microsoft.com/office/drawing/2010/main" xmlns="" w="9525">
+                  <a14:hiddenLine xmlns="" xmlns:a14="http://schemas.microsoft.com/office/drawing/2010/main" w="9525">
                     <a:solidFill>
                       <a:srgbClr val="000000"/>
                     </a:solidFill>
@@ -11402,7 +11408,7 @@
               </a:ln>
               <a:extLst>
                 <a:ext uri="{91240B29-F687-4f45-9708-019B960494DF}">
-                  <a14:hiddenLine xmlns:a14="http://schemas.microsoft.com/office/drawing/2010/main" xmlns="" w="9525">
+                  <a14:hiddenLine xmlns="" xmlns:a14="http://schemas.microsoft.com/office/drawing/2010/main" w="9525">
                     <a:solidFill>
                       <a:srgbClr val="000000"/>
                     </a:solidFill>
@@ -11467,7 +11473,7 @@
               </a:ln>
               <a:extLst>
                 <a:ext uri="{91240B29-F687-4f45-9708-019B960494DF}">
-                  <a14:hiddenLine xmlns:a14="http://schemas.microsoft.com/office/drawing/2010/main" xmlns="" w="9525">
+                  <a14:hiddenLine xmlns="" xmlns:a14="http://schemas.microsoft.com/office/drawing/2010/main" w="9525">
                     <a:solidFill>
                       <a:srgbClr val="000000"/>
                     </a:solidFill>
@@ -11557,7 +11563,7 @@
               </a:ln>
               <a:extLst>
                 <a:ext uri="{91240B29-F687-4f45-9708-019B960494DF}">
-                  <a14:hiddenLine xmlns:a14="http://schemas.microsoft.com/office/drawing/2010/main" xmlns="" w="9525">
+                  <a14:hiddenLine xmlns="" xmlns:a14="http://schemas.microsoft.com/office/drawing/2010/main" w="9525">
                     <a:solidFill>
                       <a:srgbClr val="000000"/>
                     </a:solidFill>
@@ -11625,7 +11631,7 @@
               </a:ln>
               <a:extLst>
                 <a:ext uri="{91240B29-F687-4f45-9708-019B960494DF}">
-                  <a14:hiddenLine xmlns:a14="http://schemas.microsoft.com/office/drawing/2010/main" xmlns="" w="9525">
+                  <a14:hiddenLine xmlns="" xmlns:a14="http://schemas.microsoft.com/office/drawing/2010/main" w="9525">
                     <a:solidFill>
                       <a:srgbClr val="000000"/>
                     </a:solidFill>
@@ -11715,7 +11721,7 @@
               </a:ln>
               <a:extLst>
                 <a:ext uri="{91240B29-F687-4f45-9708-019B960494DF}">
-                  <a14:hiddenLine xmlns:a14="http://schemas.microsoft.com/office/drawing/2010/main" xmlns="" w="9525">
+                  <a14:hiddenLine xmlns="" xmlns:a14="http://schemas.microsoft.com/office/drawing/2010/main" w="9525">
                     <a:solidFill>
                       <a:srgbClr val="000000"/>
                     </a:solidFill>
@@ -11783,7 +11789,7 @@
               </a:ln>
               <a:extLst>
                 <a:ext uri="{91240B29-F687-4f45-9708-019B960494DF}">
-                  <a14:hiddenLine xmlns:a14="http://schemas.microsoft.com/office/drawing/2010/main" xmlns="" w="9525">
+                  <a14:hiddenLine xmlns="" xmlns:a14="http://schemas.microsoft.com/office/drawing/2010/main" w="9525">
                     <a:solidFill>
                       <a:srgbClr val="000000"/>
                     </a:solidFill>
@@ -11873,7 +11879,7 @@
               </a:ln>
               <a:extLst>
                 <a:ext uri="{91240B29-F687-4f45-9708-019B960494DF}">
-                  <a14:hiddenLine xmlns:a14="http://schemas.microsoft.com/office/drawing/2010/main" xmlns="" w="9525">
+                  <a14:hiddenLine xmlns="" xmlns:a14="http://schemas.microsoft.com/office/drawing/2010/main" w="9525">
                     <a:solidFill>
                       <a:srgbClr val="000000"/>
                     </a:solidFill>
@@ -11907,7 +11913,7 @@
               </a:ln>
               <a:extLst>
                 <a:ext uri="{91240B29-F687-4f45-9708-019B960494DF}">
-                  <a14:hiddenLine xmlns:a14="http://schemas.microsoft.com/office/drawing/2010/main" xmlns="" w="9525">
+                  <a14:hiddenLine xmlns="" xmlns:a14="http://schemas.microsoft.com/office/drawing/2010/main" w="9525">
                     <a:solidFill>
                       <a:srgbClr val="000000"/>
                     </a:solidFill>
@@ -12048,7 +12054,7 @@
             <a:fld id="{48A87A34-81AB-432B-8DAE-1953F412C126}" type="datetimeFigureOut">
               <a:rPr lang="en-US" smtClean="0"/>
               <a:pPr/>
-              <a:t>28-Aug-17</a:t>
+              <a:t>12-Sep-17</a:t>
             </a:fld>
             <a:endParaRPr lang="en-US" dirty="0"/>
           </a:p>
@@ -12621,6 +12627,137 @@
           <p:cNvPr id="2" name="Title 1">
             <a:extLst>
               <a:ext uri="{FF2B5EF4-FFF2-40B4-BE49-F238E27FC236}">
+                <a16:creationId xmlns:a16="http://schemas.microsoft.com/office/drawing/2014/main" id="{6C550332-E48A-4D78-93DE-03FAF01E5B58}"/>
+              </a:ext>
+            </a:extLst>
+          </p:cNvPr>
+          <p:cNvSpPr>
+            <a:spLocks noGrp="1"/>
+          </p:cNvSpPr>
+          <p:nvPr>
+            <p:ph type="title"/>
+          </p:nvPr>
+        </p:nvSpPr>
+        <p:spPr/>
+        <p:txBody>
+          <a:bodyPr/>
+          <a:lstStyle/>
+          <a:p>
+            <a:r>
+              <a:rPr lang="en-US" dirty="0">
+                <a:solidFill>
+                  <a:schemeClr val="bg1">
+                    <a:lumMod val="75000"/>
+                    <a:lumOff val="25000"/>
+                  </a:schemeClr>
+                </a:solidFill>
+              </a:rPr>
+              <a:t>FUNCTIONALITIES</a:t>
+            </a:r>
+          </a:p>
+        </p:txBody>
+      </p:sp>
+      <p:sp>
+        <p:nvSpPr>
+          <p:cNvPr id="3" name="Content Placeholder 2">
+            <a:extLst>
+              <a:ext uri="{FF2B5EF4-FFF2-40B4-BE49-F238E27FC236}">
+                <a16:creationId xmlns:a16="http://schemas.microsoft.com/office/drawing/2014/main" id="{50BB1120-307E-411A-A856-5CFF9BBA681D}"/>
+              </a:ext>
+            </a:extLst>
+          </p:cNvPr>
+          <p:cNvSpPr>
+            <a:spLocks noGrp="1"/>
+          </p:cNvSpPr>
+          <p:nvPr>
+            <p:ph idx="1"/>
+          </p:nvPr>
+        </p:nvSpPr>
+        <p:spPr/>
+        <p:txBody>
+          <a:bodyPr>
+            <a:normAutofit fontScale="92500" lnSpcReduction="10000"/>
+          </a:bodyPr>
+          <a:lstStyle/>
+          <a:p>
+            <a:r>
+              <a:rPr lang="en-US" dirty="0"/>
+              <a:t>Provision for creating Dynamic Models.</a:t>
+            </a:r>
+          </a:p>
+          <a:p>
+            <a:r>
+              <a:rPr lang="en-US" dirty="0"/>
+              <a:t>Provision for viewing Models.</a:t>
+            </a:r>
+          </a:p>
+          <a:p>
+            <a:r>
+              <a:rPr lang="en-US" dirty="0"/>
+              <a:t>Provision for saving Models.</a:t>
+            </a:r>
+          </a:p>
+          <a:p>
+            <a:r>
+              <a:rPr lang="en-US" dirty="0"/>
+              <a:t>Providing Better Graphical User Interface.</a:t>
+            </a:r>
+          </a:p>
+          <a:p>
+            <a:r>
+              <a:rPr lang="en-US" dirty="0"/>
+              <a:t>Provision for sharing the architecture or models.</a:t>
+            </a:r>
+          </a:p>
+          <a:p>
+            <a:r>
+              <a:rPr lang="en-US" dirty="0"/>
+              <a:t>Provision for adding and altering 3D architecture.</a:t>
+            </a:r>
+          </a:p>
+          <a:p>
+            <a:r>
+              <a:rPr lang="en-US" dirty="0"/>
+              <a:t>Provision for creating multiple models at a time.</a:t>
+            </a:r>
+          </a:p>
+        </p:txBody>
+      </p:sp>
+    </p:spTree>
+    <p:extLst>
+      <p:ext uri="{BB962C8B-B14F-4D97-AF65-F5344CB8AC3E}">
+        <p14:creationId xmlns:p14="http://schemas.microsoft.com/office/powerpoint/2010/main" val="2587372014"/>
+      </p:ext>
+    </p:extLst>
+  </p:cSld>
+  <p:clrMapOvr>
+    <a:masterClrMapping/>
+  </p:clrMapOvr>
+</p:sld>
+</file>
+
+<file path=ppt/slides/slide11.xml><?xml version="1.0" encoding="utf-8"?>
+<p:sld xmlns:a="http://schemas.openxmlformats.org/drawingml/2006/main" xmlns:r="http://schemas.openxmlformats.org/officeDocument/2006/relationships" xmlns:p="http://schemas.openxmlformats.org/presentationml/2006/main">
+  <p:cSld>
+    <p:spTree>
+      <p:nvGrpSpPr>
+        <p:cNvPr id="1" name=""/>
+        <p:cNvGrpSpPr/>
+        <p:nvPr/>
+      </p:nvGrpSpPr>
+      <p:grpSpPr>
+        <a:xfrm>
+          <a:off x="0" y="0"/>
+          <a:ext cx="0" cy="0"/>
+          <a:chOff x="0" y="0"/>
+          <a:chExt cx="0" cy="0"/>
+        </a:xfrm>
+      </p:grpSpPr>
+      <p:sp>
+        <p:nvSpPr>
+          <p:cNvPr id="2" name="Title 1">
+            <a:extLst>
+              <a:ext uri="{FF2B5EF4-FFF2-40B4-BE49-F238E27FC236}">
                 <a16:creationId xmlns:a16="http://schemas.microsoft.com/office/drawing/2014/main" id="{81CF5EA5-FF63-42F7-BADD-911FF6EBB7BD}"/>
               </a:ext>
             </a:extLst>
@@ -12676,7 +12813,7 @@
               <a:rPr lang="en-US" dirty="0">
                 <a:hlinkClick r:id="rId2" action="ppaction://hlinkfile"/>
               </a:rPr>
-              <a:t>DATA_DICTIONARY v01.docx</a:t>
+              <a:t>DATA_DICTIONARY v01.pdf</a:t>
             </a:r>
             <a:endParaRPr lang="en-US" dirty="0"/>
           </a:p>
@@ -12686,6 +12823,232 @@
     <p:extLst>
       <p:ext uri="{BB962C8B-B14F-4D97-AF65-F5344CB8AC3E}">
         <p14:creationId xmlns:p14="http://schemas.microsoft.com/office/powerpoint/2010/main" val="2675642082"/>
+      </p:ext>
+    </p:extLst>
+  </p:cSld>
+  <p:clrMapOvr>
+    <a:masterClrMapping/>
+  </p:clrMapOvr>
+</p:sld>
+</file>
+
+<file path=ppt/slides/slide12.xml><?xml version="1.0" encoding="utf-8"?>
+<p:sld xmlns:a="http://schemas.openxmlformats.org/drawingml/2006/main" xmlns:r="http://schemas.openxmlformats.org/officeDocument/2006/relationships" xmlns:p="http://schemas.openxmlformats.org/presentationml/2006/main">
+  <p:cSld>
+    <p:spTree>
+      <p:nvGrpSpPr>
+        <p:cNvPr id="1" name=""/>
+        <p:cNvGrpSpPr/>
+        <p:nvPr/>
+      </p:nvGrpSpPr>
+      <p:grpSpPr>
+        <a:xfrm>
+          <a:off x="0" y="0"/>
+          <a:ext cx="0" cy="0"/>
+          <a:chOff x="0" y="0"/>
+          <a:chExt cx="0" cy="0"/>
+        </a:xfrm>
+      </p:grpSpPr>
+      <p:sp>
+        <p:nvSpPr>
+          <p:cNvPr id="2" name="Title 1">
+            <a:extLst>
+              <a:ext uri="{FF2B5EF4-FFF2-40B4-BE49-F238E27FC236}">
+                <a16:creationId xmlns:a16="http://schemas.microsoft.com/office/drawing/2014/main" id="{6F9FA7A4-CF7A-4502-ABA0-6195E8DA20DA}"/>
+              </a:ext>
+            </a:extLst>
+          </p:cNvPr>
+          <p:cNvSpPr>
+            <a:spLocks noGrp="1"/>
+          </p:cNvSpPr>
+          <p:nvPr>
+            <p:ph type="title"/>
+          </p:nvPr>
+        </p:nvSpPr>
+        <p:spPr/>
+        <p:txBody>
+          <a:bodyPr/>
+          <a:lstStyle/>
+          <a:p>
+            <a:r>
+              <a:rPr lang="en-US" dirty="0">
+                <a:solidFill>
+                  <a:schemeClr val="bg1">
+                    <a:lumMod val="75000"/>
+                    <a:lumOff val="25000"/>
+                  </a:schemeClr>
+                </a:solidFill>
+              </a:rPr>
+              <a:t>Entity-RELATIONSHIP DIAGRAM</a:t>
+            </a:r>
+          </a:p>
+        </p:txBody>
+      </p:sp>
+      <p:sp>
+        <p:nvSpPr>
+          <p:cNvPr id="3" name="Content Placeholder 2">
+            <a:extLst>
+              <a:ext uri="{FF2B5EF4-FFF2-40B4-BE49-F238E27FC236}">
+                <a16:creationId xmlns:a16="http://schemas.microsoft.com/office/drawing/2014/main" id="{03B74CD2-0073-4457-AD06-976977DBADA8}"/>
+              </a:ext>
+            </a:extLst>
+          </p:cNvPr>
+          <p:cNvSpPr>
+            <a:spLocks noGrp="1"/>
+          </p:cNvSpPr>
+          <p:nvPr>
+            <p:ph idx="1"/>
+          </p:nvPr>
+        </p:nvSpPr>
+        <p:spPr/>
+        <p:txBody>
+          <a:bodyPr/>
+          <a:lstStyle/>
+          <a:p>
+            <a:r>
+              <a:rPr lang="en-US" dirty="0">
+                <a:hlinkClick r:id="rId2" action="ppaction://hlinkfile"/>
+              </a:rPr>
+              <a:t>erd.pdf</a:t>
+            </a:r>
+            <a:endParaRPr lang="en-US" dirty="0"/>
+          </a:p>
+        </p:txBody>
+      </p:sp>
+    </p:spTree>
+    <p:extLst>
+      <p:ext uri="{BB962C8B-B14F-4D97-AF65-F5344CB8AC3E}">
+        <p14:creationId xmlns:p14="http://schemas.microsoft.com/office/powerpoint/2010/main" val="2936854024"/>
+      </p:ext>
+    </p:extLst>
+  </p:cSld>
+  <p:clrMapOvr>
+    <a:masterClrMapping/>
+  </p:clrMapOvr>
+</p:sld>
+</file>
+
+<file path=ppt/slides/slide13.xml><?xml version="1.0" encoding="utf-8"?>
+<p:sld xmlns:a="http://schemas.openxmlformats.org/drawingml/2006/main" xmlns:r="http://schemas.openxmlformats.org/officeDocument/2006/relationships" xmlns:p="http://schemas.openxmlformats.org/presentationml/2006/main">
+  <p:cSld>
+    <p:spTree>
+      <p:nvGrpSpPr>
+        <p:cNvPr id="1" name=""/>
+        <p:cNvGrpSpPr/>
+        <p:nvPr/>
+      </p:nvGrpSpPr>
+      <p:grpSpPr>
+        <a:xfrm>
+          <a:off x="0" y="0"/>
+          <a:ext cx="0" cy="0"/>
+          <a:chOff x="0" y="0"/>
+          <a:chExt cx="0" cy="0"/>
+        </a:xfrm>
+      </p:grpSpPr>
+      <p:sp>
+        <p:nvSpPr>
+          <p:cNvPr id="2" name="Title 1">
+            <a:extLst>
+              <a:ext uri="{FF2B5EF4-FFF2-40B4-BE49-F238E27FC236}">
+                <a16:creationId xmlns:a16="http://schemas.microsoft.com/office/drawing/2014/main" id="{649A5905-8E95-4D75-820B-BCA76090EAD2}"/>
+              </a:ext>
+            </a:extLst>
+          </p:cNvPr>
+          <p:cNvSpPr>
+            <a:spLocks noGrp="1"/>
+          </p:cNvSpPr>
+          <p:nvPr>
+            <p:ph type="title"/>
+          </p:nvPr>
+        </p:nvSpPr>
+        <p:spPr/>
+        <p:txBody>
+          <a:bodyPr/>
+          <a:lstStyle/>
+          <a:p>
+            <a:r>
+              <a:rPr lang="en-US" dirty="0">
+                <a:solidFill>
+                  <a:schemeClr val="bg1">
+                    <a:lumMod val="75000"/>
+                    <a:lumOff val="25000"/>
+                  </a:schemeClr>
+                </a:solidFill>
+              </a:rPr>
+              <a:t>Thank</a:t>
+            </a:r>
+            <a:r>
+              <a:rPr lang="en-US" dirty="0"/>
+              <a:t> </a:t>
+            </a:r>
+            <a:r>
+              <a:rPr lang="en-US" dirty="0">
+                <a:solidFill>
+                  <a:schemeClr val="bg1">
+                    <a:lumMod val="75000"/>
+                    <a:lumOff val="25000"/>
+                  </a:schemeClr>
+                </a:solidFill>
+              </a:rPr>
+              <a:t>you</a:t>
+            </a:r>
+          </a:p>
+        </p:txBody>
+      </p:sp>
+      <p:sp>
+        <p:nvSpPr>
+          <p:cNvPr id="3" name="Content Placeholder 2">
+            <a:extLst>
+              <a:ext uri="{FF2B5EF4-FFF2-40B4-BE49-F238E27FC236}">
+                <a16:creationId xmlns:a16="http://schemas.microsoft.com/office/drawing/2014/main" id="{070589D3-AEAC-4C0C-9282-03F6662044B1}"/>
+              </a:ext>
+            </a:extLst>
+          </p:cNvPr>
+          <p:cNvSpPr>
+            <a:spLocks noGrp="1"/>
+          </p:cNvSpPr>
+          <p:nvPr>
+            <p:ph idx="1"/>
+          </p:nvPr>
+        </p:nvSpPr>
+        <p:spPr>
+          <a:xfrm>
+            <a:off x="954981" y="2097088"/>
+            <a:ext cx="9905999" cy="3541714"/>
+          </a:xfrm>
+        </p:spPr>
+        <p:txBody>
+          <a:bodyPr>
+            <a:normAutofit/>
+          </a:bodyPr>
+          <a:lstStyle/>
+          <a:p>
+            <a:pPr marL="0" indent="0">
+              <a:buNone/>
+            </a:pPr>
+            <a:endParaRPr lang="en-US" sz="3200" dirty="0"/>
+          </a:p>
+          <a:p>
+            <a:pPr marL="0" indent="0">
+              <a:buNone/>
+            </a:pPr>
+            <a:endParaRPr lang="en-US" sz="3200" dirty="0"/>
+          </a:p>
+          <a:p>
+            <a:pPr marL="0" indent="0">
+              <a:buNone/>
+            </a:pPr>
+            <a:r>
+              <a:rPr lang="en-US" sz="3200" dirty="0"/>
+              <a:t>			Any suggestions or questions? </a:t>
+            </a:r>
+          </a:p>
+        </p:txBody>
+      </p:sp>
+    </p:spTree>
+    <p:extLst>
+      <p:ext uri="{BB962C8B-B14F-4D97-AF65-F5344CB8AC3E}">
+        <p14:creationId xmlns:p14="http://schemas.microsoft.com/office/powerpoint/2010/main" val="424565478"/>
       </p:ext>
     </p:extLst>
   </p:cSld>
@@ -12978,7 +13341,7 @@
           <a:lstStyle/>
           <a:p>
             <a:r>
-              <a:rPr lang="en-US" u="sng" dirty="0">
+              <a:rPr lang="en-US" dirty="0">
                 <a:solidFill>
                   <a:schemeClr val="bg1">
                     <a:lumMod val="75000"/>
@@ -12986,7 +13349,7 @@
                   </a:schemeClr>
                 </a:solidFill>
               </a:rPr>
-              <a:t>ABSTRACT</a:t>
+              <a:t>ABOUT sYSTEM</a:t>
             </a:r>
             <a:br>
               <a:rPr lang="en-US" dirty="0"/>
@@ -13017,17 +13380,23 @@
         <p:spPr/>
         <p:txBody>
           <a:bodyPr>
-            <a:normAutofit lnSpcReduction="10000"/>
+            <a:normAutofit fontScale="92500"/>
           </a:bodyPr>
           <a:lstStyle/>
           <a:p>
             <a:r>
               <a:rPr lang="en-US" dirty="0"/>
-              <a:t>3D House Modeling in Virtual Reality (VR) is a android application that allows Interior designer to create and design models using objects in 3D space. It is fully dynamic for developing 3D models, user can also modify at any time. It is Portable in the sense that after creating a model it can easily be shared and modified on other devices using the platform. Also the ability to create multiple models and work on them at same time is a feature that is not available on other existing products And system provides overall a better user experience and easy usability for the laymen.</a:t>
-            </a:r>
-          </a:p>
-          <a:p>
-            <a:endParaRPr lang="en-US" dirty="0"/>
+              <a:t>3D House Modeling in Virtual Reality (VR) is a android application that allows Interior designer to create and design models using objects in 3D space. It provides a dynamic environment for development of 3D models. It is Portable in the sense that after creating a model it can easily be shared and modified on other devices using the platform. Also the ability to create multiple models and work on them at same time is a feature that is not available on other existing products, And system provides overall a better user experience and easy usability for the laymen.</a:t>
+            </a:r>
+          </a:p>
+          <a:p>
+            <a:pPr marL="0" indent="0">
+              <a:buNone/>
+            </a:pPr>
+            <a:r>
+              <a:rPr lang="en-US" dirty="0"/>
+              <a:t> </a:t>
+            </a:r>
           </a:p>
         </p:txBody>
       </p:sp>
@@ -13174,6 +13543,99 @@
           <p:cNvPr id="2" name="Title 1">
             <a:extLst>
               <a:ext uri="{FF2B5EF4-FFF2-40B4-BE49-F238E27FC236}">
+                <a16:creationId xmlns:a16="http://schemas.microsoft.com/office/drawing/2014/main" id="{F0941A2A-9956-4412-AA9E-CD94117D9C4E}"/>
+              </a:ext>
+            </a:extLst>
+          </p:cNvPr>
+          <p:cNvSpPr>
+            <a:spLocks noGrp="1"/>
+          </p:cNvSpPr>
+          <p:nvPr>
+            <p:ph type="title"/>
+          </p:nvPr>
+        </p:nvSpPr>
+        <p:spPr/>
+        <p:txBody>
+          <a:bodyPr/>
+          <a:lstStyle/>
+          <a:p>
+            <a:r>
+              <a:rPr lang="en-US" dirty="0">
+                <a:solidFill>
+                  <a:schemeClr val="bg1">
+                    <a:lumMod val="75000"/>
+                    <a:lumOff val="25000"/>
+                  </a:schemeClr>
+                </a:solidFill>
+              </a:rPr>
+              <a:t>EXISITING SYSTEMS</a:t>
+            </a:r>
+          </a:p>
+        </p:txBody>
+      </p:sp>
+      <p:sp>
+        <p:nvSpPr>
+          <p:cNvPr id="3" name="Content Placeholder 2">
+            <a:extLst>
+              <a:ext uri="{FF2B5EF4-FFF2-40B4-BE49-F238E27FC236}">
+                <a16:creationId xmlns:a16="http://schemas.microsoft.com/office/drawing/2014/main" id="{628A4016-6125-456C-A983-12D1652AE224}"/>
+              </a:ext>
+            </a:extLst>
+          </p:cNvPr>
+          <p:cNvSpPr>
+            <a:spLocks noGrp="1"/>
+          </p:cNvSpPr>
+          <p:nvPr>
+            <p:ph idx="1"/>
+          </p:nvPr>
+        </p:nvSpPr>
+        <p:spPr/>
+        <p:txBody>
+          <a:bodyPr/>
+          <a:lstStyle/>
+          <a:p>
+            <a:r>
+              <a:rPr lang="en-US" dirty="0"/>
+              <a:t>GANESH HOUSING 360</a:t>
+            </a:r>
+          </a:p>
+        </p:txBody>
+      </p:sp>
+    </p:spTree>
+    <p:extLst>
+      <p:ext uri="{BB962C8B-B14F-4D97-AF65-F5344CB8AC3E}">
+        <p14:creationId xmlns:p14="http://schemas.microsoft.com/office/powerpoint/2010/main" val="3279516046"/>
+      </p:ext>
+    </p:extLst>
+  </p:cSld>
+  <p:clrMapOvr>
+    <a:masterClrMapping/>
+  </p:clrMapOvr>
+</p:sld>
+</file>
+
+<file path=ppt/slides/slide7.xml><?xml version="1.0" encoding="utf-8"?>
+<p:sld xmlns:a="http://schemas.openxmlformats.org/drawingml/2006/main" xmlns:r="http://schemas.openxmlformats.org/officeDocument/2006/relationships" xmlns:p="http://schemas.openxmlformats.org/presentationml/2006/main">
+  <p:cSld>
+    <p:spTree>
+      <p:nvGrpSpPr>
+        <p:cNvPr id="1" name=""/>
+        <p:cNvGrpSpPr/>
+        <p:nvPr/>
+      </p:nvGrpSpPr>
+      <p:grpSpPr>
+        <a:xfrm>
+          <a:off x="0" y="0"/>
+          <a:ext cx="0" cy="0"/>
+          <a:chOff x="0" y="0"/>
+          <a:chExt cx="0" cy="0"/>
+        </a:xfrm>
+      </p:grpSpPr>
+      <p:sp>
+        <p:nvSpPr>
+          <p:cNvPr id="2" name="Title 1">
+            <a:extLst>
+              <a:ext uri="{FF2B5EF4-FFF2-40B4-BE49-F238E27FC236}">
                 <a16:creationId xmlns:a16="http://schemas.microsoft.com/office/drawing/2014/main" id="{538DF472-7376-4974-8021-655D54C505D6}"/>
               </a:ext>
             </a:extLst>
@@ -13240,14 +13702,14 @@
           <a:p>
             <a:r>
               <a:rPr lang="en-US" dirty="0"/>
-              <a:t>Costly for Single System.</a:t>
-            </a:r>
-          </a:p>
-          <a:p>
-            <a:r>
-              <a:rPr lang="en-US" dirty="0"/>
-              <a:t>Poor User Experience.</a:t>
-            </a:r>
+              <a:t>Costly for Multiple System.</a:t>
+            </a:r>
+          </a:p>
+          <a:p>
+            <a:pPr marL="0" indent="0">
+              <a:buNone/>
+            </a:pPr>
+            <a:endParaRPr lang="en-US" dirty="0"/>
           </a:p>
         </p:txBody>
       </p:sp>
@@ -13264,7 +13726,7 @@
 </p:sld>
 </file>
 
-<file path=ppt/slides/slide7.xml><?xml version="1.0" encoding="utf-8"?>
+<file path=ppt/slides/slide8.xml><?xml version="1.0" encoding="utf-8"?>
 <p:sld xmlns:a="http://schemas.openxmlformats.org/drawingml/2006/main" xmlns:r="http://schemas.openxmlformats.org/officeDocument/2006/relationships" xmlns:p="http://schemas.openxmlformats.org/presentationml/2006/main">
   <p:cSld>
     <p:spTree>
@@ -13396,7 +13858,7 @@
 </p:sld>
 </file>
 
-<file path=ppt/slides/slide8.xml><?xml version="1.0" encoding="utf-8"?>
+<file path=ppt/slides/slide9.xml><?xml version="1.0" encoding="utf-8"?>
 <p:sld xmlns:a="http://schemas.openxmlformats.org/drawingml/2006/main" xmlns:r="http://schemas.openxmlformats.org/officeDocument/2006/relationships" xmlns:p="http://schemas.openxmlformats.org/presentationml/2006/main">
   <p:cSld>
     <p:spTree>
@@ -13533,137 +13995,6 @@
     <p:extLst>
       <p:ext uri="{BB962C8B-B14F-4D97-AF65-F5344CB8AC3E}">
         <p14:creationId xmlns:p14="http://schemas.microsoft.com/office/powerpoint/2010/main" val="2766811839"/>
-      </p:ext>
-    </p:extLst>
-  </p:cSld>
-  <p:clrMapOvr>
-    <a:masterClrMapping/>
-  </p:clrMapOvr>
-</p:sld>
-</file>
-
-<file path=ppt/slides/slide9.xml><?xml version="1.0" encoding="utf-8"?>
-<p:sld xmlns:a="http://schemas.openxmlformats.org/drawingml/2006/main" xmlns:r="http://schemas.openxmlformats.org/officeDocument/2006/relationships" xmlns:p="http://schemas.openxmlformats.org/presentationml/2006/main">
-  <p:cSld>
-    <p:spTree>
-      <p:nvGrpSpPr>
-        <p:cNvPr id="1" name=""/>
-        <p:cNvGrpSpPr/>
-        <p:nvPr/>
-      </p:nvGrpSpPr>
-      <p:grpSpPr>
-        <a:xfrm>
-          <a:off x="0" y="0"/>
-          <a:ext cx="0" cy="0"/>
-          <a:chOff x="0" y="0"/>
-          <a:chExt cx="0" cy="0"/>
-        </a:xfrm>
-      </p:grpSpPr>
-      <p:sp>
-        <p:nvSpPr>
-          <p:cNvPr id="2" name="Title 1">
-            <a:extLst>
-              <a:ext uri="{FF2B5EF4-FFF2-40B4-BE49-F238E27FC236}">
-                <a16:creationId xmlns:a16="http://schemas.microsoft.com/office/drawing/2014/main" id="{6C550332-E48A-4D78-93DE-03FAF01E5B58}"/>
-              </a:ext>
-            </a:extLst>
-          </p:cNvPr>
-          <p:cNvSpPr>
-            <a:spLocks noGrp="1"/>
-          </p:cNvSpPr>
-          <p:nvPr>
-            <p:ph type="title"/>
-          </p:nvPr>
-        </p:nvSpPr>
-        <p:spPr/>
-        <p:txBody>
-          <a:bodyPr/>
-          <a:lstStyle/>
-          <a:p>
-            <a:r>
-              <a:rPr lang="en-US" dirty="0">
-                <a:solidFill>
-                  <a:schemeClr val="bg1">
-                    <a:lumMod val="75000"/>
-                    <a:lumOff val="25000"/>
-                  </a:schemeClr>
-                </a:solidFill>
-              </a:rPr>
-              <a:t>FUNCTIONALITIES</a:t>
-            </a:r>
-          </a:p>
-        </p:txBody>
-      </p:sp>
-      <p:sp>
-        <p:nvSpPr>
-          <p:cNvPr id="3" name="Content Placeholder 2">
-            <a:extLst>
-              <a:ext uri="{FF2B5EF4-FFF2-40B4-BE49-F238E27FC236}">
-                <a16:creationId xmlns:a16="http://schemas.microsoft.com/office/drawing/2014/main" id="{50BB1120-307E-411A-A856-5CFF9BBA681D}"/>
-              </a:ext>
-            </a:extLst>
-          </p:cNvPr>
-          <p:cNvSpPr>
-            <a:spLocks noGrp="1"/>
-          </p:cNvSpPr>
-          <p:nvPr>
-            <p:ph idx="1"/>
-          </p:nvPr>
-        </p:nvSpPr>
-        <p:spPr/>
-        <p:txBody>
-          <a:bodyPr>
-            <a:normAutofit fontScale="92500" lnSpcReduction="10000"/>
-          </a:bodyPr>
-          <a:lstStyle/>
-          <a:p>
-            <a:r>
-              <a:rPr lang="en-US" dirty="0"/>
-              <a:t>Provision for creating Dynamic Models.</a:t>
-            </a:r>
-          </a:p>
-          <a:p>
-            <a:r>
-              <a:rPr lang="en-US" dirty="0"/>
-              <a:t>Provision for viewing Models.</a:t>
-            </a:r>
-          </a:p>
-          <a:p>
-            <a:r>
-              <a:rPr lang="en-US" dirty="0"/>
-              <a:t>Provision for saving Models.</a:t>
-            </a:r>
-          </a:p>
-          <a:p>
-            <a:r>
-              <a:rPr lang="en-US" dirty="0"/>
-              <a:t>Providing Better Graphical User Interface.</a:t>
-            </a:r>
-          </a:p>
-          <a:p>
-            <a:r>
-              <a:rPr lang="en-US" dirty="0"/>
-              <a:t>Provision for sharing the architecture or models.</a:t>
-            </a:r>
-          </a:p>
-          <a:p>
-            <a:r>
-              <a:rPr lang="en-US" dirty="0"/>
-              <a:t>Provision for adding and altering 3D architecture.</a:t>
-            </a:r>
-          </a:p>
-          <a:p>
-            <a:r>
-              <a:rPr lang="en-US" dirty="0"/>
-              <a:t>Provision for creating multiple models at a time.</a:t>
-            </a:r>
-          </a:p>
-        </p:txBody>
-      </p:sp>
-    </p:spTree>
-    <p:extLst>
-      <p:ext uri="{BB962C8B-B14F-4D97-AF65-F5344CB8AC3E}">
-        <p14:creationId xmlns:p14="http://schemas.microsoft.com/office/powerpoint/2010/main" val="2587372014"/>
       </p:ext>
     </p:extLst>
   </p:cSld>

--- a/presentation_v02.pptx
+++ b/presentation_v02.pptx
@@ -17,7 +17,8 @@
     <p:sldId id="263" r:id="rId11"/>
     <p:sldId id="262" r:id="rId12"/>
     <p:sldId id="269" r:id="rId13"/>
-    <p:sldId id="267" r:id="rId14"/>
+    <p:sldId id="270" r:id="rId14"/>
+    <p:sldId id="267" r:id="rId15"/>
   </p:sldIdLst>
   <p:sldSz cx="12192000" cy="6858000"/>
   <p:notesSz cx="6858000" cy="9144000"/>
@@ -133,6 +134,7 @@
             <p14:sldId id="263"/>
             <p14:sldId id="262"/>
             <p14:sldId id="269"/>
+            <p14:sldId id="270"/>
             <p14:sldId id="267"/>
           </p14:sldIdLst>
         </p14:section>
@@ -4601,10 +4603,9 @@
               <a:buNone/>
             </a:pPr>
             <a:r>
-              <a:rPr lang="en-US"/>
+              <a:rPr lang="en-US" dirty="0"/>
               <a:t>Click icon to add picture</a:t>
             </a:r>
-            <a:endParaRPr lang="en-US" dirty="0"/>
           </a:p>
         </p:txBody>
       </p:sp>
@@ -6362,10 +6363,9 @@
               <a:buNone/>
             </a:pPr>
             <a:r>
-              <a:rPr lang="en-US"/>
+              <a:rPr lang="en-US" dirty="0"/>
               <a:t>Click icon to add picture</a:t>
             </a:r>
-            <a:endParaRPr lang="en-US" dirty="0"/>
           </a:p>
         </p:txBody>
       </p:sp>
@@ -6561,10 +6561,9 @@
               <a:buNone/>
             </a:pPr>
             <a:r>
-              <a:rPr lang="en-US"/>
+              <a:rPr lang="en-US" dirty="0"/>
               <a:t>Click icon to add picture</a:t>
             </a:r>
-            <a:endParaRPr lang="en-US" dirty="0"/>
           </a:p>
         </p:txBody>
       </p:sp>
@@ -6760,10 +6759,9 @@
               <a:buNone/>
             </a:pPr>
             <a:r>
-              <a:rPr lang="en-US"/>
+              <a:rPr lang="en-US" dirty="0"/>
               <a:t>Click icon to add picture</a:t>
             </a:r>
-            <a:endParaRPr lang="en-US" dirty="0"/>
           </a:p>
         </p:txBody>
       </p:sp>
@@ -8887,10 +8885,9 @@
           </a:lstStyle>
           <a:p>
             <a:r>
-              <a:rPr lang="en-US"/>
+              <a:rPr lang="en-US" dirty="0"/>
               <a:t>Click icon to add picture</a:t>
             </a:r>
-            <a:endParaRPr lang="en-US" dirty="0"/>
           </a:p>
         </p:txBody>
       </p:sp>
@@ -12950,6 +12947,102 @@
           <p:cNvPr id="2" name="Title 1">
             <a:extLst>
               <a:ext uri="{FF2B5EF4-FFF2-40B4-BE49-F238E27FC236}">
+                <a16:creationId xmlns:a16="http://schemas.microsoft.com/office/drawing/2014/main" id="{2B37962B-AF25-4D83-B74E-294AE6625995}"/>
+              </a:ext>
+            </a:extLst>
+          </p:cNvPr>
+          <p:cNvSpPr>
+            <a:spLocks noGrp="1"/>
+          </p:cNvSpPr>
+          <p:nvPr>
+            <p:ph type="title"/>
+          </p:nvPr>
+        </p:nvSpPr>
+        <p:spPr/>
+        <p:txBody>
+          <a:bodyPr/>
+          <a:lstStyle/>
+          <a:p>
+            <a:r>
+              <a:rPr lang="en-US" dirty="0">
+                <a:solidFill>
+                  <a:schemeClr val="bg1">
+                    <a:lumMod val="75000"/>
+                    <a:lumOff val="25000"/>
+                  </a:schemeClr>
+                </a:solidFill>
+              </a:rPr>
+              <a:t>DATA-FLOW DIAGRAM</a:t>
+            </a:r>
+          </a:p>
+        </p:txBody>
+      </p:sp>
+      <p:sp>
+        <p:nvSpPr>
+          <p:cNvPr id="3" name="Content Placeholder 2">
+            <a:extLst>
+              <a:ext uri="{FF2B5EF4-FFF2-40B4-BE49-F238E27FC236}">
+                <a16:creationId xmlns:a16="http://schemas.microsoft.com/office/drawing/2014/main" id="{2B45EB1E-A487-449E-AF3E-B5471AB4C263}"/>
+              </a:ext>
+            </a:extLst>
+          </p:cNvPr>
+          <p:cNvSpPr>
+            <a:spLocks noGrp="1"/>
+          </p:cNvSpPr>
+          <p:nvPr>
+            <p:ph idx="1"/>
+          </p:nvPr>
+        </p:nvSpPr>
+        <p:spPr/>
+        <p:txBody>
+          <a:bodyPr/>
+          <a:lstStyle/>
+          <a:p>
+            <a:r>
+              <a:rPr lang="en-US">
+                <a:hlinkClick r:id="rId2" action="ppaction://hlinkfile"/>
+              </a:rPr>
+              <a:t>CombineDFD.pdf</a:t>
+            </a:r>
+            <a:endParaRPr lang="en-US" dirty="0"/>
+          </a:p>
+        </p:txBody>
+      </p:sp>
+    </p:spTree>
+    <p:extLst>
+      <p:ext uri="{BB962C8B-B14F-4D97-AF65-F5344CB8AC3E}">
+        <p14:creationId xmlns:p14="http://schemas.microsoft.com/office/powerpoint/2010/main" val="2266476424"/>
+      </p:ext>
+    </p:extLst>
+  </p:cSld>
+  <p:clrMapOvr>
+    <a:masterClrMapping/>
+  </p:clrMapOvr>
+</p:sld>
+</file>
+
+<file path=ppt/slides/slide14.xml><?xml version="1.0" encoding="utf-8"?>
+<p:sld xmlns:a="http://schemas.openxmlformats.org/drawingml/2006/main" xmlns:r="http://schemas.openxmlformats.org/officeDocument/2006/relationships" xmlns:p="http://schemas.openxmlformats.org/presentationml/2006/main">
+  <p:cSld>
+    <p:spTree>
+      <p:nvGrpSpPr>
+        <p:cNvPr id="1" name=""/>
+        <p:cNvGrpSpPr/>
+        <p:nvPr/>
+      </p:nvGrpSpPr>
+      <p:grpSpPr>
+        <a:xfrm>
+          <a:off x="0" y="0"/>
+          <a:ext cx="0" cy="0"/>
+          <a:chOff x="0" y="0"/>
+          <a:chExt cx="0" cy="0"/>
+        </a:xfrm>
+      </p:grpSpPr>
+      <p:sp>
+        <p:nvSpPr>
+          <p:cNvPr id="2" name="Title 1">
+            <a:extLst>
+              <a:ext uri="{FF2B5EF4-FFF2-40B4-BE49-F238E27FC236}">
                 <a16:creationId xmlns:a16="http://schemas.microsoft.com/office/drawing/2014/main" id="{649A5905-8E95-4D75-820B-BCA76090EAD2}"/>
               </a:ext>
             </a:extLst>
@@ -13216,18 +13309,7 @@
                   </a:schemeClr>
                 </a:solidFill>
               </a:rPr>
-              <a:t>What’s the difference Between Virtual Reality (VR) and Augmented Reality(</a:t>
-            </a:r>
-            <a:r>
-              <a:rPr lang="en-US">
-                <a:solidFill>
-                  <a:schemeClr val="bg1">
-                    <a:lumMod val="75000"/>
-                    <a:lumOff val="25000"/>
-                  </a:schemeClr>
-                </a:solidFill>
-              </a:rPr>
-              <a:t>AR) ?</a:t>
+              <a:t>What’s the difference Between Virtual Reality (VR) and Augmented Reality(AR) ?</a:t>
             </a:r>
             <a:br>
               <a:rPr lang="en-US" dirty="0"/>
@@ -13279,13 +13361,8 @@
             </a:r>
             <a:r>
               <a:rPr lang="en-US" dirty="0"/>
-              <a:t>, the position of the user’s eyes are located within the simulated environment. If the user’s head turns, the graphics react accordingly VR technology creates a convincing, interactive world for the user. Such as </a:t>
-            </a:r>
-            <a:r>
-              <a:rPr lang="en-US"/>
-              <a:t>our application.</a:t>
-            </a:r>
-            <a:endParaRPr lang="en-US" dirty="0"/>
+              <a:t>, the position of the user’s eyes are located within the simulated environment. If the user’s head turns, the graphics react accordingly VR technology creates a convincing, interactive world for the user. Such as our application.</a:t>
+            </a:r>
           </a:p>
         </p:txBody>
       </p:sp>

--- a/presentation_v02.pptx
+++ b/presentation_v02.pptx
@@ -201,7 +201,7 @@
           <a:noFill/>
           <a:extLst>
             <a:ext uri="{909E8E84-426E-40dd-AFC4-6F175D3DCCD1}">
-              <a14:hiddenFill xmlns="" xmlns:a14="http://schemas.microsoft.com/office/drawing/2010/main">
+              <a14:hiddenFill xmlns:a14="http://schemas.microsoft.com/office/drawing/2010/main" xmlns="">
                 <a:solidFill>
                   <a:srgbClr val="FFFFFF"/>
                 </a:solidFill>
@@ -261,7 +261,7 @@
             </a:ln>
             <a:extLst>
               <a:ext uri="{91240B29-F687-4f45-9708-019B960494DF}">
-                <a14:hiddenLine xmlns="" xmlns:a14="http://schemas.microsoft.com/office/drawing/2010/main" w="9525">
+                <a14:hiddenLine xmlns:a14="http://schemas.microsoft.com/office/drawing/2010/main" xmlns="" w="9525">
                   <a:solidFill>
                     <a:srgbClr val="000000"/>
                   </a:solidFill>
@@ -351,7 +351,7 @@
             </a:ln>
             <a:extLst>
               <a:ext uri="{91240B29-F687-4f45-9708-019B960494DF}">
-                <a14:hiddenLine xmlns="" xmlns:a14="http://schemas.microsoft.com/office/drawing/2010/main" w="9525">
+                <a14:hiddenLine xmlns:a14="http://schemas.microsoft.com/office/drawing/2010/main" xmlns="" w="9525">
                   <a:solidFill>
                     <a:srgbClr val="000000"/>
                   </a:solidFill>
@@ -441,7 +441,7 @@
             </a:ln>
             <a:extLst>
               <a:ext uri="{91240B29-F687-4f45-9708-019B960494DF}">
-                <a14:hiddenLine xmlns="" xmlns:a14="http://schemas.microsoft.com/office/drawing/2010/main" w="9525">
+                <a14:hiddenLine xmlns:a14="http://schemas.microsoft.com/office/drawing/2010/main" xmlns="" w="9525">
                   <a:solidFill>
                     <a:srgbClr val="000000"/>
                   </a:solidFill>
@@ -475,7 +475,7 @@
             </a:ln>
             <a:extLst>
               <a:ext uri="{91240B29-F687-4f45-9708-019B960494DF}">
-                <a14:hiddenLine xmlns="" xmlns:a14="http://schemas.microsoft.com/office/drawing/2010/main" w="9525">
+                <a14:hiddenLine xmlns:a14="http://schemas.microsoft.com/office/drawing/2010/main" xmlns="" w="9525">
                   <a:solidFill>
                     <a:srgbClr val="000000"/>
                   </a:solidFill>
@@ -565,7 +565,7 @@
             </a:ln>
             <a:extLst>
               <a:ext uri="{91240B29-F687-4f45-9708-019B960494DF}">
-                <a14:hiddenLine xmlns="" xmlns:a14="http://schemas.microsoft.com/office/drawing/2010/main" w="9525">
+                <a14:hiddenLine xmlns:a14="http://schemas.microsoft.com/office/drawing/2010/main" xmlns="" w="9525">
                   <a:solidFill>
                     <a:srgbClr val="000000"/>
                   </a:solidFill>
@@ -627,7 +627,7 @@
             </a:ln>
             <a:extLst>
               <a:ext uri="{91240B29-F687-4f45-9708-019B960494DF}">
-                <a14:hiddenLine xmlns="" xmlns:a14="http://schemas.microsoft.com/office/drawing/2010/main" w="9525">
+                <a14:hiddenLine xmlns:a14="http://schemas.microsoft.com/office/drawing/2010/main" xmlns="" w="9525">
                   <a:solidFill>
                     <a:srgbClr val="000000"/>
                   </a:solidFill>
@@ -689,7 +689,7 @@
             </a:ln>
             <a:extLst>
               <a:ext uri="{91240B29-F687-4f45-9708-019B960494DF}">
-                <a14:hiddenLine xmlns="" xmlns:a14="http://schemas.microsoft.com/office/drawing/2010/main" w="9525">
+                <a14:hiddenLine xmlns:a14="http://schemas.microsoft.com/office/drawing/2010/main" xmlns="" w="9525">
                   <a:solidFill>
                     <a:srgbClr val="000000"/>
                   </a:solidFill>
@@ -779,7 +779,7 @@
             </a:ln>
             <a:extLst>
               <a:ext uri="{91240B29-F687-4f45-9708-019B960494DF}">
-                <a14:hiddenLine xmlns="" xmlns:a14="http://schemas.microsoft.com/office/drawing/2010/main" w="9525">
+                <a14:hiddenLine xmlns:a14="http://schemas.microsoft.com/office/drawing/2010/main" xmlns="" w="9525">
                   <a:solidFill>
                     <a:srgbClr val="000000"/>
                   </a:solidFill>
@@ -841,7 +841,7 @@
             </a:ln>
             <a:extLst>
               <a:ext uri="{91240B29-F687-4f45-9708-019B960494DF}">
-                <a14:hiddenLine xmlns="" xmlns:a14="http://schemas.microsoft.com/office/drawing/2010/main" w="9525">
+                <a14:hiddenLine xmlns:a14="http://schemas.microsoft.com/office/drawing/2010/main" xmlns="" w="9525">
                   <a:solidFill>
                     <a:srgbClr val="000000"/>
                   </a:solidFill>
@@ -903,7 +903,7 @@
             </a:ln>
             <a:extLst>
               <a:ext uri="{91240B29-F687-4f45-9708-019B960494DF}">
-                <a14:hiddenLine xmlns="" xmlns:a14="http://schemas.microsoft.com/office/drawing/2010/main" w="9525">
+                <a14:hiddenLine xmlns:a14="http://schemas.microsoft.com/office/drawing/2010/main" xmlns="" w="9525">
                   <a:solidFill>
                     <a:srgbClr val="000000"/>
                   </a:solidFill>
@@ -993,7 +993,7 @@
             </a:ln>
             <a:extLst>
               <a:ext uri="{91240B29-F687-4f45-9708-019B960494DF}">
-                <a14:hiddenLine xmlns="" xmlns:a14="http://schemas.microsoft.com/office/drawing/2010/main" w="9525">
+                <a14:hiddenLine xmlns:a14="http://schemas.microsoft.com/office/drawing/2010/main" xmlns="" w="9525">
                   <a:solidFill>
                     <a:srgbClr val="000000"/>
                   </a:solidFill>
@@ -1083,7 +1083,7 @@
             </a:ln>
             <a:extLst>
               <a:ext uri="{91240B29-F687-4f45-9708-019B960494DF}">
-                <a14:hiddenLine xmlns="" xmlns:a14="http://schemas.microsoft.com/office/drawing/2010/main" w="9525">
+                <a14:hiddenLine xmlns:a14="http://schemas.microsoft.com/office/drawing/2010/main" xmlns="" w="9525">
                   <a:solidFill>
                     <a:srgbClr val="000000"/>
                   </a:solidFill>
@@ -1145,7 +1145,7 @@
             </a:ln>
             <a:extLst>
               <a:ext uri="{91240B29-F687-4f45-9708-019B960494DF}">
-                <a14:hiddenLine xmlns="" xmlns:a14="http://schemas.microsoft.com/office/drawing/2010/main" w="9525">
+                <a14:hiddenLine xmlns:a14="http://schemas.microsoft.com/office/drawing/2010/main" xmlns="" w="9525">
                   <a:solidFill>
                     <a:srgbClr val="000000"/>
                   </a:solidFill>
@@ -1255,7 +1255,7 @@
             </a:ln>
             <a:extLst>
               <a:ext uri="{91240B29-F687-4f45-9708-019B960494DF}">
-                <a14:hiddenLine xmlns="" xmlns:a14="http://schemas.microsoft.com/office/drawing/2010/main" w="9525">
+                <a14:hiddenLine xmlns:a14="http://schemas.microsoft.com/office/drawing/2010/main" xmlns="" w="9525">
                   <a:solidFill>
                     <a:srgbClr val="000000"/>
                   </a:solidFill>
@@ -1317,7 +1317,7 @@
             </a:ln>
             <a:extLst>
               <a:ext uri="{91240B29-F687-4f45-9708-019B960494DF}">
-                <a14:hiddenLine xmlns="" xmlns:a14="http://schemas.microsoft.com/office/drawing/2010/main" w="9525">
+                <a14:hiddenLine xmlns:a14="http://schemas.microsoft.com/office/drawing/2010/main" xmlns="" w="9525">
                   <a:solidFill>
                     <a:srgbClr val="000000"/>
                   </a:solidFill>
@@ -1407,7 +1407,7 @@
             </a:ln>
             <a:extLst>
               <a:ext uri="{91240B29-F687-4f45-9708-019B960494DF}">
-                <a14:hiddenLine xmlns="" xmlns:a14="http://schemas.microsoft.com/office/drawing/2010/main" w="9525">
+                <a14:hiddenLine xmlns:a14="http://schemas.microsoft.com/office/drawing/2010/main" xmlns="" w="9525">
                   <a:solidFill>
                     <a:srgbClr val="000000"/>
                   </a:solidFill>
@@ -1497,7 +1497,7 @@
             </a:ln>
             <a:extLst>
               <a:ext uri="{91240B29-F687-4f45-9708-019B960494DF}">
-                <a14:hiddenLine xmlns="" xmlns:a14="http://schemas.microsoft.com/office/drawing/2010/main" w="9525">
+                <a14:hiddenLine xmlns:a14="http://schemas.microsoft.com/office/drawing/2010/main" xmlns="" w="9525">
                   <a:solidFill>
                     <a:srgbClr val="000000"/>
                   </a:solidFill>
@@ -1559,7 +1559,7 @@
             </a:ln>
             <a:extLst>
               <a:ext uri="{91240B29-F687-4f45-9708-019B960494DF}">
-                <a14:hiddenLine xmlns="" xmlns:a14="http://schemas.microsoft.com/office/drawing/2010/main" w="9525">
+                <a14:hiddenLine xmlns:a14="http://schemas.microsoft.com/office/drawing/2010/main" xmlns="" w="9525">
                   <a:solidFill>
                     <a:srgbClr val="000000"/>
                   </a:solidFill>
@@ -1649,7 +1649,7 @@
             </a:ln>
             <a:extLst>
               <a:ext uri="{91240B29-F687-4f45-9708-019B960494DF}">
-                <a14:hiddenLine xmlns="" xmlns:a14="http://schemas.microsoft.com/office/drawing/2010/main" w="9525">
+                <a14:hiddenLine xmlns:a14="http://schemas.microsoft.com/office/drawing/2010/main" xmlns="" w="9525">
                   <a:solidFill>
                     <a:srgbClr val="000000"/>
                   </a:solidFill>
@@ -1739,7 +1739,7 @@
             </a:ln>
             <a:extLst>
               <a:ext uri="{91240B29-F687-4f45-9708-019B960494DF}">
-                <a14:hiddenLine xmlns="" xmlns:a14="http://schemas.microsoft.com/office/drawing/2010/main" w="9525">
+                <a14:hiddenLine xmlns:a14="http://schemas.microsoft.com/office/drawing/2010/main" xmlns="" w="9525">
                   <a:solidFill>
                     <a:srgbClr val="000000"/>
                   </a:solidFill>
@@ -1795,7 +1795,7 @@
             </a:ln>
             <a:extLst>
               <a:ext uri="{91240B29-F687-4f45-9708-019B960494DF}">
-                <a14:hiddenLine xmlns="" xmlns:a14="http://schemas.microsoft.com/office/drawing/2010/main" w="9525">
+                <a14:hiddenLine xmlns:a14="http://schemas.microsoft.com/office/drawing/2010/main" xmlns="" w="9525">
                   <a:solidFill>
                     <a:srgbClr val="000000"/>
                   </a:solidFill>
@@ -1885,7 +1885,7 @@
             </a:ln>
             <a:extLst>
               <a:ext uri="{91240B29-F687-4f45-9708-019B960494DF}">
-                <a14:hiddenLine xmlns="" xmlns:a14="http://schemas.microsoft.com/office/drawing/2010/main" w="9525">
+                <a14:hiddenLine xmlns:a14="http://schemas.microsoft.com/office/drawing/2010/main" xmlns="" w="9525">
                   <a:solidFill>
                     <a:srgbClr val="000000"/>
                   </a:solidFill>
@@ -1941,7 +1941,7 @@
             </a:ln>
             <a:extLst>
               <a:ext uri="{91240B29-F687-4f45-9708-019B960494DF}">
-                <a14:hiddenLine xmlns="" xmlns:a14="http://schemas.microsoft.com/office/drawing/2010/main" w="9525">
+                <a14:hiddenLine xmlns:a14="http://schemas.microsoft.com/office/drawing/2010/main" xmlns="" w="9525">
                   <a:solidFill>
                     <a:srgbClr val="000000"/>
                   </a:solidFill>
@@ -2031,7 +2031,7 @@
             </a:ln>
             <a:extLst>
               <a:ext uri="{91240B29-F687-4f45-9708-019B960494DF}">
-                <a14:hiddenLine xmlns="" xmlns:a14="http://schemas.microsoft.com/office/drawing/2010/main" w="9525">
+                <a14:hiddenLine xmlns:a14="http://schemas.microsoft.com/office/drawing/2010/main" xmlns="" w="9525">
                   <a:solidFill>
                     <a:srgbClr val="000000"/>
                   </a:solidFill>
@@ -2099,7 +2099,7 @@
             </a:ln>
             <a:extLst>
               <a:ext uri="{91240B29-F687-4f45-9708-019B960494DF}">
-                <a14:hiddenLine xmlns="" xmlns:a14="http://schemas.microsoft.com/office/drawing/2010/main" w="9525">
+                <a14:hiddenLine xmlns:a14="http://schemas.microsoft.com/office/drawing/2010/main" xmlns="" w="9525">
                   <a:solidFill>
                     <a:srgbClr val="000000"/>
                   </a:solidFill>
@@ -2189,7 +2189,7 @@
             </a:ln>
             <a:extLst>
               <a:ext uri="{91240B29-F687-4f45-9708-019B960494DF}">
-                <a14:hiddenLine xmlns="" xmlns:a14="http://schemas.microsoft.com/office/drawing/2010/main" w="9525">
+                <a14:hiddenLine xmlns:a14="http://schemas.microsoft.com/office/drawing/2010/main" xmlns="" w="9525">
                   <a:solidFill>
                     <a:srgbClr val="000000"/>
                   </a:solidFill>
@@ -2257,7 +2257,7 @@
             </a:ln>
             <a:extLst>
               <a:ext uri="{91240B29-F687-4f45-9708-019B960494DF}">
-                <a14:hiddenLine xmlns="" xmlns:a14="http://schemas.microsoft.com/office/drawing/2010/main" w="9525">
+                <a14:hiddenLine xmlns:a14="http://schemas.microsoft.com/office/drawing/2010/main" xmlns="" w="9525">
                   <a:solidFill>
                     <a:srgbClr val="000000"/>
                   </a:solidFill>
@@ -2347,7 +2347,7 @@
             </a:ln>
             <a:extLst>
               <a:ext uri="{91240B29-F687-4f45-9708-019B960494DF}">
-                <a14:hiddenLine xmlns="" xmlns:a14="http://schemas.microsoft.com/office/drawing/2010/main" w="9525">
+                <a14:hiddenLine xmlns:a14="http://schemas.microsoft.com/office/drawing/2010/main" xmlns="" w="9525">
                   <a:solidFill>
                     <a:srgbClr val="000000"/>
                   </a:solidFill>
@@ -2381,7 +2381,7 @@
             </a:ln>
             <a:extLst>
               <a:ext uri="{91240B29-F687-4f45-9708-019B960494DF}">
-                <a14:hiddenLine xmlns="" xmlns:a14="http://schemas.microsoft.com/office/drawing/2010/main" w="9525">
+                <a14:hiddenLine xmlns:a14="http://schemas.microsoft.com/office/drawing/2010/main" xmlns="" w="9525">
                   <a:solidFill>
                     <a:srgbClr val="000000"/>
                   </a:solidFill>
@@ -2471,7 +2471,7 @@
             </a:ln>
             <a:extLst>
               <a:ext uri="{91240B29-F687-4f45-9708-019B960494DF}">
-                <a14:hiddenLine xmlns="" xmlns:a14="http://schemas.microsoft.com/office/drawing/2010/main" w="9525">
+                <a14:hiddenLine xmlns:a14="http://schemas.microsoft.com/office/drawing/2010/main" xmlns="" w="9525">
                   <a:solidFill>
                     <a:srgbClr val="000000"/>
                   </a:solidFill>
@@ -2533,7 +2533,7 @@
             </a:ln>
             <a:extLst>
               <a:ext uri="{91240B29-F687-4f45-9708-019B960494DF}">
-                <a14:hiddenLine xmlns="" xmlns:a14="http://schemas.microsoft.com/office/drawing/2010/main" w="9525">
+                <a14:hiddenLine xmlns:a14="http://schemas.microsoft.com/office/drawing/2010/main" xmlns="" w="9525">
                   <a:solidFill>
                     <a:srgbClr val="000000"/>
                   </a:solidFill>
@@ -2595,7 +2595,7 @@
             </a:ln>
             <a:extLst>
               <a:ext uri="{91240B29-F687-4f45-9708-019B960494DF}">
-                <a14:hiddenLine xmlns="" xmlns:a14="http://schemas.microsoft.com/office/drawing/2010/main" w="9525">
+                <a14:hiddenLine xmlns:a14="http://schemas.microsoft.com/office/drawing/2010/main" xmlns="" w="9525">
                   <a:solidFill>
                     <a:srgbClr val="000000"/>
                   </a:solidFill>
@@ -2685,7 +2685,7 @@
             </a:ln>
             <a:extLst>
               <a:ext uri="{91240B29-F687-4f45-9708-019B960494DF}">
-                <a14:hiddenLine xmlns="" xmlns:a14="http://schemas.microsoft.com/office/drawing/2010/main" w="9525">
+                <a14:hiddenLine xmlns:a14="http://schemas.microsoft.com/office/drawing/2010/main" xmlns="" w="9525">
                   <a:solidFill>
                     <a:srgbClr val="000000"/>
                   </a:solidFill>
@@ -2753,7 +2753,7 @@
             </a:ln>
             <a:extLst>
               <a:ext uri="{91240B29-F687-4f45-9708-019B960494DF}">
-                <a14:hiddenLine xmlns="" xmlns:a14="http://schemas.microsoft.com/office/drawing/2010/main" w="9525">
+                <a14:hiddenLine xmlns:a14="http://schemas.microsoft.com/office/drawing/2010/main" xmlns="" w="9525">
                   <a:solidFill>
                     <a:srgbClr val="000000"/>
                   </a:solidFill>
@@ -2815,7 +2815,7 @@
             </a:ln>
             <a:extLst>
               <a:ext uri="{91240B29-F687-4f45-9708-019B960494DF}">
-                <a14:hiddenLine xmlns="" xmlns:a14="http://schemas.microsoft.com/office/drawing/2010/main" w="9525">
+                <a14:hiddenLine xmlns:a14="http://schemas.microsoft.com/office/drawing/2010/main" xmlns="" w="9525">
                   <a:solidFill>
                     <a:srgbClr val="000000"/>
                   </a:solidFill>
@@ -2905,7 +2905,7 @@
             </a:ln>
             <a:extLst>
               <a:ext uri="{91240B29-F687-4f45-9708-019B960494DF}">
-                <a14:hiddenLine xmlns="" xmlns:a14="http://schemas.microsoft.com/office/drawing/2010/main" w="9525">
+                <a14:hiddenLine xmlns:a14="http://schemas.microsoft.com/office/drawing/2010/main" xmlns="" w="9525">
                   <a:solidFill>
                     <a:srgbClr val="000000"/>
                   </a:solidFill>
@@ -2967,7 +2967,7 @@
             </a:ln>
             <a:extLst>
               <a:ext uri="{91240B29-F687-4f45-9708-019B960494DF}">
-                <a14:hiddenLine xmlns="" xmlns:a14="http://schemas.microsoft.com/office/drawing/2010/main" w="9525">
+                <a14:hiddenLine xmlns:a14="http://schemas.microsoft.com/office/drawing/2010/main" xmlns="" w="9525">
                   <a:solidFill>
                     <a:srgbClr val="000000"/>
                   </a:solidFill>
@@ -3057,7 +3057,7 @@
             </a:ln>
             <a:extLst>
               <a:ext uri="{91240B29-F687-4f45-9708-019B960494DF}">
-                <a14:hiddenLine xmlns="" xmlns:a14="http://schemas.microsoft.com/office/drawing/2010/main" w="9525">
+                <a14:hiddenLine xmlns:a14="http://schemas.microsoft.com/office/drawing/2010/main" xmlns="" w="9525">
                   <a:solidFill>
                     <a:srgbClr val="000000"/>
                   </a:solidFill>
@@ -3119,7 +3119,7 @@
             </a:ln>
             <a:extLst>
               <a:ext uri="{91240B29-F687-4f45-9708-019B960494DF}">
-                <a14:hiddenLine xmlns="" xmlns:a14="http://schemas.microsoft.com/office/drawing/2010/main" w="9525">
+                <a14:hiddenLine xmlns:a14="http://schemas.microsoft.com/office/drawing/2010/main" xmlns="" w="9525">
                   <a:solidFill>
                     <a:srgbClr val="000000"/>
                   </a:solidFill>
@@ -3209,7 +3209,7 @@
             </a:ln>
             <a:extLst>
               <a:ext uri="{91240B29-F687-4f45-9708-019B960494DF}">
-                <a14:hiddenLine xmlns="" xmlns:a14="http://schemas.microsoft.com/office/drawing/2010/main" w="9525">
+                <a14:hiddenLine xmlns:a14="http://schemas.microsoft.com/office/drawing/2010/main" xmlns="" w="9525">
                   <a:solidFill>
                     <a:srgbClr val="000000"/>
                   </a:solidFill>
@@ -3243,7 +3243,7 @@
             </a:ln>
             <a:extLst>
               <a:ext uri="{91240B29-F687-4f45-9708-019B960494DF}">
-                <a14:hiddenLine xmlns="" xmlns:a14="http://schemas.microsoft.com/office/drawing/2010/main" w="9525">
+                <a14:hiddenLine xmlns:a14="http://schemas.microsoft.com/office/drawing/2010/main" xmlns="" w="9525">
                   <a:solidFill>
                     <a:srgbClr val="000000"/>
                   </a:solidFill>
@@ -3308,7 +3308,7 @@
             </a:ln>
             <a:extLst>
               <a:ext uri="{91240B29-F687-4f45-9708-019B960494DF}">
-                <a14:hiddenLine xmlns="" xmlns:a14="http://schemas.microsoft.com/office/drawing/2010/main" w="9525">
+                <a14:hiddenLine xmlns:a14="http://schemas.microsoft.com/office/drawing/2010/main" xmlns="" w="9525">
                   <a:solidFill>
                     <a:srgbClr val="000000"/>
                   </a:solidFill>
@@ -3398,7 +3398,7 @@
             </a:ln>
             <a:extLst>
               <a:ext uri="{91240B29-F687-4f45-9708-019B960494DF}">
-                <a14:hiddenLine xmlns="" xmlns:a14="http://schemas.microsoft.com/office/drawing/2010/main" w="9525">
+                <a14:hiddenLine xmlns:a14="http://schemas.microsoft.com/office/drawing/2010/main" xmlns="" w="9525">
                   <a:solidFill>
                     <a:srgbClr val="000000"/>
                   </a:solidFill>
@@ -3460,7 +3460,7 @@
             </a:ln>
             <a:extLst>
               <a:ext uri="{91240B29-F687-4f45-9708-019B960494DF}">
-                <a14:hiddenLine xmlns="" xmlns:a14="http://schemas.microsoft.com/office/drawing/2010/main" w="9525">
+                <a14:hiddenLine xmlns:a14="http://schemas.microsoft.com/office/drawing/2010/main" xmlns="" w="9525">
                   <a:solidFill>
                     <a:srgbClr val="000000"/>
                   </a:solidFill>
@@ -3550,7 +3550,7 @@
             </a:ln>
             <a:extLst>
               <a:ext uri="{91240B29-F687-4f45-9708-019B960494DF}">
-                <a14:hiddenLine xmlns="" xmlns:a14="http://schemas.microsoft.com/office/drawing/2010/main" w="9525">
+                <a14:hiddenLine xmlns:a14="http://schemas.microsoft.com/office/drawing/2010/main" xmlns="" w="9525">
                   <a:solidFill>
                     <a:srgbClr val="000000"/>
                   </a:solidFill>
@@ -3640,7 +3640,7 @@
             </a:ln>
             <a:extLst>
               <a:ext uri="{91240B29-F687-4f45-9708-019B960494DF}">
-                <a14:hiddenLine xmlns="" xmlns:a14="http://schemas.microsoft.com/office/drawing/2010/main" w="9525">
+                <a14:hiddenLine xmlns:a14="http://schemas.microsoft.com/office/drawing/2010/main" xmlns="" w="9525">
                   <a:solidFill>
                     <a:srgbClr val="000000"/>
                   </a:solidFill>
@@ -3705,7 +3705,7 @@
             </a:ln>
             <a:extLst>
               <a:ext uri="{91240B29-F687-4f45-9708-019B960494DF}">
-                <a14:hiddenLine xmlns="" xmlns:a14="http://schemas.microsoft.com/office/drawing/2010/main" w="9525">
+                <a14:hiddenLine xmlns:a14="http://schemas.microsoft.com/office/drawing/2010/main" xmlns="" w="9525">
                   <a:solidFill>
                     <a:srgbClr val="000000"/>
                   </a:solidFill>
@@ -3767,7 +3767,7 @@
             </a:ln>
             <a:extLst>
               <a:ext uri="{91240B29-F687-4f45-9708-019B960494DF}">
-                <a14:hiddenLine xmlns="" xmlns:a14="http://schemas.microsoft.com/office/drawing/2010/main" w="9525">
+                <a14:hiddenLine xmlns:a14="http://schemas.microsoft.com/office/drawing/2010/main" xmlns="" w="9525">
                   <a:solidFill>
                     <a:srgbClr val="000000"/>
                   </a:solidFill>
@@ -3857,7 +3857,7 @@
             </a:ln>
             <a:extLst>
               <a:ext uri="{91240B29-F687-4f45-9708-019B960494DF}">
-                <a14:hiddenLine xmlns="" xmlns:a14="http://schemas.microsoft.com/office/drawing/2010/main" w="9525">
+                <a14:hiddenLine xmlns:a14="http://schemas.microsoft.com/office/drawing/2010/main" xmlns="" w="9525">
                   <a:solidFill>
                     <a:srgbClr val="000000"/>
                   </a:solidFill>
@@ -3947,7 +3947,7 @@
             </a:ln>
             <a:extLst>
               <a:ext uri="{91240B29-F687-4f45-9708-019B960494DF}">
-                <a14:hiddenLine xmlns="" xmlns:a14="http://schemas.microsoft.com/office/drawing/2010/main" w="9525">
+                <a14:hiddenLine xmlns:a14="http://schemas.microsoft.com/office/drawing/2010/main" xmlns="" w="9525">
                   <a:solidFill>
                     <a:srgbClr val="000000"/>
                   </a:solidFill>
@@ -4009,7 +4009,7 @@
             </a:ln>
             <a:extLst>
               <a:ext uri="{91240B29-F687-4f45-9708-019B960494DF}">
-                <a14:hiddenLine xmlns="" xmlns:a14="http://schemas.microsoft.com/office/drawing/2010/main" w="9525">
+                <a14:hiddenLine xmlns:a14="http://schemas.microsoft.com/office/drawing/2010/main" xmlns="" w="9525">
                   <a:solidFill>
                     <a:srgbClr val="000000"/>
                   </a:solidFill>
@@ -4129,7 +4129,7 @@
             </a:ln>
             <a:extLst>
               <a:ext uri="{91240B29-F687-4f45-9708-019B960494DF}">
-                <a14:hiddenLine xmlns="" xmlns:a14="http://schemas.microsoft.com/office/drawing/2010/main" w="9525">
+                <a14:hiddenLine xmlns:a14="http://schemas.microsoft.com/office/drawing/2010/main" xmlns="" w="9525">
                   <a:solidFill>
                     <a:srgbClr val="000000"/>
                   </a:solidFill>
@@ -4197,7 +4197,7 @@
             </a:ln>
             <a:extLst>
               <a:ext uri="{91240B29-F687-4f45-9708-019B960494DF}">
-                <a14:hiddenLine xmlns="" xmlns:a14="http://schemas.microsoft.com/office/drawing/2010/main" w="9525">
+                <a14:hiddenLine xmlns:a14="http://schemas.microsoft.com/office/drawing/2010/main" xmlns="" w="9525">
                   <a:solidFill>
                     <a:srgbClr val="000000"/>
                   </a:solidFill>
@@ -4287,7 +4287,7 @@
             </a:ln>
             <a:extLst>
               <a:ext uri="{91240B29-F687-4f45-9708-019B960494DF}">
-                <a14:hiddenLine xmlns="" xmlns:a14="http://schemas.microsoft.com/office/drawing/2010/main" w="9525">
+                <a14:hiddenLine xmlns:a14="http://schemas.microsoft.com/office/drawing/2010/main" xmlns="" w="9525">
                   <a:solidFill>
                     <a:srgbClr val="000000"/>
                   </a:solidFill>
@@ -4427,7 +4427,7 @@
           <a:p>
             <a:fld id="{48A87A34-81AB-432B-8DAE-1953F412C126}" type="datetimeFigureOut">
               <a:rPr lang="en-US" smtClean="0"/>
-              <a:t>12-Sep-17</a:t>
+              <a:t>20-Sep-17</a:t>
             </a:fld>
             <a:endParaRPr lang="en-US" dirty="0"/>
           </a:p>
@@ -4693,7 +4693,7 @@
           <a:p>
             <a:fld id="{48A87A34-81AB-432B-8DAE-1953F412C126}" type="datetimeFigureOut">
               <a:rPr lang="en-US" smtClean="0"/>
-              <a:t>12-Sep-17</a:t>
+              <a:t>20-Sep-17</a:t>
             </a:fld>
             <a:endParaRPr lang="en-US" dirty="0"/>
           </a:p>
@@ -4889,7 +4889,7 @@
           <a:p>
             <a:fld id="{48A87A34-81AB-432B-8DAE-1953F412C126}" type="datetimeFigureOut">
               <a:rPr lang="en-US" smtClean="0"/>
-              <a:t>12-Sep-17</a:t>
+              <a:t>20-Sep-17</a:t>
             </a:fld>
             <a:endParaRPr lang="en-US" dirty="0"/>
           </a:p>
@@ -5152,7 +5152,7 @@
           <a:p>
             <a:fld id="{48A87A34-81AB-432B-8DAE-1953F412C126}" type="datetimeFigureOut">
               <a:rPr lang="en-US" smtClean="0"/>
-              <a:t>12-Sep-17</a:t>
+              <a:t>20-Sep-17</a:t>
             </a:fld>
             <a:endParaRPr lang="en-US" dirty="0"/>
           </a:p>
@@ -5586,7 +5586,7 @@
           <a:p>
             <a:fld id="{48A87A34-81AB-432B-8DAE-1953F412C126}" type="datetimeFigureOut">
               <a:rPr lang="en-US" smtClean="0"/>
-              <a:t>12-Sep-17</a:t>
+              <a:t>20-Sep-17</a:t>
             </a:fld>
             <a:endParaRPr lang="en-US" dirty="0"/>
           </a:p>
@@ -6132,7 +6132,7 @@
           <a:p>
             <a:fld id="{48A87A34-81AB-432B-8DAE-1953F412C126}" type="datetimeFigureOut">
               <a:rPr lang="en-US" smtClean="0"/>
-              <a:t>12-Sep-17</a:t>
+              <a:t>20-Sep-17</a:t>
             </a:fld>
             <a:endParaRPr lang="en-US" dirty="0"/>
           </a:p>
@@ -6849,7 +6849,7 @@
           <a:p>
             <a:fld id="{48A87A34-81AB-432B-8DAE-1953F412C126}" type="datetimeFigureOut">
               <a:rPr lang="en-US" smtClean="0"/>
-              <a:t>12-Sep-17</a:t>
+              <a:t>20-Sep-17</a:t>
             </a:fld>
             <a:endParaRPr lang="en-US" dirty="0"/>
           </a:p>
@@ -7019,7 +7019,7 @@
           <a:p>
             <a:fld id="{48A87A34-81AB-432B-8DAE-1953F412C126}" type="datetimeFigureOut">
               <a:rPr lang="en-US" smtClean="0"/>
-              <a:t>12-Sep-17</a:t>
+              <a:t>20-Sep-17</a:t>
             </a:fld>
             <a:endParaRPr lang="en-US" dirty="0"/>
           </a:p>
@@ -7199,7 +7199,7 @@
           <a:p>
             <a:fld id="{48A87A34-81AB-432B-8DAE-1953F412C126}" type="datetimeFigureOut">
               <a:rPr lang="en-US" smtClean="0"/>
-              <a:t>12-Sep-17</a:t>
+              <a:t>20-Sep-17</a:t>
             </a:fld>
             <a:endParaRPr lang="en-US" dirty="0"/>
           </a:p>
@@ -7369,7 +7369,7 @@
           <a:p>
             <a:fld id="{48A87A34-81AB-432B-8DAE-1953F412C126}" type="datetimeFigureOut">
               <a:rPr lang="en-US" smtClean="0"/>
-              <a:t>12-Sep-17</a:t>
+              <a:t>20-Sep-17</a:t>
             </a:fld>
             <a:endParaRPr lang="en-US" dirty="0"/>
           </a:p>
@@ -7619,7 +7619,7 @@
           <a:p>
             <a:fld id="{48A87A34-81AB-432B-8DAE-1953F412C126}" type="datetimeFigureOut">
               <a:rPr lang="en-US" smtClean="0"/>
-              <a:t>12-Sep-17</a:t>
+              <a:t>20-Sep-17</a:t>
             </a:fld>
             <a:endParaRPr lang="en-US" dirty="0"/>
           </a:p>
@@ -7851,7 +7851,7 @@
           <a:p>
             <a:fld id="{48A87A34-81AB-432B-8DAE-1953F412C126}" type="datetimeFigureOut">
               <a:rPr lang="en-US" smtClean="0"/>
-              <a:t>12-Sep-17</a:t>
+              <a:t>20-Sep-17</a:t>
             </a:fld>
             <a:endParaRPr lang="en-US" dirty="0"/>
           </a:p>
@@ -8232,7 +8232,7 @@
           <a:p>
             <a:fld id="{48A87A34-81AB-432B-8DAE-1953F412C126}" type="datetimeFigureOut">
               <a:rPr lang="en-US" smtClean="0"/>
-              <a:t>12-Sep-17</a:t>
+              <a:t>20-Sep-17</a:t>
             </a:fld>
             <a:endParaRPr lang="en-US" dirty="0"/>
           </a:p>
@@ -8350,7 +8350,7 @@
           <a:p>
             <a:fld id="{48A87A34-81AB-432B-8DAE-1953F412C126}" type="datetimeFigureOut">
               <a:rPr lang="en-US" smtClean="0"/>
-              <a:t>12-Sep-17</a:t>
+              <a:t>20-Sep-17</a:t>
             </a:fld>
             <a:endParaRPr lang="en-US" dirty="0"/>
           </a:p>
@@ -8445,7 +8445,7 @@
           <a:p>
             <a:fld id="{48A87A34-81AB-432B-8DAE-1953F412C126}" type="datetimeFigureOut">
               <a:rPr lang="en-US" smtClean="0"/>
-              <a:t>12-Sep-17</a:t>
+              <a:t>20-Sep-17</a:t>
             </a:fld>
             <a:endParaRPr lang="en-US" dirty="0"/>
           </a:p>
@@ -8694,7 +8694,7 @@
           <a:p>
             <a:fld id="{48A87A34-81AB-432B-8DAE-1953F412C126}" type="datetimeFigureOut">
               <a:rPr lang="en-US" smtClean="0"/>
-              <a:t>12-Sep-17</a:t>
+              <a:t>20-Sep-17</a:t>
             </a:fld>
             <a:endParaRPr lang="en-US" dirty="0"/>
           </a:p>
@@ -8973,7 +8973,7 @@
           <a:p>
             <a:fld id="{48A87A34-81AB-432B-8DAE-1953F412C126}" type="datetimeFigureOut">
               <a:rPr lang="en-US" smtClean="0"/>
-              <a:t>12-Sep-17</a:t>
+              <a:t>20-Sep-17</a:t>
             </a:fld>
             <a:endParaRPr lang="en-US" dirty="0"/>
           </a:p>
@@ -9089,7 +9089,7 @@
           <a:noFill/>
           <a:extLst>
             <a:ext uri="{909E8E84-426E-40dd-AFC4-6F175D3DCCD1}">
-              <a14:hiddenFill xmlns="" xmlns:a14="http://schemas.microsoft.com/office/drawing/2010/main">
+              <a14:hiddenFill xmlns:a14="http://schemas.microsoft.com/office/drawing/2010/main" xmlns="">
                 <a:solidFill>
                   <a:srgbClr val="FFFFFF"/>
                 </a:solidFill>
@@ -9163,7 +9163,7 @@
               </a:ln>
               <a:extLst>
                 <a:ext uri="{91240B29-F687-4f45-9708-019B960494DF}">
-                  <a14:hiddenLine xmlns="" xmlns:a14="http://schemas.microsoft.com/office/drawing/2010/main" w="9525">
+                  <a14:hiddenLine xmlns:a14="http://schemas.microsoft.com/office/drawing/2010/main" xmlns="" w="9525">
                     <a:solidFill>
                       <a:srgbClr val="000000"/>
                     </a:solidFill>
@@ -9253,7 +9253,7 @@
               </a:ln>
               <a:extLst>
                 <a:ext uri="{91240B29-F687-4f45-9708-019B960494DF}">
-                  <a14:hiddenLine xmlns="" xmlns:a14="http://schemas.microsoft.com/office/drawing/2010/main" w="9525">
+                  <a14:hiddenLine xmlns:a14="http://schemas.microsoft.com/office/drawing/2010/main" xmlns="" w="9525">
                     <a:solidFill>
                       <a:srgbClr val="000000"/>
                     </a:solidFill>
@@ -9343,7 +9343,7 @@
               </a:ln>
               <a:extLst>
                 <a:ext uri="{91240B29-F687-4f45-9708-019B960494DF}">
-                  <a14:hiddenLine xmlns="" xmlns:a14="http://schemas.microsoft.com/office/drawing/2010/main" w="9525">
+                  <a14:hiddenLine xmlns:a14="http://schemas.microsoft.com/office/drawing/2010/main" xmlns="" w="9525">
                     <a:solidFill>
                       <a:srgbClr val="000000"/>
                     </a:solidFill>
@@ -9405,7 +9405,7 @@
               </a:ln>
               <a:extLst>
                 <a:ext uri="{91240B29-F687-4f45-9708-019B960494DF}">
-                  <a14:hiddenLine xmlns="" xmlns:a14="http://schemas.microsoft.com/office/drawing/2010/main" w="9525">
+                  <a14:hiddenLine xmlns:a14="http://schemas.microsoft.com/office/drawing/2010/main" xmlns="" w="9525">
                     <a:solidFill>
                       <a:srgbClr val="000000"/>
                     </a:solidFill>
@@ -9495,7 +9495,7 @@
               </a:ln>
               <a:extLst>
                 <a:ext uri="{91240B29-F687-4f45-9708-019B960494DF}">
-                  <a14:hiddenLine xmlns="" xmlns:a14="http://schemas.microsoft.com/office/drawing/2010/main" w="9525">
+                  <a14:hiddenLine xmlns:a14="http://schemas.microsoft.com/office/drawing/2010/main" xmlns="" w="9525">
                     <a:solidFill>
                       <a:srgbClr val="000000"/>
                     </a:solidFill>
@@ -9557,7 +9557,7 @@
               </a:ln>
               <a:extLst>
                 <a:ext uri="{91240B29-F687-4f45-9708-019B960494DF}">
-                  <a14:hiddenLine xmlns="" xmlns:a14="http://schemas.microsoft.com/office/drawing/2010/main" w="9525">
+                  <a14:hiddenLine xmlns:a14="http://schemas.microsoft.com/office/drawing/2010/main" xmlns="" w="9525">
                     <a:solidFill>
                       <a:srgbClr val="000000"/>
                     </a:solidFill>
@@ -9619,7 +9619,7 @@
               </a:ln>
               <a:extLst>
                 <a:ext uri="{91240B29-F687-4f45-9708-019B960494DF}">
-                  <a14:hiddenLine xmlns="" xmlns:a14="http://schemas.microsoft.com/office/drawing/2010/main" w="9525">
+                  <a14:hiddenLine xmlns:a14="http://schemas.microsoft.com/office/drawing/2010/main" xmlns="" w="9525">
                     <a:solidFill>
                       <a:srgbClr val="000000"/>
                     </a:solidFill>
@@ -9709,7 +9709,7 @@
               </a:ln>
               <a:extLst>
                 <a:ext uri="{91240B29-F687-4f45-9708-019B960494DF}">
-                  <a14:hiddenLine xmlns="" xmlns:a14="http://schemas.microsoft.com/office/drawing/2010/main" w="9525">
+                  <a14:hiddenLine xmlns:a14="http://schemas.microsoft.com/office/drawing/2010/main" xmlns="" w="9525">
                     <a:solidFill>
                       <a:srgbClr val="000000"/>
                     </a:solidFill>
@@ -9799,7 +9799,7 @@
               </a:ln>
               <a:extLst>
                 <a:ext uri="{91240B29-F687-4f45-9708-019B960494DF}">
-                  <a14:hiddenLine xmlns="" xmlns:a14="http://schemas.microsoft.com/office/drawing/2010/main" w="9525">
+                  <a14:hiddenLine xmlns:a14="http://schemas.microsoft.com/office/drawing/2010/main" xmlns="" w="9525">
                     <a:solidFill>
                       <a:srgbClr val="000000"/>
                     </a:solidFill>
@@ -9861,7 +9861,7 @@
               </a:ln>
               <a:extLst>
                 <a:ext uri="{91240B29-F687-4f45-9708-019B960494DF}">
-                  <a14:hiddenLine xmlns="" xmlns:a14="http://schemas.microsoft.com/office/drawing/2010/main" w="9525">
+                  <a14:hiddenLine xmlns:a14="http://schemas.microsoft.com/office/drawing/2010/main" xmlns="" w="9525">
                     <a:solidFill>
                       <a:srgbClr val="000000"/>
                     </a:solidFill>
@@ -9971,7 +9971,7 @@
               </a:ln>
               <a:extLst>
                 <a:ext uri="{91240B29-F687-4f45-9708-019B960494DF}">
-                  <a14:hiddenLine xmlns="" xmlns:a14="http://schemas.microsoft.com/office/drawing/2010/main" w="9525">
+                  <a14:hiddenLine xmlns:a14="http://schemas.microsoft.com/office/drawing/2010/main" xmlns="" w="9525">
                     <a:solidFill>
                       <a:srgbClr val="000000"/>
                     </a:solidFill>
@@ -10055,7 +10055,7 @@
               </a:ln>
               <a:extLst>
                 <a:ext uri="{91240B29-F687-4f45-9708-019B960494DF}">
-                  <a14:hiddenLine xmlns="" xmlns:a14="http://schemas.microsoft.com/office/drawing/2010/main" w="9525">
+                  <a14:hiddenLine xmlns:a14="http://schemas.microsoft.com/office/drawing/2010/main" xmlns="" w="9525">
                     <a:solidFill>
                       <a:srgbClr val="000000"/>
                     </a:solidFill>
@@ -10117,7 +10117,7 @@
               </a:ln>
               <a:extLst>
                 <a:ext uri="{91240B29-F687-4f45-9708-019B960494DF}">
-                  <a14:hiddenLine xmlns="" xmlns:a14="http://schemas.microsoft.com/office/drawing/2010/main" w="9525">
+                  <a14:hiddenLine xmlns:a14="http://schemas.microsoft.com/office/drawing/2010/main" xmlns="" w="9525">
                     <a:solidFill>
                       <a:srgbClr val="000000"/>
                     </a:solidFill>
@@ -10179,7 +10179,7 @@
               </a:ln>
               <a:extLst>
                 <a:ext uri="{91240B29-F687-4f45-9708-019B960494DF}">
-                  <a14:hiddenLine xmlns="" xmlns:a14="http://schemas.microsoft.com/office/drawing/2010/main" w="9525">
+                  <a14:hiddenLine xmlns:a14="http://schemas.microsoft.com/office/drawing/2010/main" xmlns="" w="9525">
                     <a:solidFill>
                       <a:srgbClr val="000000"/>
                     </a:solidFill>
@@ -10269,7 +10269,7 @@
               </a:ln>
               <a:extLst>
                 <a:ext uri="{91240B29-F687-4f45-9708-019B960494DF}">
-                  <a14:hiddenLine xmlns="" xmlns:a14="http://schemas.microsoft.com/office/drawing/2010/main" w="9525">
+                  <a14:hiddenLine xmlns:a14="http://schemas.microsoft.com/office/drawing/2010/main" xmlns="" w="9525">
                     <a:solidFill>
                       <a:srgbClr val="000000"/>
                     </a:solidFill>
@@ -10303,7 +10303,7 @@
               </a:ln>
               <a:extLst>
                 <a:ext uri="{91240B29-F687-4f45-9708-019B960494DF}">
-                  <a14:hiddenLine xmlns="" xmlns:a14="http://schemas.microsoft.com/office/drawing/2010/main" w="9525">
+                  <a14:hiddenLine xmlns:a14="http://schemas.microsoft.com/office/drawing/2010/main" xmlns="" w="9525">
                     <a:solidFill>
                       <a:srgbClr val="000000"/>
                     </a:solidFill>
@@ -10368,7 +10368,7 @@
               </a:ln>
               <a:extLst>
                 <a:ext uri="{91240B29-F687-4f45-9708-019B960494DF}">
-                  <a14:hiddenLine xmlns="" xmlns:a14="http://schemas.microsoft.com/office/drawing/2010/main" w="9525">
+                  <a14:hiddenLine xmlns:a14="http://schemas.microsoft.com/office/drawing/2010/main" xmlns="" w="9525">
                     <a:solidFill>
                       <a:srgbClr val="000000"/>
                     </a:solidFill>
@@ -10458,7 +10458,7 @@
               </a:ln>
               <a:extLst>
                 <a:ext uri="{91240B29-F687-4f45-9708-019B960494DF}">
-                  <a14:hiddenLine xmlns="" xmlns:a14="http://schemas.microsoft.com/office/drawing/2010/main" w="9525">
+                  <a14:hiddenLine xmlns:a14="http://schemas.microsoft.com/office/drawing/2010/main" xmlns="" w="9525">
                     <a:solidFill>
                       <a:srgbClr val="000000"/>
                     </a:solidFill>
@@ -10520,7 +10520,7 @@
               </a:ln>
               <a:extLst>
                 <a:ext uri="{91240B29-F687-4f45-9708-019B960494DF}">
-                  <a14:hiddenLine xmlns="" xmlns:a14="http://schemas.microsoft.com/office/drawing/2010/main" w="9525">
+                  <a14:hiddenLine xmlns:a14="http://schemas.microsoft.com/office/drawing/2010/main" xmlns="" w="9525">
                     <a:solidFill>
                       <a:srgbClr val="000000"/>
                     </a:solidFill>
@@ -10610,7 +10610,7 @@
               </a:ln>
               <a:extLst>
                 <a:ext uri="{91240B29-F687-4f45-9708-019B960494DF}">
-                  <a14:hiddenLine xmlns="" xmlns:a14="http://schemas.microsoft.com/office/drawing/2010/main" w="9525">
+                  <a14:hiddenLine xmlns:a14="http://schemas.microsoft.com/office/drawing/2010/main" xmlns="" w="9525">
                     <a:solidFill>
                       <a:srgbClr val="000000"/>
                     </a:solidFill>
@@ -10675,7 +10675,7 @@
               </a:ln>
               <a:extLst>
                 <a:ext uri="{91240B29-F687-4f45-9708-019B960494DF}">
-                  <a14:hiddenLine xmlns="" xmlns:a14="http://schemas.microsoft.com/office/drawing/2010/main" w="9525">
+                  <a14:hiddenLine xmlns:a14="http://schemas.microsoft.com/office/drawing/2010/main" xmlns="" w="9525">
                     <a:solidFill>
                       <a:srgbClr val="000000"/>
                     </a:solidFill>
@@ -10737,7 +10737,7 @@
               </a:ln>
               <a:extLst>
                 <a:ext uri="{91240B29-F687-4f45-9708-019B960494DF}">
-                  <a14:hiddenLine xmlns="" xmlns:a14="http://schemas.microsoft.com/office/drawing/2010/main" w="9525">
+                  <a14:hiddenLine xmlns:a14="http://schemas.microsoft.com/office/drawing/2010/main" xmlns="" w="9525">
                     <a:solidFill>
                       <a:srgbClr val="000000"/>
                     </a:solidFill>
@@ -10827,7 +10827,7 @@
               </a:ln>
               <a:extLst>
                 <a:ext uri="{91240B29-F687-4f45-9708-019B960494DF}">
-                  <a14:hiddenLine xmlns="" xmlns:a14="http://schemas.microsoft.com/office/drawing/2010/main" w="9525">
+                  <a14:hiddenLine xmlns:a14="http://schemas.microsoft.com/office/drawing/2010/main" xmlns="" w="9525">
                     <a:solidFill>
                       <a:srgbClr val="000000"/>
                     </a:solidFill>
@@ -10917,7 +10917,7 @@
               </a:ln>
               <a:extLst>
                 <a:ext uri="{91240B29-F687-4f45-9708-019B960494DF}">
-                  <a14:hiddenLine xmlns="" xmlns:a14="http://schemas.microsoft.com/office/drawing/2010/main" w="9525">
+                  <a14:hiddenLine xmlns:a14="http://schemas.microsoft.com/office/drawing/2010/main" xmlns="" w="9525">
                     <a:solidFill>
                       <a:srgbClr val="000000"/>
                     </a:solidFill>
@@ -10982,7 +10982,7 @@
               </a:ln>
               <a:extLst>
                 <a:ext uri="{91240B29-F687-4f45-9708-019B960494DF}">
-                  <a14:hiddenLine xmlns="" xmlns:a14="http://schemas.microsoft.com/office/drawing/2010/main" w="9525">
+                  <a14:hiddenLine xmlns:a14="http://schemas.microsoft.com/office/drawing/2010/main" xmlns="" w="9525">
                     <a:solidFill>
                       <a:srgbClr val="000000"/>
                     </a:solidFill>
@@ -11102,7 +11102,7 @@
               </a:ln>
               <a:extLst>
                 <a:ext uri="{91240B29-F687-4f45-9708-019B960494DF}">
-                  <a14:hiddenLine xmlns="" xmlns:a14="http://schemas.microsoft.com/office/drawing/2010/main" w="9525">
+                  <a14:hiddenLine xmlns:a14="http://schemas.microsoft.com/office/drawing/2010/main" xmlns="" w="9525">
                     <a:solidFill>
                       <a:srgbClr val="000000"/>
                     </a:solidFill>
@@ -11200,7 +11200,7 @@
               </a:ln>
               <a:extLst>
                 <a:ext uri="{91240B29-F687-4f45-9708-019B960494DF}">
-                  <a14:hiddenLine xmlns="" xmlns:a14="http://schemas.microsoft.com/office/drawing/2010/main" w="9525">
+                  <a14:hiddenLine xmlns:a14="http://schemas.microsoft.com/office/drawing/2010/main" xmlns="" w="9525">
                     <a:solidFill>
                       <a:srgbClr val="000000"/>
                     </a:solidFill>
@@ -11315,7 +11315,7 @@
               </a:ln>
               <a:extLst>
                 <a:ext uri="{91240B29-F687-4f45-9708-019B960494DF}">
-                  <a14:hiddenLine xmlns="" xmlns:a14="http://schemas.microsoft.com/office/drawing/2010/main" w="9525">
+                  <a14:hiddenLine xmlns:a14="http://schemas.microsoft.com/office/drawing/2010/main" xmlns="" w="9525">
                     <a:solidFill>
                       <a:srgbClr val="000000"/>
                     </a:solidFill>
@@ -11405,7 +11405,7 @@
               </a:ln>
               <a:extLst>
                 <a:ext uri="{91240B29-F687-4f45-9708-019B960494DF}">
-                  <a14:hiddenLine xmlns="" xmlns:a14="http://schemas.microsoft.com/office/drawing/2010/main" w="9525">
+                  <a14:hiddenLine xmlns:a14="http://schemas.microsoft.com/office/drawing/2010/main" xmlns="" w="9525">
                     <a:solidFill>
                       <a:srgbClr val="000000"/>
                     </a:solidFill>
@@ -11470,7 +11470,7 @@
               </a:ln>
               <a:extLst>
                 <a:ext uri="{91240B29-F687-4f45-9708-019B960494DF}">
-                  <a14:hiddenLine xmlns="" xmlns:a14="http://schemas.microsoft.com/office/drawing/2010/main" w="9525">
+                  <a14:hiddenLine xmlns:a14="http://schemas.microsoft.com/office/drawing/2010/main" xmlns="" w="9525">
                     <a:solidFill>
                       <a:srgbClr val="000000"/>
                     </a:solidFill>
@@ -11560,7 +11560,7 @@
               </a:ln>
               <a:extLst>
                 <a:ext uri="{91240B29-F687-4f45-9708-019B960494DF}">
-                  <a14:hiddenLine xmlns="" xmlns:a14="http://schemas.microsoft.com/office/drawing/2010/main" w="9525">
+                  <a14:hiddenLine xmlns:a14="http://schemas.microsoft.com/office/drawing/2010/main" xmlns="" w="9525">
                     <a:solidFill>
                       <a:srgbClr val="000000"/>
                     </a:solidFill>
@@ -11628,7 +11628,7 @@
               </a:ln>
               <a:extLst>
                 <a:ext uri="{91240B29-F687-4f45-9708-019B960494DF}">
-                  <a14:hiddenLine xmlns="" xmlns:a14="http://schemas.microsoft.com/office/drawing/2010/main" w="9525">
+                  <a14:hiddenLine xmlns:a14="http://schemas.microsoft.com/office/drawing/2010/main" xmlns="" w="9525">
                     <a:solidFill>
                       <a:srgbClr val="000000"/>
                     </a:solidFill>
@@ -11718,7 +11718,7 @@
               </a:ln>
               <a:extLst>
                 <a:ext uri="{91240B29-F687-4f45-9708-019B960494DF}">
-                  <a14:hiddenLine xmlns="" xmlns:a14="http://schemas.microsoft.com/office/drawing/2010/main" w="9525">
+                  <a14:hiddenLine xmlns:a14="http://schemas.microsoft.com/office/drawing/2010/main" xmlns="" w="9525">
                     <a:solidFill>
                       <a:srgbClr val="000000"/>
                     </a:solidFill>
@@ -11786,7 +11786,7 @@
               </a:ln>
               <a:extLst>
                 <a:ext uri="{91240B29-F687-4f45-9708-019B960494DF}">
-                  <a14:hiddenLine xmlns="" xmlns:a14="http://schemas.microsoft.com/office/drawing/2010/main" w="9525">
+                  <a14:hiddenLine xmlns:a14="http://schemas.microsoft.com/office/drawing/2010/main" xmlns="" w="9525">
                     <a:solidFill>
                       <a:srgbClr val="000000"/>
                     </a:solidFill>
@@ -11876,7 +11876,7 @@
               </a:ln>
               <a:extLst>
                 <a:ext uri="{91240B29-F687-4f45-9708-019B960494DF}">
-                  <a14:hiddenLine xmlns="" xmlns:a14="http://schemas.microsoft.com/office/drawing/2010/main" w="9525">
+                  <a14:hiddenLine xmlns:a14="http://schemas.microsoft.com/office/drawing/2010/main" xmlns="" w="9525">
                     <a:solidFill>
                       <a:srgbClr val="000000"/>
                     </a:solidFill>
@@ -11910,7 +11910,7 @@
               </a:ln>
               <a:extLst>
                 <a:ext uri="{91240B29-F687-4f45-9708-019B960494DF}">
-                  <a14:hiddenLine xmlns="" xmlns:a14="http://schemas.microsoft.com/office/drawing/2010/main" w="9525">
+                  <a14:hiddenLine xmlns:a14="http://schemas.microsoft.com/office/drawing/2010/main" xmlns="" w="9525">
                     <a:solidFill>
                       <a:srgbClr val="000000"/>
                     </a:solidFill>
@@ -12051,7 +12051,7 @@
             <a:fld id="{48A87A34-81AB-432B-8DAE-1953F412C126}" type="datetimeFigureOut">
               <a:rPr lang="en-US" smtClean="0"/>
               <a:pPr/>
-              <a:t>12-Sep-17</a:t>
+              <a:t>20-Sep-17</a:t>
             </a:fld>
             <a:endParaRPr lang="en-US" dirty="0"/>
           </a:p>
@@ -12539,6 +12539,7 @@
           <a:bodyPr/>
           <a:lstStyle/>
           <a:p>
+            <a:pPr algn="just"/>
             <a:endParaRPr lang="en-US" dirty="0">
               <a:solidFill>
                 <a:schemeClr val="accent2">
@@ -12549,6 +12550,7 @@
             </a:endParaRPr>
           </a:p>
           <a:p>
+            <a:pPr algn="just"/>
             <a:r>
               <a:rPr lang="en-US" dirty="0">
                 <a:solidFill>
@@ -12558,7 +12560,7 @@
                   </a:schemeClr>
                 </a:solidFill>
               </a:rPr>
-              <a:t>Pathik shah -156330307104              Megh Thakkar -156330307116</a:t>
+              <a:t>Pathik shah            156330307104       Megh Thakkar            156330307116</a:t>
             </a:r>
           </a:p>
           <a:p>
@@ -12571,7 +12573,7 @@
                   </a:schemeClr>
                 </a:solidFill>
               </a:rPr>
-              <a:t>Smith bhojak -156330307008           Bhavin Panchasara -156330307047</a:t>
+              <a:t>Smith bhojak         156330307008       Bhavin Panchasara   156330307047 </a:t>
             </a:r>
           </a:p>
           <a:p>
@@ -12584,7 +12586,7 @@
                   </a:schemeClr>
                 </a:solidFill>
               </a:rPr>
-              <a:t> Kandarp Pandya  -156330307049    Kishan Patel - 156330307026</a:t>
+              <a:t>Kandarp Pandya    156330307049       Kishan Patel               156330307026</a:t>
             </a:r>
           </a:p>
         </p:txBody>
@@ -12810,7 +12812,7 @@
               <a:rPr lang="en-US" dirty="0">
                 <a:hlinkClick r:id="rId2" action="ppaction://hlinkfile"/>
               </a:rPr>
-              <a:t>DATA_DICTIONARY v01.pdf</a:t>
+              <a:t>DATA_DICTIONARY v02.pdf</a:t>
             </a:r>
             <a:endParaRPr lang="en-US" dirty="0"/>
           </a:p>
@@ -12999,10 +13001,46 @@
           <a:lstStyle/>
           <a:p>
             <a:r>
-              <a:rPr lang="en-US">
+              <a:rPr lang="en-US" dirty="0">
                 <a:hlinkClick r:id="rId2" action="ppaction://hlinkfile"/>
               </a:rPr>
-              <a:t>CombineDFD.pdf</a:t>
+              <a:t>DFD\Level_0_DFD.pdf</a:t>
+            </a:r>
+            <a:endParaRPr lang="en-US" dirty="0"/>
+          </a:p>
+          <a:p>
+            <a:r>
+              <a:rPr lang="en-US" dirty="0">
+                <a:hlinkClick r:id="rId3" action="ppaction://hlinkfile"/>
+              </a:rPr>
+              <a:t>DFD\Level_1_DFD.pdf</a:t>
+            </a:r>
+            <a:endParaRPr lang="en-US" dirty="0"/>
+          </a:p>
+          <a:p>
+            <a:r>
+              <a:rPr lang="en-US" dirty="0">
+                <a:hlinkClick r:id="rId4" action="ppaction://hlinkfile"/>
+              </a:rPr>
+              <a:t>DFD\Level_2_DFD.pdf</a:t>
+            </a:r>
+            <a:endParaRPr lang="en-US" dirty="0"/>
+          </a:p>
+          <a:p>
+            <a:r>
+              <a:rPr lang="en-US" dirty="0">
+                <a:hlinkClick r:id="rId5" action="ppaction://hlinkfile"/>
+              </a:rPr>
+              <a:t>DFD\Level_3_DFD.pdf</a:t>
+            </a:r>
+            <a:endParaRPr lang="en-US" dirty="0"/>
+          </a:p>
+          <a:p>
+            <a:r>
+              <a:rPr lang="en-US">
+                <a:hlinkClick r:id="rId6" action="ppaction://hlinkfile"/>
+              </a:rPr>
+              <a:t>DFD\Level_4_DFD.pdf</a:t>
             </a:r>
             <a:endParaRPr lang="en-US" dirty="0"/>
           </a:p>
@@ -13232,17 +13270,7 @@
           <a:p>
             <a:r>
               <a:rPr lang="en-US" dirty="0"/>
-              <a:t> By simulating as many senses as possible, such as vision, hearing, </a:t>
-            </a:r>
-            <a:r>
-              <a:rPr lang="en-US" dirty="0">
-                <a:hlinkClick r:id="rId2"/>
-              </a:rPr>
-              <a:t>touch</a:t>
-            </a:r>
-            <a:r>
-              <a:rPr lang="en-US" dirty="0"/>
-              <a:t>, the computer is transformed into a gatekeeper to this artificial world.</a:t>
+              <a:t> By simulating as many senses as possible, such as vision, hearing, touch, the computer is transformed into a gatekeeper to this artificial world.</a:t>
             </a:r>
           </a:p>
         </p:txBody>

--- a/presentation_v02.pptx
+++ b/presentation_v02.pptx
@@ -201,7 +201,7 @@
           <a:noFill/>
           <a:extLst>
             <a:ext uri="{909E8E84-426E-40dd-AFC4-6F175D3DCCD1}">
-              <a14:hiddenFill xmlns:a14="http://schemas.microsoft.com/office/drawing/2010/main" xmlns="">
+              <a14:hiddenFill xmlns="" xmlns:a14="http://schemas.microsoft.com/office/drawing/2010/main">
                 <a:solidFill>
                   <a:srgbClr val="FFFFFF"/>
                 </a:solidFill>
@@ -261,7 +261,7 @@
             </a:ln>
             <a:extLst>
               <a:ext uri="{91240B29-F687-4f45-9708-019B960494DF}">
-                <a14:hiddenLine xmlns:a14="http://schemas.microsoft.com/office/drawing/2010/main" xmlns="" w="9525">
+                <a14:hiddenLine xmlns="" xmlns:a14="http://schemas.microsoft.com/office/drawing/2010/main" w="9525">
                   <a:solidFill>
                     <a:srgbClr val="000000"/>
                   </a:solidFill>
@@ -351,7 +351,7 @@
             </a:ln>
             <a:extLst>
               <a:ext uri="{91240B29-F687-4f45-9708-019B960494DF}">
-                <a14:hiddenLine xmlns:a14="http://schemas.microsoft.com/office/drawing/2010/main" xmlns="" w="9525">
+                <a14:hiddenLine xmlns="" xmlns:a14="http://schemas.microsoft.com/office/drawing/2010/main" w="9525">
                   <a:solidFill>
                     <a:srgbClr val="000000"/>
                   </a:solidFill>
@@ -441,7 +441,7 @@
             </a:ln>
             <a:extLst>
               <a:ext uri="{91240B29-F687-4f45-9708-019B960494DF}">
-                <a14:hiddenLine xmlns:a14="http://schemas.microsoft.com/office/drawing/2010/main" xmlns="" w="9525">
+                <a14:hiddenLine xmlns="" xmlns:a14="http://schemas.microsoft.com/office/drawing/2010/main" w="9525">
                   <a:solidFill>
                     <a:srgbClr val="000000"/>
                   </a:solidFill>
@@ -475,7 +475,7 @@
             </a:ln>
             <a:extLst>
               <a:ext uri="{91240B29-F687-4f45-9708-019B960494DF}">
-                <a14:hiddenLine xmlns:a14="http://schemas.microsoft.com/office/drawing/2010/main" xmlns="" w="9525">
+                <a14:hiddenLine xmlns="" xmlns:a14="http://schemas.microsoft.com/office/drawing/2010/main" w="9525">
                   <a:solidFill>
                     <a:srgbClr val="000000"/>
                   </a:solidFill>
@@ -565,7 +565,7 @@
             </a:ln>
             <a:extLst>
               <a:ext uri="{91240B29-F687-4f45-9708-019B960494DF}">
-                <a14:hiddenLine xmlns:a14="http://schemas.microsoft.com/office/drawing/2010/main" xmlns="" w="9525">
+                <a14:hiddenLine xmlns="" xmlns:a14="http://schemas.microsoft.com/office/drawing/2010/main" w="9525">
                   <a:solidFill>
                     <a:srgbClr val="000000"/>
                   </a:solidFill>
@@ -627,7 +627,7 @@
             </a:ln>
             <a:extLst>
               <a:ext uri="{91240B29-F687-4f45-9708-019B960494DF}">
-                <a14:hiddenLine xmlns:a14="http://schemas.microsoft.com/office/drawing/2010/main" xmlns="" w="9525">
+                <a14:hiddenLine xmlns="" xmlns:a14="http://schemas.microsoft.com/office/drawing/2010/main" w="9525">
                   <a:solidFill>
                     <a:srgbClr val="000000"/>
                   </a:solidFill>
@@ -689,7 +689,7 @@
             </a:ln>
             <a:extLst>
               <a:ext uri="{91240B29-F687-4f45-9708-019B960494DF}">
-                <a14:hiddenLine xmlns:a14="http://schemas.microsoft.com/office/drawing/2010/main" xmlns="" w="9525">
+                <a14:hiddenLine xmlns="" xmlns:a14="http://schemas.microsoft.com/office/drawing/2010/main" w="9525">
                   <a:solidFill>
                     <a:srgbClr val="000000"/>
                   </a:solidFill>
@@ -779,7 +779,7 @@
             </a:ln>
             <a:extLst>
               <a:ext uri="{91240B29-F687-4f45-9708-019B960494DF}">
-                <a14:hiddenLine xmlns:a14="http://schemas.microsoft.com/office/drawing/2010/main" xmlns="" w="9525">
+                <a14:hiddenLine xmlns="" xmlns:a14="http://schemas.microsoft.com/office/drawing/2010/main" w="9525">
                   <a:solidFill>
                     <a:srgbClr val="000000"/>
                   </a:solidFill>
@@ -841,7 +841,7 @@
             </a:ln>
             <a:extLst>
               <a:ext uri="{91240B29-F687-4f45-9708-019B960494DF}">
-                <a14:hiddenLine xmlns:a14="http://schemas.microsoft.com/office/drawing/2010/main" xmlns="" w="9525">
+                <a14:hiddenLine xmlns="" xmlns:a14="http://schemas.microsoft.com/office/drawing/2010/main" w="9525">
                   <a:solidFill>
                     <a:srgbClr val="000000"/>
                   </a:solidFill>
@@ -903,7 +903,7 @@
             </a:ln>
             <a:extLst>
               <a:ext uri="{91240B29-F687-4f45-9708-019B960494DF}">
-                <a14:hiddenLine xmlns:a14="http://schemas.microsoft.com/office/drawing/2010/main" xmlns="" w="9525">
+                <a14:hiddenLine xmlns="" xmlns:a14="http://schemas.microsoft.com/office/drawing/2010/main" w="9525">
                   <a:solidFill>
                     <a:srgbClr val="000000"/>
                   </a:solidFill>
@@ -993,7 +993,7 @@
             </a:ln>
             <a:extLst>
               <a:ext uri="{91240B29-F687-4f45-9708-019B960494DF}">
-                <a14:hiddenLine xmlns:a14="http://schemas.microsoft.com/office/drawing/2010/main" xmlns="" w="9525">
+                <a14:hiddenLine xmlns="" xmlns:a14="http://schemas.microsoft.com/office/drawing/2010/main" w="9525">
                   <a:solidFill>
                     <a:srgbClr val="000000"/>
                   </a:solidFill>
@@ -1083,7 +1083,7 @@
             </a:ln>
             <a:extLst>
               <a:ext uri="{91240B29-F687-4f45-9708-019B960494DF}">
-                <a14:hiddenLine xmlns:a14="http://schemas.microsoft.com/office/drawing/2010/main" xmlns="" w="9525">
+                <a14:hiddenLine xmlns="" xmlns:a14="http://schemas.microsoft.com/office/drawing/2010/main" w="9525">
                   <a:solidFill>
                     <a:srgbClr val="000000"/>
                   </a:solidFill>
@@ -1145,7 +1145,7 @@
             </a:ln>
             <a:extLst>
               <a:ext uri="{91240B29-F687-4f45-9708-019B960494DF}">
-                <a14:hiddenLine xmlns:a14="http://schemas.microsoft.com/office/drawing/2010/main" xmlns="" w="9525">
+                <a14:hiddenLine xmlns="" xmlns:a14="http://schemas.microsoft.com/office/drawing/2010/main" w="9525">
                   <a:solidFill>
                     <a:srgbClr val="000000"/>
                   </a:solidFill>
@@ -1255,7 +1255,7 @@
             </a:ln>
             <a:extLst>
               <a:ext uri="{91240B29-F687-4f45-9708-019B960494DF}">
-                <a14:hiddenLine xmlns:a14="http://schemas.microsoft.com/office/drawing/2010/main" xmlns="" w="9525">
+                <a14:hiddenLine xmlns="" xmlns:a14="http://schemas.microsoft.com/office/drawing/2010/main" w="9525">
                   <a:solidFill>
                     <a:srgbClr val="000000"/>
                   </a:solidFill>
@@ -1317,7 +1317,7 @@
             </a:ln>
             <a:extLst>
               <a:ext uri="{91240B29-F687-4f45-9708-019B960494DF}">
-                <a14:hiddenLine xmlns:a14="http://schemas.microsoft.com/office/drawing/2010/main" xmlns="" w="9525">
+                <a14:hiddenLine xmlns="" xmlns:a14="http://schemas.microsoft.com/office/drawing/2010/main" w="9525">
                   <a:solidFill>
                     <a:srgbClr val="000000"/>
                   </a:solidFill>
@@ -1407,7 +1407,7 @@
             </a:ln>
             <a:extLst>
               <a:ext uri="{91240B29-F687-4f45-9708-019B960494DF}">
-                <a14:hiddenLine xmlns:a14="http://schemas.microsoft.com/office/drawing/2010/main" xmlns="" w="9525">
+                <a14:hiddenLine xmlns="" xmlns:a14="http://schemas.microsoft.com/office/drawing/2010/main" w="9525">
                   <a:solidFill>
                     <a:srgbClr val="000000"/>
                   </a:solidFill>
@@ -1497,7 +1497,7 @@
             </a:ln>
             <a:extLst>
               <a:ext uri="{91240B29-F687-4f45-9708-019B960494DF}">
-                <a14:hiddenLine xmlns:a14="http://schemas.microsoft.com/office/drawing/2010/main" xmlns="" w="9525">
+                <a14:hiddenLine xmlns="" xmlns:a14="http://schemas.microsoft.com/office/drawing/2010/main" w="9525">
                   <a:solidFill>
                     <a:srgbClr val="000000"/>
                   </a:solidFill>
@@ -1559,7 +1559,7 @@
             </a:ln>
             <a:extLst>
               <a:ext uri="{91240B29-F687-4f45-9708-019B960494DF}">
-                <a14:hiddenLine xmlns:a14="http://schemas.microsoft.com/office/drawing/2010/main" xmlns="" w="9525">
+                <a14:hiddenLine xmlns="" xmlns:a14="http://schemas.microsoft.com/office/drawing/2010/main" w="9525">
                   <a:solidFill>
                     <a:srgbClr val="000000"/>
                   </a:solidFill>
@@ -1649,7 +1649,7 @@
             </a:ln>
             <a:extLst>
               <a:ext uri="{91240B29-F687-4f45-9708-019B960494DF}">
-                <a14:hiddenLine xmlns:a14="http://schemas.microsoft.com/office/drawing/2010/main" xmlns="" w="9525">
+                <a14:hiddenLine xmlns="" xmlns:a14="http://schemas.microsoft.com/office/drawing/2010/main" w="9525">
                   <a:solidFill>
                     <a:srgbClr val="000000"/>
                   </a:solidFill>
@@ -1739,7 +1739,7 @@
             </a:ln>
             <a:extLst>
               <a:ext uri="{91240B29-F687-4f45-9708-019B960494DF}">
-                <a14:hiddenLine xmlns:a14="http://schemas.microsoft.com/office/drawing/2010/main" xmlns="" w="9525">
+                <a14:hiddenLine xmlns="" xmlns:a14="http://schemas.microsoft.com/office/drawing/2010/main" w="9525">
                   <a:solidFill>
                     <a:srgbClr val="000000"/>
                   </a:solidFill>
@@ -1795,7 +1795,7 @@
             </a:ln>
             <a:extLst>
               <a:ext uri="{91240B29-F687-4f45-9708-019B960494DF}">
-                <a14:hiddenLine xmlns:a14="http://schemas.microsoft.com/office/drawing/2010/main" xmlns="" w="9525">
+                <a14:hiddenLine xmlns="" xmlns:a14="http://schemas.microsoft.com/office/drawing/2010/main" w="9525">
                   <a:solidFill>
                     <a:srgbClr val="000000"/>
                   </a:solidFill>
@@ -1885,7 +1885,7 @@
             </a:ln>
             <a:extLst>
               <a:ext uri="{91240B29-F687-4f45-9708-019B960494DF}">
-                <a14:hiddenLine xmlns:a14="http://schemas.microsoft.com/office/drawing/2010/main" xmlns="" w="9525">
+                <a14:hiddenLine xmlns="" xmlns:a14="http://schemas.microsoft.com/office/drawing/2010/main" w="9525">
                   <a:solidFill>
                     <a:srgbClr val="000000"/>
                   </a:solidFill>
@@ -1941,7 +1941,7 @@
             </a:ln>
             <a:extLst>
               <a:ext uri="{91240B29-F687-4f45-9708-019B960494DF}">
-                <a14:hiddenLine xmlns:a14="http://schemas.microsoft.com/office/drawing/2010/main" xmlns="" w="9525">
+                <a14:hiddenLine xmlns="" xmlns:a14="http://schemas.microsoft.com/office/drawing/2010/main" w="9525">
                   <a:solidFill>
                     <a:srgbClr val="000000"/>
                   </a:solidFill>
@@ -2031,7 +2031,7 @@
             </a:ln>
             <a:extLst>
               <a:ext uri="{91240B29-F687-4f45-9708-019B960494DF}">
-                <a14:hiddenLine xmlns:a14="http://schemas.microsoft.com/office/drawing/2010/main" xmlns="" w="9525">
+                <a14:hiddenLine xmlns="" xmlns:a14="http://schemas.microsoft.com/office/drawing/2010/main" w="9525">
                   <a:solidFill>
                     <a:srgbClr val="000000"/>
                   </a:solidFill>
@@ -2099,7 +2099,7 @@
             </a:ln>
             <a:extLst>
               <a:ext uri="{91240B29-F687-4f45-9708-019B960494DF}">
-                <a14:hiddenLine xmlns:a14="http://schemas.microsoft.com/office/drawing/2010/main" xmlns="" w="9525">
+                <a14:hiddenLine xmlns="" xmlns:a14="http://schemas.microsoft.com/office/drawing/2010/main" w="9525">
                   <a:solidFill>
                     <a:srgbClr val="000000"/>
                   </a:solidFill>
@@ -2189,7 +2189,7 @@
             </a:ln>
             <a:extLst>
               <a:ext uri="{91240B29-F687-4f45-9708-019B960494DF}">
-                <a14:hiddenLine xmlns:a14="http://schemas.microsoft.com/office/drawing/2010/main" xmlns="" w="9525">
+                <a14:hiddenLine xmlns="" xmlns:a14="http://schemas.microsoft.com/office/drawing/2010/main" w="9525">
                   <a:solidFill>
                     <a:srgbClr val="000000"/>
                   </a:solidFill>
@@ -2257,7 +2257,7 @@
             </a:ln>
             <a:extLst>
               <a:ext uri="{91240B29-F687-4f45-9708-019B960494DF}">
-                <a14:hiddenLine xmlns:a14="http://schemas.microsoft.com/office/drawing/2010/main" xmlns="" w="9525">
+                <a14:hiddenLine xmlns="" xmlns:a14="http://schemas.microsoft.com/office/drawing/2010/main" w="9525">
                   <a:solidFill>
                     <a:srgbClr val="000000"/>
                   </a:solidFill>
@@ -2347,7 +2347,7 @@
             </a:ln>
             <a:extLst>
               <a:ext uri="{91240B29-F687-4f45-9708-019B960494DF}">
-                <a14:hiddenLine xmlns:a14="http://schemas.microsoft.com/office/drawing/2010/main" xmlns="" w="9525">
+                <a14:hiddenLine xmlns="" xmlns:a14="http://schemas.microsoft.com/office/drawing/2010/main" w="9525">
                   <a:solidFill>
                     <a:srgbClr val="000000"/>
                   </a:solidFill>
@@ -2381,7 +2381,7 @@
             </a:ln>
             <a:extLst>
               <a:ext uri="{91240B29-F687-4f45-9708-019B960494DF}">
-                <a14:hiddenLine xmlns:a14="http://schemas.microsoft.com/office/drawing/2010/main" xmlns="" w="9525">
+                <a14:hiddenLine xmlns="" xmlns:a14="http://schemas.microsoft.com/office/drawing/2010/main" w="9525">
                   <a:solidFill>
                     <a:srgbClr val="000000"/>
                   </a:solidFill>
@@ -2471,7 +2471,7 @@
             </a:ln>
             <a:extLst>
               <a:ext uri="{91240B29-F687-4f45-9708-019B960494DF}">
-                <a14:hiddenLine xmlns:a14="http://schemas.microsoft.com/office/drawing/2010/main" xmlns="" w="9525">
+                <a14:hiddenLine xmlns="" xmlns:a14="http://schemas.microsoft.com/office/drawing/2010/main" w="9525">
                   <a:solidFill>
                     <a:srgbClr val="000000"/>
                   </a:solidFill>
@@ -2533,7 +2533,7 @@
             </a:ln>
             <a:extLst>
               <a:ext uri="{91240B29-F687-4f45-9708-019B960494DF}">
-                <a14:hiddenLine xmlns:a14="http://schemas.microsoft.com/office/drawing/2010/main" xmlns="" w="9525">
+                <a14:hiddenLine xmlns="" xmlns:a14="http://schemas.microsoft.com/office/drawing/2010/main" w="9525">
                   <a:solidFill>
                     <a:srgbClr val="000000"/>
                   </a:solidFill>
@@ -2595,7 +2595,7 @@
             </a:ln>
             <a:extLst>
               <a:ext uri="{91240B29-F687-4f45-9708-019B960494DF}">
-                <a14:hiddenLine xmlns:a14="http://schemas.microsoft.com/office/drawing/2010/main" xmlns="" w="9525">
+                <a14:hiddenLine xmlns="" xmlns:a14="http://schemas.microsoft.com/office/drawing/2010/main" w="9525">
                   <a:solidFill>
                     <a:srgbClr val="000000"/>
                   </a:solidFill>
@@ -2685,7 +2685,7 @@
             </a:ln>
             <a:extLst>
               <a:ext uri="{91240B29-F687-4f45-9708-019B960494DF}">
-                <a14:hiddenLine xmlns:a14="http://schemas.microsoft.com/office/drawing/2010/main" xmlns="" w="9525">
+                <a14:hiddenLine xmlns="" xmlns:a14="http://schemas.microsoft.com/office/drawing/2010/main" w="9525">
                   <a:solidFill>
                     <a:srgbClr val="000000"/>
                   </a:solidFill>
@@ -2753,7 +2753,7 @@
             </a:ln>
             <a:extLst>
               <a:ext uri="{91240B29-F687-4f45-9708-019B960494DF}">
-                <a14:hiddenLine xmlns:a14="http://schemas.microsoft.com/office/drawing/2010/main" xmlns="" w="9525">
+                <a14:hiddenLine xmlns="" xmlns:a14="http://schemas.microsoft.com/office/drawing/2010/main" w="9525">
                   <a:solidFill>
                     <a:srgbClr val="000000"/>
                   </a:solidFill>
@@ -2815,7 +2815,7 @@
             </a:ln>
             <a:extLst>
               <a:ext uri="{91240B29-F687-4f45-9708-019B960494DF}">
-                <a14:hiddenLine xmlns:a14="http://schemas.microsoft.com/office/drawing/2010/main" xmlns="" w="9525">
+                <a14:hiddenLine xmlns="" xmlns:a14="http://schemas.microsoft.com/office/drawing/2010/main" w="9525">
                   <a:solidFill>
                     <a:srgbClr val="000000"/>
                   </a:solidFill>
@@ -2905,7 +2905,7 @@
             </a:ln>
             <a:extLst>
               <a:ext uri="{91240B29-F687-4f45-9708-019B960494DF}">
-                <a14:hiddenLine xmlns:a14="http://schemas.microsoft.com/office/drawing/2010/main" xmlns="" w="9525">
+                <a14:hiddenLine xmlns="" xmlns:a14="http://schemas.microsoft.com/office/drawing/2010/main" w="9525">
                   <a:solidFill>
                     <a:srgbClr val="000000"/>
                   </a:solidFill>
@@ -2967,7 +2967,7 @@
             </a:ln>
             <a:extLst>
               <a:ext uri="{91240B29-F687-4f45-9708-019B960494DF}">
-                <a14:hiddenLine xmlns:a14="http://schemas.microsoft.com/office/drawing/2010/main" xmlns="" w="9525">
+                <a14:hiddenLine xmlns="" xmlns:a14="http://schemas.microsoft.com/office/drawing/2010/main" w="9525">
                   <a:solidFill>
                     <a:srgbClr val="000000"/>
                   </a:solidFill>
@@ -3057,7 +3057,7 @@
             </a:ln>
             <a:extLst>
               <a:ext uri="{91240B29-F687-4f45-9708-019B960494DF}">
-                <a14:hiddenLine xmlns:a14="http://schemas.microsoft.com/office/drawing/2010/main" xmlns="" w="9525">
+                <a14:hiddenLine xmlns="" xmlns:a14="http://schemas.microsoft.com/office/drawing/2010/main" w="9525">
                   <a:solidFill>
                     <a:srgbClr val="000000"/>
                   </a:solidFill>
@@ -3119,7 +3119,7 @@
             </a:ln>
             <a:extLst>
               <a:ext uri="{91240B29-F687-4f45-9708-019B960494DF}">
-                <a14:hiddenLine xmlns:a14="http://schemas.microsoft.com/office/drawing/2010/main" xmlns="" w="9525">
+                <a14:hiddenLine xmlns="" xmlns:a14="http://schemas.microsoft.com/office/drawing/2010/main" w="9525">
                   <a:solidFill>
                     <a:srgbClr val="000000"/>
                   </a:solidFill>
@@ -3209,7 +3209,7 @@
             </a:ln>
             <a:extLst>
               <a:ext uri="{91240B29-F687-4f45-9708-019B960494DF}">
-                <a14:hiddenLine xmlns:a14="http://schemas.microsoft.com/office/drawing/2010/main" xmlns="" w="9525">
+                <a14:hiddenLine xmlns="" xmlns:a14="http://schemas.microsoft.com/office/drawing/2010/main" w="9525">
                   <a:solidFill>
                     <a:srgbClr val="000000"/>
                   </a:solidFill>
@@ -3243,7 +3243,7 @@
             </a:ln>
             <a:extLst>
               <a:ext uri="{91240B29-F687-4f45-9708-019B960494DF}">
-                <a14:hiddenLine xmlns:a14="http://schemas.microsoft.com/office/drawing/2010/main" xmlns="" w="9525">
+                <a14:hiddenLine xmlns="" xmlns:a14="http://schemas.microsoft.com/office/drawing/2010/main" w="9525">
                   <a:solidFill>
                     <a:srgbClr val="000000"/>
                   </a:solidFill>
@@ -3308,7 +3308,7 @@
             </a:ln>
             <a:extLst>
               <a:ext uri="{91240B29-F687-4f45-9708-019B960494DF}">
-                <a14:hiddenLine xmlns:a14="http://schemas.microsoft.com/office/drawing/2010/main" xmlns="" w="9525">
+                <a14:hiddenLine xmlns="" xmlns:a14="http://schemas.microsoft.com/office/drawing/2010/main" w="9525">
                   <a:solidFill>
                     <a:srgbClr val="000000"/>
                   </a:solidFill>
@@ -3398,7 +3398,7 @@
             </a:ln>
             <a:extLst>
               <a:ext uri="{91240B29-F687-4f45-9708-019B960494DF}">
-                <a14:hiddenLine xmlns:a14="http://schemas.microsoft.com/office/drawing/2010/main" xmlns="" w="9525">
+                <a14:hiddenLine xmlns="" xmlns:a14="http://schemas.microsoft.com/office/drawing/2010/main" w="9525">
                   <a:solidFill>
                     <a:srgbClr val="000000"/>
                   </a:solidFill>
@@ -3460,7 +3460,7 @@
             </a:ln>
             <a:extLst>
               <a:ext uri="{91240B29-F687-4f45-9708-019B960494DF}">
-                <a14:hiddenLine xmlns:a14="http://schemas.microsoft.com/office/drawing/2010/main" xmlns="" w="9525">
+                <a14:hiddenLine xmlns="" xmlns:a14="http://schemas.microsoft.com/office/drawing/2010/main" w="9525">
                   <a:solidFill>
                     <a:srgbClr val="000000"/>
                   </a:solidFill>
@@ -3550,7 +3550,7 @@
             </a:ln>
             <a:extLst>
               <a:ext uri="{91240B29-F687-4f45-9708-019B960494DF}">
-                <a14:hiddenLine xmlns:a14="http://schemas.microsoft.com/office/drawing/2010/main" xmlns="" w="9525">
+                <a14:hiddenLine xmlns="" xmlns:a14="http://schemas.microsoft.com/office/drawing/2010/main" w="9525">
                   <a:solidFill>
                     <a:srgbClr val="000000"/>
                   </a:solidFill>
@@ -3640,7 +3640,7 @@
             </a:ln>
             <a:extLst>
               <a:ext uri="{91240B29-F687-4f45-9708-019B960494DF}">
-                <a14:hiddenLine xmlns:a14="http://schemas.microsoft.com/office/drawing/2010/main" xmlns="" w="9525">
+                <a14:hiddenLine xmlns="" xmlns:a14="http://schemas.microsoft.com/office/drawing/2010/main" w="9525">
                   <a:solidFill>
                     <a:srgbClr val="000000"/>
                   </a:solidFill>
@@ -3705,7 +3705,7 @@
             </a:ln>
             <a:extLst>
               <a:ext uri="{91240B29-F687-4f45-9708-019B960494DF}">
-                <a14:hiddenLine xmlns:a14="http://schemas.microsoft.com/office/drawing/2010/main" xmlns="" w="9525">
+                <a14:hiddenLine xmlns="" xmlns:a14="http://schemas.microsoft.com/office/drawing/2010/main" w="9525">
                   <a:solidFill>
                     <a:srgbClr val="000000"/>
                   </a:solidFill>
@@ -3767,7 +3767,7 @@
             </a:ln>
             <a:extLst>
               <a:ext uri="{91240B29-F687-4f45-9708-019B960494DF}">
-                <a14:hiddenLine xmlns:a14="http://schemas.microsoft.com/office/drawing/2010/main" xmlns="" w="9525">
+                <a14:hiddenLine xmlns="" xmlns:a14="http://schemas.microsoft.com/office/drawing/2010/main" w="9525">
                   <a:solidFill>
                     <a:srgbClr val="000000"/>
                   </a:solidFill>
@@ -3857,7 +3857,7 @@
             </a:ln>
             <a:extLst>
               <a:ext uri="{91240B29-F687-4f45-9708-019B960494DF}">
-                <a14:hiddenLine xmlns:a14="http://schemas.microsoft.com/office/drawing/2010/main" xmlns="" w="9525">
+                <a14:hiddenLine xmlns="" xmlns:a14="http://schemas.microsoft.com/office/drawing/2010/main" w="9525">
                   <a:solidFill>
                     <a:srgbClr val="000000"/>
                   </a:solidFill>
@@ -3947,7 +3947,7 @@
             </a:ln>
             <a:extLst>
               <a:ext uri="{91240B29-F687-4f45-9708-019B960494DF}">
-                <a14:hiddenLine xmlns:a14="http://schemas.microsoft.com/office/drawing/2010/main" xmlns="" w="9525">
+                <a14:hiddenLine xmlns="" xmlns:a14="http://schemas.microsoft.com/office/drawing/2010/main" w="9525">
                   <a:solidFill>
                     <a:srgbClr val="000000"/>
                   </a:solidFill>
@@ -4009,7 +4009,7 @@
             </a:ln>
             <a:extLst>
               <a:ext uri="{91240B29-F687-4f45-9708-019B960494DF}">
-                <a14:hiddenLine xmlns:a14="http://schemas.microsoft.com/office/drawing/2010/main" xmlns="" w="9525">
+                <a14:hiddenLine xmlns="" xmlns:a14="http://schemas.microsoft.com/office/drawing/2010/main" w="9525">
                   <a:solidFill>
                     <a:srgbClr val="000000"/>
                   </a:solidFill>
@@ -4129,7 +4129,7 @@
             </a:ln>
             <a:extLst>
               <a:ext uri="{91240B29-F687-4f45-9708-019B960494DF}">
-                <a14:hiddenLine xmlns:a14="http://schemas.microsoft.com/office/drawing/2010/main" xmlns="" w="9525">
+                <a14:hiddenLine xmlns="" xmlns:a14="http://schemas.microsoft.com/office/drawing/2010/main" w="9525">
                   <a:solidFill>
                     <a:srgbClr val="000000"/>
                   </a:solidFill>
@@ -4197,7 +4197,7 @@
             </a:ln>
             <a:extLst>
               <a:ext uri="{91240B29-F687-4f45-9708-019B960494DF}">
-                <a14:hiddenLine xmlns:a14="http://schemas.microsoft.com/office/drawing/2010/main" xmlns="" w="9525">
+                <a14:hiddenLine xmlns="" xmlns:a14="http://schemas.microsoft.com/office/drawing/2010/main" w="9525">
                   <a:solidFill>
                     <a:srgbClr val="000000"/>
                   </a:solidFill>
@@ -4287,7 +4287,7 @@
             </a:ln>
             <a:extLst>
               <a:ext uri="{91240B29-F687-4f45-9708-019B960494DF}">
-                <a14:hiddenLine xmlns:a14="http://schemas.microsoft.com/office/drawing/2010/main" xmlns="" w="9525">
+                <a14:hiddenLine xmlns="" xmlns:a14="http://schemas.microsoft.com/office/drawing/2010/main" w="9525">
                   <a:solidFill>
                     <a:srgbClr val="000000"/>
                   </a:solidFill>
@@ -4427,7 +4427,7 @@
           <a:p>
             <a:fld id="{48A87A34-81AB-432B-8DAE-1953F412C126}" type="datetimeFigureOut">
               <a:rPr lang="en-US" smtClean="0"/>
-              <a:t>20-Sep-17</a:t>
+              <a:t>13-Sep-17</a:t>
             </a:fld>
             <a:endParaRPr lang="en-US" dirty="0"/>
           </a:p>
@@ -4693,7 +4693,7 @@
           <a:p>
             <a:fld id="{48A87A34-81AB-432B-8DAE-1953F412C126}" type="datetimeFigureOut">
               <a:rPr lang="en-US" smtClean="0"/>
-              <a:t>20-Sep-17</a:t>
+              <a:t>13-Sep-17</a:t>
             </a:fld>
             <a:endParaRPr lang="en-US" dirty="0"/>
           </a:p>
@@ -4889,7 +4889,7 @@
           <a:p>
             <a:fld id="{48A87A34-81AB-432B-8DAE-1953F412C126}" type="datetimeFigureOut">
               <a:rPr lang="en-US" smtClean="0"/>
-              <a:t>20-Sep-17</a:t>
+              <a:t>13-Sep-17</a:t>
             </a:fld>
             <a:endParaRPr lang="en-US" dirty="0"/>
           </a:p>
@@ -5152,7 +5152,7 @@
           <a:p>
             <a:fld id="{48A87A34-81AB-432B-8DAE-1953F412C126}" type="datetimeFigureOut">
               <a:rPr lang="en-US" smtClean="0"/>
-              <a:t>20-Sep-17</a:t>
+              <a:t>13-Sep-17</a:t>
             </a:fld>
             <a:endParaRPr lang="en-US" dirty="0"/>
           </a:p>
@@ -5586,7 +5586,7 @@
           <a:p>
             <a:fld id="{48A87A34-81AB-432B-8DAE-1953F412C126}" type="datetimeFigureOut">
               <a:rPr lang="en-US" smtClean="0"/>
-              <a:t>20-Sep-17</a:t>
+              <a:t>13-Sep-17</a:t>
             </a:fld>
             <a:endParaRPr lang="en-US" dirty="0"/>
           </a:p>
@@ -6132,7 +6132,7 @@
           <a:p>
             <a:fld id="{48A87A34-81AB-432B-8DAE-1953F412C126}" type="datetimeFigureOut">
               <a:rPr lang="en-US" smtClean="0"/>
-              <a:t>20-Sep-17</a:t>
+              <a:t>13-Sep-17</a:t>
             </a:fld>
             <a:endParaRPr lang="en-US" dirty="0"/>
           </a:p>
@@ -6849,7 +6849,7 @@
           <a:p>
             <a:fld id="{48A87A34-81AB-432B-8DAE-1953F412C126}" type="datetimeFigureOut">
               <a:rPr lang="en-US" smtClean="0"/>
-              <a:t>20-Sep-17</a:t>
+              <a:t>13-Sep-17</a:t>
             </a:fld>
             <a:endParaRPr lang="en-US" dirty="0"/>
           </a:p>
@@ -7019,7 +7019,7 @@
           <a:p>
             <a:fld id="{48A87A34-81AB-432B-8DAE-1953F412C126}" type="datetimeFigureOut">
               <a:rPr lang="en-US" smtClean="0"/>
-              <a:t>20-Sep-17</a:t>
+              <a:t>13-Sep-17</a:t>
             </a:fld>
             <a:endParaRPr lang="en-US" dirty="0"/>
           </a:p>
@@ -7199,7 +7199,7 @@
           <a:p>
             <a:fld id="{48A87A34-81AB-432B-8DAE-1953F412C126}" type="datetimeFigureOut">
               <a:rPr lang="en-US" smtClean="0"/>
-              <a:t>20-Sep-17</a:t>
+              <a:t>13-Sep-17</a:t>
             </a:fld>
             <a:endParaRPr lang="en-US" dirty="0"/>
           </a:p>
@@ -7369,7 +7369,7 @@
           <a:p>
             <a:fld id="{48A87A34-81AB-432B-8DAE-1953F412C126}" type="datetimeFigureOut">
               <a:rPr lang="en-US" smtClean="0"/>
-              <a:t>20-Sep-17</a:t>
+              <a:t>13-Sep-17</a:t>
             </a:fld>
             <a:endParaRPr lang="en-US" dirty="0"/>
           </a:p>
@@ -7619,7 +7619,7 @@
           <a:p>
             <a:fld id="{48A87A34-81AB-432B-8DAE-1953F412C126}" type="datetimeFigureOut">
               <a:rPr lang="en-US" smtClean="0"/>
-              <a:t>20-Sep-17</a:t>
+              <a:t>13-Sep-17</a:t>
             </a:fld>
             <a:endParaRPr lang="en-US" dirty="0"/>
           </a:p>
@@ -7851,7 +7851,7 @@
           <a:p>
             <a:fld id="{48A87A34-81AB-432B-8DAE-1953F412C126}" type="datetimeFigureOut">
               <a:rPr lang="en-US" smtClean="0"/>
-              <a:t>20-Sep-17</a:t>
+              <a:t>13-Sep-17</a:t>
             </a:fld>
             <a:endParaRPr lang="en-US" dirty="0"/>
           </a:p>
@@ -8232,7 +8232,7 @@
           <a:p>
             <a:fld id="{48A87A34-81AB-432B-8DAE-1953F412C126}" type="datetimeFigureOut">
               <a:rPr lang="en-US" smtClean="0"/>
-              <a:t>20-Sep-17</a:t>
+              <a:t>13-Sep-17</a:t>
             </a:fld>
             <a:endParaRPr lang="en-US" dirty="0"/>
           </a:p>
@@ -8350,7 +8350,7 @@
           <a:p>
             <a:fld id="{48A87A34-81AB-432B-8DAE-1953F412C126}" type="datetimeFigureOut">
               <a:rPr lang="en-US" smtClean="0"/>
-              <a:t>20-Sep-17</a:t>
+              <a:t>13-Sep-17</a:t>
             </a:fld>
             <a:endParaRPr lang="en-US" dirty="0"/>
           </a:p>
@@ -8445,7 +8445,7 @@
           <a:p>
             <a:fld id="{48A87A34-81AB-432B-8DAE-1953F412C126}" type="datetimeFigureOut">
               <a:rPr lang="en-US" smtClean="0"/>
-              <a:t>20-Sep-17</a:t>
+              <a:t>13-Sep-17</a:t>
             </a:fld>
             <a:endParaRPr lang="en-US" dirty="0"/>
           </a:p>
@@ -8694,7 +8694,7 @@
           <a:p>
             <a:fld id="{48A87A34-81AB-432B-8DAE-1953F412C126}" type="datetimeFigureOut">
               <a:rPr lang="en-US" smtClean="0"/>
-              <a:t>20-Sep-17</a:t>
+              <a:t>13-Sep-17</a:t>
             </a:fld>
             <a:endParaRPr lang="en-US" dirty="0"/>
           </a:p>
@@ -8973,7 +8973,7 @@
           <a:p>
             <a:fld id="{48A87A34-81AB-432B-8DAE-1953F412C126}" type="datetimeFigureOut">
               <a:rPr lang="en-US" smtClean="0"/>
-              <a:t>20-Sep-17</a:t>
+              <a:t>13-Sep-17</a:t>
             </a:fld>
             <a:endParaRPr lang="en-US" dirty="0"/>
           </a:p>
@@ -9089,7 +9089,7 @@
           <a:noFill/>
           <a:extLst>
             <a:ext uri="{909E8E84-426E-40dd-AFC4-6F175D3DCCD1}">
-              <a14:hiddenFill xmlns:a14="http://schemas.microsoft.com/office/drawing/2010/main" xmlns="">
+              <a14:hiddenFill xmlns="" xmlns:a14="http://schemas.microsoft.com/office/drawing/2010/main">
                 <a:solidFill>
                   <a:srgbClr val="FFFFFF"/>
                 </a:solidFill>
@@ -9163,7 +9163,7 @@
               </a:ln>
               <a:extLst>
                 <a:ext uri="{91240B29-F687-4f45-9708-019B960494DF}">
-                  <a14:hiddenLine xmlns:a14="http://schemas.microsoft.com/office/drawing/2010/main" xmlns="" w="9525">
+                  <a14:hiddenLine xmlns="" xmlns:a14="http://schemas.microsoft.com/office/drawing/2010/main" w="9525">
                     <a:solidFill>
                       <a:srgbClr val="000000"/>
                     </a:solidFill>
@@ -9253,7 +9253,7 @@
               </a:ln>
               <a:extLst>
                 <a:ext uri="{91240B29-F687-4f45-9708-019B960494DF}">
-                  <a14:hiddenLine xmlns:a14="http://schemas.microsoft.com/office/drawing/2010/main" xmlns="" w="9525">
+                  <a14:hiddenLine xmlns="" xmlns:a14="http://schemas.microsoft.com/office/drawing/2010/main" w="9525">
                     <a:solidFill>
                       <a:srgbClr val="000000"/>
                     </a:solidFill>
@@ -9343,7 +9343,7 @@
               </a:ln>
               <a:extLst>
                 <a:ext uri="{91240B29-F687-4f45-9708-019B960494DF}">
-                  <a14:hiddenLine xmlns:a14="http://schemas.microsoft.com/office/drawing/2010/main" xmlns="" w="9525">
+                  <a14:hiddenLine xmlns="" xmlns:a14="http://schemas.microsoft.com/office/drawing/2010/main" w="9525">
                     <a:solidFill>
                       <a:srgbClr val="000000"/>
                     </a:solidFill>
@@ -9405,7 +9405,7 @@
               </a:ln>
               <a:extLst>
                 <a:ext uri="{91240B29-F687-4f45-9708-019B960494DF}">
-                  <a14:hiddenLine xmlns:a14="http://schemas.microsoft.com/office/drawing/2010/main" xmlns="" w="9525">
+                  <a14:hiddenLine xmlns="" xmlns:a14="http://schemas.microsoft.com/office/drawing/2010/main" w="9525">
                     <a:solidFill>
                       <a:srgbClr val="000000"/>
                     </a:solidFill>
@@ -9495,7 +9495,7 @@
               </a:ln>
               <a:extLst>
                 <a:ext uri="{91240B29-F687-4f45-9708-019B960494DF}">
-                  <a14:hiddenLine xmlns:a14="http://schemas.microsoft.com/office/drawing/2010/main" xmlns="" w="9525">
+                  <a14:hiddenLine xmlns="" xmlns:a14="http://schemas.microsoft.com/office/drawing/2010/main" w="9525">
                     <a:solidFill>
                       <a:srgbClr val="000000"/>
                     </a:solidFill>
@@ -9557,7 +9557,7 @@
               </a:ln>
               <a:extLst>
                 <a:ext uri="{91240B29-F687-4f45-9708-019B960494DF}">
-                  <a14:hiddenLine xmlns:a14="http://schemas.microsoft.com/office/drawing/2010/main" xmlns="" w="9525">
+                  <a14:hiddenLine xmlns="" xmlns:a14="http://schemas.microsoft.com/office/drawing/2010/main" w="9525">
                     <a:solidFill>
                       <a:srgbClr val="000000"/>
                     </a:solidFill>
@@ -9619,7 +9619,7 @@
               </a:ln>
               <a:extLst>
                 <a:ext uri="{91240B29-F687-4f45-9708-019B960494DF}">
-                  <a14:hiddenLine xmlns:a14="http://schemas.microsoft.com/office/drawing/2010/main" xmlns="" w="9525">
+                  <a14:hiddenLine xmlns="" xmlns:a14="http://schemas.microsoft.com/office/drawing/2010/main" w="9525">
                     <a:solidFill>
                       <a:srgbClr val="000000"/>
                     </a:solidFill>
@@ -9709,7 +9709,7 @@
               </a:ln>
               <a:extLst>
                 <a:ext uri="{91240B29-F687-4f45-9708-019B960494DF}">
-                  <a14:hiddenLine xmlns:a14="http://schemas.microsoft.com/office/drawing/2010/main" xmlns="" w="9525">
+                  <a14:hiddenLine xmlns="" xmlns:a14="http://schemas.microsoft.com/office/drawing/2010/main" w="9525">
                     <a:solidFill>
                       <a:srgbClr val="000000"/>
                     </a:solidFill>
@@ -9799,7 +9799,7 @@
               </a:ln>
               <a:extLst>
                 <a:ext uri="{91240B29-F687-4f45-9708-019B960494DF}">
-                  <a14:hiddenLine xmlns:a14="http://schemas.microsoft.com/office/drawing/2010/main" xmlns="" w="9525">
+                  <a14:hiddenLine xmlns="" xmlns:a14="http://schemas.microsoft.com/office/drawing/2010/main" w="9525">
                     <a:solidFill>
                       <a:srgbClr val="000000"/>
                     </a:solidFill>
@@ -9861,7 +9861,7 @@
               </a:ln>
               <a:extLst>
                 <a:ext uri="{91240B29-F687-4f45-9708-019B960494DF}">
-                  <a14:hiddenLine xmlns:a14="http://schemas.microsoft.com/office/drawing/2010/main" xmlns="" w="9525">
+                  <a14:hiddenLine xmlns="" xmlns:a14="http://schemas.microsoft.com/office/drawing/2010/main" w="9525">
                     <a:solidFill>
                       <a:srgbClr val="000000"/>
                     </a:solidFill>
@@ -9971,7 +9971,7 @@
               </a:ln>
               <a:extLst>
                 <a:ext uri="{91240B29-F687-4f45-9708-019B960494DF}">
-                  <a14:hiddenLine xmlns:a14="http://schemas.microsoft.com/office/drawing/2010/main" xmlns="" w="9525">
+                  <a14:hiddenLine xmlns="" xmlns:a14="http://schemas.microsoft.com/office/drawing/2010/main" w="9525">
                     <a:solidFill>
                       <a:srgbClr val="000000"/>
                     </a:solidFill>
@@ -10055,7 +10055,7 @@
               </a:ln>
               <a:extLst>
                 <a:ext uri="{91240B29-F687-4f45-9708-019B960494DF}">
-                  <a14:hiddenLine xmlns:a14="http://schemas.microsoft.com/office/drawing/2010/main" xmlns="" w="9525">
+                  <a14:hiddenLine xmlns="" xmlns:a14="http://schemas.microsoft.com/office/drawing/2010/main" w="9525">
                     <a:solidFill>
                       <a:srgbClr val="000000"/>
                     </a:solidFill>
@@ -10117,7 +10117,7 @@
               </a:ln>
               <a:extLst>
                 <a:ext uri="{91240B29-F687-4f45-9708-019B960494DF}">
-                  <a14:hiddenLine xmlns:a14="http://schemas.microsoft.com/office/drawing/2010/main" xmlns="" w="9525">
+                  <a14:hiddenLine xmlns="" xmlns:a14="http://schemas.microsoft.com/office/drawing/2010/main" w="9525">
                     <a:solidFill>
                       <a:srgbClr val="000000"/>
                     </a:solidFill>
@@ -10179,7 +10179,7 @@
               </a:ln>
               <a:extLst>
                 <a:ext uri="{91240B29-F687-4f45-9708-019B960494DF}">
-                  <a14:hiddenLine xmlns:a14="http://schemas.microsoft.com/office/drawing/2010/main" xmlns="" w="9525">
+                  <a14:hiddenLine xmlns="" xmlns:a14="http://schemas.microsoft.com/office/drawing/2010/main" w="9525">
                     <a:solidFill>
                       <a:srgbClr val="000000"/>
                     </a:solidFill>
@@ -10269,7 +10269,7 @@
               </a:ln>
               <a:extLst>
                 <a:ext uri="{91240B29-F687-4f45-9708-019B960494DF}">
-                  <a14:hiddenLine xmlns:a14="http://schemas.microsoft.com/office/drawing/2010/main" xmlns="" w="9525">
+                  <a14:hiddenLine xmlns="" xmlns:a14="http://schemas.microsoft.com/office/drawing/2010/main" w="9525">
                     <a:solidFill>
                       <a:srgbClr val="000000"/>
                     </a:solidFill>
@@ -10303,7 +10303,7 @@
               </a:ln>
               <a:extLst>
                 <a:ext uri="{91240B29-F687-4f45-9708-019B960494DF}">
-                  <a14:hiddenLine xmlns:a14="http://schemas.microsoft.com/office/drawing/2010/main" xmlns="" w="9525">
+                  <a14:hiddenLine xmlns="" xmlns:a14="http://schemas.microsoft.com/office/drawing/2010/main" w="9525">
                     <a:solidFill>
                       <a:srgbClr val="000000"/>
                     </a:solidFill>
@@ -10368,7 +10368,7 @@
               </a:ln>
               <a:extLst>
                 <a:ext uri="{91240B29-F687-4f45-9708-019B960494DF}">
-                  <a14:hiddenLine xmlns:a14="http://schemas.microsoft.com/office/drawing/2010/main" xmlns="" w="9525">
+                  <a14:hiddenLine xmlns="" xmlns:a14="http://schemas.microsoft.com/office/drawing/2010/main" w="9525">
                     <a:solidFill>
                       <a:srgbClr val="000000"/>
                     </a:solidFill>
@@ -10458,7 +10458,7 @@
               </a:ln>
               <a:extLst>
                 <a:ext uri="{91240B29-F687-4f45-9708-019B960494DF}">
-                  <a14:hiddenLine xmlns:a14="http://schemas.microsoft.com/office/drawing/2010/main" xmlns="" w="9525">
+                  <a14:hiddenLine xmlns="" xmlns:a14="http://schemas.microsoft.com/office/drawing/2010/main" w="9525">
                     <a:solidFill>
                       <a:srgbClr val="000000"/>
                     </a:solidFill>
@@ -10520,7 +10520,7 @@
               </a:ln>
               <a:extLst>
                 <a:ext uri="{91240B29-F687-4f45-9708-019B960494DF}">
-                  <a14:hiddenLine xmlns:a14="http://schemas.microsoft.com/office/drawing/2010/main" xmlns="" w="9525">
+                  <a14:hiddenLine xmlns="" xmlns:a14="http://schemas.microsoft.com/office/drawing/2010/main" w="9525">
                     <a:solidFill>
                       <a:srgbClr val="000000"/>
                     </a:solidFill>
@@ -10610,7 +10610,7 @@
               </a:ln>
               <a:extLst>
                 <a:ext uri="{91240B29-F687-4f45-9708-019B960494DF}">
-                  <a14:hiddenLine xmlns:a14="http://schemas.microsoft.com/office/drawing/2010/main" xmlns="" w="9525">
+                  <a14:hiddenLine xmlns="" xmlns:a14="http://schemas.microsoft.com/office/drawing/2010/main" w="9525">
                     <a:solidFill>
                       <a:srgbClr val="000000"/>
                     </a:solidFill>
@@ -10675,7 +10675,7 @@
               </a:ln>
               <a:extLst>
                 <a:ext uri="{91240B29-F687-4f45-9708-019B960494DF}">
-                  <a14:hiddenLine xmlns:a14="http://schemas.microsoft.com/office/drawing/2010/main" xmlns="" w="9525">
+                  <a14:hiddenLine xmlns="" xmlns:a14="http://schemas.microsoft.com/office/drawing/2010/main" w="9525">
                     <a:solidFill>
                       <a:srgbClr val="000000"/>
                     </a:solidFill>
@@ -10737,7 +10737,7 @@
               </a:ln>
               <a:extLst>
                 <a:ext uri="{91240B29-F687-4f45-9708-019B960494DF}">
-                  <a14:hiddenLine xmlns:a14="http://schemas.microsoft.com/office/drawing/2010/main" xmlns="" w="9525">
+                  <a14:hiddenLine xmlns="" xmlns:a14="http://schemas.microsoft.com/office/drawing/2010/main" w="9525">
                     <a:solidFill>
                       <a:srgbClr val="000000"/>
                     </a:solidFill>
@@ -10827,7 +10827,7 @@
               </a:ln>
               <a:extLst>
                 <a:ext uri="{91240B29-F687-4f45-9708-019B960494DF}">
-                  <a14:hiddenLine xmlns:a14="http://schemas.microsoft.com/office/drawing/2010/main" xmlns="" w="9525">
+                  <a14:hiddenLine xmlns="" xmlns:a14="http://schemas.microsoft.com/office/drawing/2010/main" w="9525">
                     <a:solidFill>
                       <a:srgbClr val="000000"/>
                     </a:solidFill>
@@ -10917,7 +10917,7 @@
               </a:ln>
               <a:extLst>
                 <a:ext uri="{91240B29-F687-4f45-9708-019B960494DF}">
-                  <a14:hiddenLine xmlns:a14="http://schemas.microsoft.com/office/drawing/2010/main" xmlns="" w="9525">
+                  <a14:hiddenLine xmlns="" xmlns:a14="http://schemas.microsoft.com/office/drawing/2010/main" w="9525">
                     <a:solidFill>
                       <a:srgbClr val="000000"/>
                     </a:solidFill>
@@ -10982,7 +10982,7 @@
               </a:ln>
               <a:extLst>
                 <a:ext uri="{91240B29-F687-4f45-9708-019B960494DF}">
-                  <a14:hiddenLine xmlns:a14="http://schemas.microsoft.com/office/drawing/2010/main" xmlns="" w="9525">
+                  <a14:hiddenLine xmlns="" xmlns:a14="http://schemas.microsoft.com/office/drawing/2010/main" w="9525">
                     <a:solidFill>
                       <a:srgbClr val="000000"/>
                     </a:solidFill>
@@ -11102,7 +11102,7 @@
               </a:ln>
               <a:extLst>
                 <a:ext uri="{91240B29-F687-4f45-9708-019B960494DF}">
-                  <a14:hiddenLine xmlns:a14="http://schemas.microsoft.com/office/drawing/2010/main" xmlns="" w="9525">
+                  <a14:hiddenLine xmlns="" xmlns:a14="http://schemas.microsoft.com/office/drawing/2010/main" w="9525">
                     <a:solidFill>
                       <a:srgbClr val="000000"/>
                     </a:solidFill>
@@ -11200,7 +11200,7 @@
               </a:ln>
               <a:extLst>
                 <a:ext uri="{91240B29-F687-4f45-9708-019B960494DF}">
-                  <a14:hiddenLine xmlns:a14="http://schemas.microsoft.com/office/drawing/2010/main" xmlns="" w="9525">
+                  <a14:hiddenLine xmlns="" xmlns:a14="http://schemas.microsoft.com/office/drawing/2010/main" w="9525">
                     <a:solidFill>
                       <a:srgbClr val="000000"/>
                     </a:solidFill>
@@ -11315,7 +11315,7 @@
               </a:ln>
               <a:extLst>
                 <a:ext uri="{91240B29-F687-4f45-9708-019B960494DF}">
-                  <a14:hiddenLine xmlns:a14="http://schemas.microsoft.com/office/drawing/2010/main" xmlns="" w="9525">
+                  <a14:hiddenLine xmlns="" xmlns:a14="http://schemas.microsoft.com/office/drawing/2010/main" w="9525">
                     <a:solidFill>
                       <a:srgbClr val="000000"/>
                     </a:solidFill>
@@ -11405,7 +11405,7 @@
               </a:ln>
               <a:extLst>
                 <a:ext uri="{91240B29-F687-4f45-9708-019B960494DF}">
-                  <a14:hiddenLine xmlns:a14="http://schemas.microsoft.com/office/drawing/2010/main" xmlns="" w="9525">
+                  <a14:hiddenLine xmlns="" xmlns:a14="http://schemas.microsoft.com/office/drawing/2010/main" w="9525">
                     <a:solidFill>
                       <a:srgbClr val="000000"/>
                     </a:solidFill>
@@ -11470,7 +11470,7 @@
               </a:ln>
               <a:extLst>
                 <a:ext uri="{91240B29-F687-4f45-9708-019B960494DF}">
-                  <a14:hiddenLine xmlns:a14="http://schemas.microsoft.com/office/drawing/2010/main" xmlns="" w="9525">
+                  <a14:hiddenLine xmlns="" xmlns:a14="http://schemas.microsoft.com/office/drawing/2010/main" w="9525">
                     <a:solidFill>
                       <a:srgbClr val="000000"/>
                     </a:solidFill>
@@ -11560,7 +11560,7 @@
               </a:ln>
               <a:extLst>
                 <a:ext uri="{91240B29-F687-4f45-9708-019B960494DF}">
-                  <a14:hiddenLine xmlns:a14="http://schemas.microsoft.com/office/drawing/2010/main" xmlns="" w="9525">
+                  <a14:hiddenLine xmlns="" xmlns:a14="http://schemas.microsoft.com/office/drawing/2010/main" w="9525">
                     <a:solidFill>
                       <a:srgbClr val="000000"/>
                     </a:solidFill>
@@ -11628,7 +11628,7 @@
               </a:ln>
               <a:extLst>
                 <a:ext uri="{91240B29-F687-4f45-9708-019B960494DF}">
-                  <a14:hiddenLine xmlns:a14="http://schemas.microsoft.com/office/drawing/2010/main" xmlns="" w="9525">
+                  <a14:hiddenLine xmlns="" xmlns:a14="http://schemas.microsoft.com/office/drawing/2010/main" w="9525">
                     <a:solidFill>
                       <a:srgbClr val="000000"/>
                     </a:solidFill>
@@ -11718,7 +11718,7 @@
               </a:ln>
               <a:extLst>
                 <a:ext uri="{91240B29-F687-4f45-9708-019B960494DF}">
-                  <a14:hiddenLine xmlns:a14="http://schemas.microsoft.com/office/drawing/2010/main" xmlns="" w="9525">
+                  <a14:hiddenLine xmlns="" xmlns:a14="http://schemas.microsoft.com/office/drawing/2010/main" w="9525">
                     <a:solidFill>
                       <a:srgbClr val="000000"/>
                     </a:solidFill>
@@ -11786,7 +11786,7 @@
               </a:ln>
               <a:extLst>
                 <a:ext uri="{91240B29-F687-4f45-9708-019B960494DF}">
-                  <a14:hiddenLine xmlns:a14="http://schemas.microsoft.com/office/drawing/2010/main" xmlns="" w="9525">
+                  <a14:hiddenLine xmlns="" xmlns:a14="http://schemas.microsoft.com/office/drawing/2010/main" w="9525">
                     <a:solidFill>
                       <a:srgbClr val="000000"/>
                     </a:solidFill>
@@ -11876,7 +11876,7 @@
               </a:ln>
               <a:extLst>
                 <a:ext uri="{91240B29-F687-4f45-9708-019B960494DF}">
-                  <a14:hiddenLine xmlns:a14="http://schemas.microsoft.com/office/drawing/2010/main" xmlns="" w="9525">
+                  <a14:hiddenLine xmlns="" xmlns:a14="http://schemas.microsoft.com/office/drawing/2010/main" w="9525">
                     <a:solidFill>
                       <a:srgbClr val="000000"/>
                     </a:solidFill>
@@ -11910,7 +11910,7 @@
               </a:ln>
               <a:extLst>
                 <a:ext uri="{91240B29-F687-4f45-9708-019B960494DF}">
-                  <a14:hiddenLine xmlns:a14="http://schemas.microsoft.com/office/drawing/2010/main" xmlns="" w="9525">
+                  <a14:hiddenLine xmlns="" xmlns:a14="http://schemas.microsoft.com/office/drawing/2010/main" w="9525">
                     <a:solidFill>
                       <a:srgbClr val="000000"/>
                     </a:solidFill>
@@ -12051,7 +12051,7 @@
             <a:fld id="{48A87A34-81AB-432B-8DAE-1953F412C126}" type="datetimeFigureOut">
               <a:rPr lang="en-US" smtClean="0"/>
               <a:pPr/>
-              <a:t>20-Sep-17</a:t>
+              <a:t>13-Sep-17</a:t>
             </a:fld>
             <a:endParaRPr lang="en-US" dirty="0"/>
           </a:p>
@@ -12539,7 +12539,6 @@
           <a:bodyPr/>
           <a:lstStyle/>
           <a:p>
-            <a:pPr algn="just"/>
             <a:endParaRPr lang="en-US" dirty="0">
               <a:solidFill>
                 <a:schemeClr val="accent2">
@@ -12550,7 +12549,6 @@
             </a:endParaRPr>
           </a:p>
           <a:p>
-            <a:pPr algn="just"/>
             <a:r>
               <a:rPr lang="en-US" dirty="0">
                 <a:solidFill>
@@ -12560,7 +12558,7 @@
                   </a:schemeClr>
                 </a:solidFill>
               </a:rPr>
-              <a:t>Pathik shah            156330307104       Megh Thakkar            156330307116</a:t>
+              <a:t>Pathik shah -156330307104              Megh Thakkar -156330307116</a:t>
             </a:r>
           </a:p>
           <a:p>
@@ -12573,7 +12571,7 @@
                   </a:schemeClr>
                 </a:solidFill>
               </a:rPr>
-              <a:t>Smith bhojak         156330307008       Bhavin Panchasara   156330307047 </a:t>
+              <a:t>Smith bhojak -156330307008           Bhavin Panchasara -156330307047</a:t>
             </a:r>
           </a:p>
           <a:p>
@@ -12586,7 +12584,7 @@
                   </a:schemeClr>
                 </a:solidFill>
               </a:rPr>
-              <a:t>Kandarp Pandya    156330307049       Kishan Patel               156330307026</a:t>
+              <a:t> Kandarp Pandya  -156330307049    Kishan Patel - 156330307026</a:t>
             </a:r>
           </a:p>
         </p:txBody>
@@ -12812,7 +12810,7 @@
               <a:rPr lang="en-US" dirty="0">
                 <a:hlinkClick r:id="rId2" action="ppaction://hlinkfile"/>
               </a:rPr>
-              <a:t>DATA_DICTIONARY v02.pdf</a:t>
+              <a:t>DATA_DICTIONARY v01.pdf</a:t>
             </a:r>
             <a:endParaRPr lang="en-US" dirty="0"/>
           </a:p>
@@ -12905,7 +12903,7 @@
           <a:lstStyle/>
           <a:p>
             <a:r>
-              <a:rPr lang="en-US" dirty="0">
+              <a:rPr lang="en-US">
                 <a:hlinkClick r:id="rId2" action="ppaction://hlinkfile"/>
               </a:rPr>
               <a:t>erd.pdf</a:t>
@@ -13037,11 +13035,17 @@
           </a:p>
           <a:p>
             <a:r>
-              <a:rPr lang="en-US">
+              <a:rPr lang="en-US" dirty="0">
                 <a:hlinkClick r:id="rId6" action="ppaction://hlinkfile"/>
               </a:rPr>
               <a:t>DFD\Level_4_DFD.pdf</a:t>
             </a:r>
+            <a:endParaRPr lang="en-US" dirty="0"/>
+          </a:p>
+          <a:p>
+            <a:pPr marL="0" indent="0">
+              <a:buNone/>
+            </a:pPr>
             <a:endParaRPr lang="en-US" dirty="0"/>
           </a:p>
         </p:txBody>
@@ -13262,15 +13266,17 @@
           <a:bodyPr/>
           <a:lstStyle/>
           <a:p>
+            <a:pPr algn="just"/>
             <a:r>
               <a:rPr lang="en-US" dirty="0"/>
               <a:t>Virtual Reality (VR) is the use of computer technology to create a simulated environment. Unlike traditional user interfaces, VR places the user inside an experience. Instead of viewing a screen in front of them, users are immersed and able to interact with 3D worlds.</a:t>
             </a:r>
           </a:p>
           <a:p>
+            <a:pPr algn="just"/>
             <a:r>
               <a:rPr lang="en-US" dirty="0"/>
-              <a:t> By simulating as many senses as possible, such as vision, hearing, touch, the computer is transformed into a gatekeeper to this artificial world.</a:t>
+              <a:t> By simulating as many senses as possible, such as vision, hearing, touch the computer is transformed into a gatekeeper to this artificial world.</a:t>
             </a:r>
           </a:p>
         </p:txBody>
@@ -13369,6 +13375,7 @@
           </a:bodyPr>
           <a:lstStyle/>
           <a:p>
+            <a:pPr algn="just"/>
             <a:r>
               <a:rPr lang="en-US" b="1" dirty="0"/>
               <a:t>AR technology</a:t>
@@ -13379,6 +13386,7 @@
             </a:r>
           </a:p>
           <a:p>
+            <a:pPr algn="just"/>
             <a:r>
               <a:rPr lang="en-US" dirty="0"/>
               <a:t>In </a:t>
@@ -13489,13 +13497,14 @@
           </a:bodyPr>
           <a:lstStyle/>
           <a:p>
+            <a:pPr algn="just"/>
             <a:r>
               <a:rPr lang="en-US" dirty="0"/>
               <a:t>3D House Modeling in Virtual Reality (VR) is a android application that allows Interior designer to create and design models using objects in 3D space. It provides a dynamic environment for development of 3D models. It is Portable in the sense that after creating a model it can easily be shared and modified on other devices using the platform. Also the ability to create multiple models and work on them at same time is a feature that is not available on other existing products, And system provides overall a better user experience and easy usability for the laymen.</a:t>
             </a:r>
           </a:p>
           <a:p>
-            <a:pPr marL="0" indent="0">
+            <a:pPr marL="0" indent="0" algn="just">
               <a:buNone/>
             </a:pPr>
             <a:r>

--- a/presentation_v02.pptx
+++ b/presentation_v02.pptx
@@ -12,13 +12,19 @@
     <p:sldId id="258" r:id="rId6"/>
     <p:sldId id="268" r:id="rId7"/>
     <p:sldId id="259" r:id="rId8"/>
-    <p:sldId id="260" r:id="rId9"/>
-    <p:sldId id="261" r:id="rId10"/>
-    <p:sldId id="263" r:id="rId11"/>
-    <p:sldId id="262" r:id="rId12"/>
-    <p:sldId id="269" r:id="rId13"/>
-    <p:sldId id="270" r:id="rId14"/>
-    <p:sldId id="267" r:id="rId15"/>
+    <p:sldId id="272" r:id="rId9"/>
+    <p:sldId id="271" r:id="rId10"/>
+    <p:sldId id="260" r:id="rId11"/>
+    <p:sldId id="261" r:id="rId12"/>
+    <p:sldId id="263" r:id="rId13"/>
+    <p:sldId id="262" r:id="rId14"/>
+    <p:sldId id="269" r:id="rId15"/>
+    <p:sldId id="270" r:id="rId16"/>
+    <p:sldId id="273" r:id="rId17"/>
+    <p:sldId id="274" r:id="rId18"/>
+    <p:sldId id="275" r:id="rId19"/>
+    <p:sldId id="276" r:id="rId20"/>
+    <p:sldId id="267" r:id="rId21"/>
   </p:sldIdLst>
   <p:sldSz cx="12192000" cy="6858000"/>
   <p:notesSz cx="6858000" cy="9144000"/>
@@ -129,19 +135,36 @@
             <p14:sldId id="258"/>
             <p14:sldId id="268"/>
             <p14:sldId id="259"/>
+            <p14:sldId id="272"/>
+            <p14:sldId id="271"/>
             <p14:sldId id="260"/>
             <p14:sldId id="261"/>
             <p14:sldId id="263"/>
             <p14:sldId id="262"/>
             <p14:sldId id="269"/>
             <p14:sldId id="270"/>
+            <p14:sldId id="273"/>
+            <p14:sldId id="274"/>
+            <p14:sldId id="275"/>
+            <p14:sldId id="276"/>
             <p14:sldId id="267"/>
           </p14:sldIdLst>
         </p14:section>
       </p14:sectionLst>
     </p:ext>
     <p:ext uri="{EFAFB233-063F-42B5-8137-9DF3F51BA10A}">
-      <p15:sldGuideLst xmlns:p15="http://schemas.microsoft.com/office/powerpoint/2012/main"/>
+      <p15:sldGuideLst xmlns:p15="http://schemas.microsoft.com/office/powerpoint/2012/main">
+        <p15:guide id="1" orient="horz" pos="2160">
+          <p15:clr>
+            <a:srgbClr val="A4A3A4"/>
+          </p15:clr>
+        </p15:guide>
+        <p15:guide id="2" pos="3840">
+          <p15:clr>
+            <a:srgbClr val="A4A3A4"/>
+          </p15:clr>
+        </p15:guide>
+      </p15:sldGuideLst>
     </p:ext>
   </p:extLst>
 </p:presentation>
@@ -200,8 +223,8 @@
           </a:prstGeom>
           <a:noFill/>
           <a:extLst>
-            <a:ext uri="{909E8E84-426E-40dd-AFC4-6F175D3DCCD1}">
-              <a14:hiddenFill xmlns="" xmlns:a14="http://schemas.microsoft.com/office/drawing/2010/main">
+            <a:ext uri="{909E8E84-426E-40DD-AFC4-6F175D3DCCD1}">
+              <a14:hiddenFill xmlns:a14="http://schemas.microsoft.com/office/drawing/2010/main">
                 <a:solidFill>
                   <a:srgbClr val="FFFFFF"/>
                 </a:solidFill>
@@ -260,8 +283,8 @@
               <a:noFill/>
             </a:ln>
             <a:extLst>
-              <a:ext uri="{91240B29-F687-4f45-9708-019B960494DF}">
-                <a14:hiddenLine xmlns="" xmlns:a14="http://schemas.microsoft.com/office/drawing/2010/main" w="9525">
+              <a:ext uri="{91240B29-F687-4F45-9708-019B960494DF}">
+                <a14:hiddenLine xmlns:a14="http://schemas.microsoft.com/office/drawing/2010/main" w="9525">
                   <a:solidFill>
                     <a:srgbClr val="000000"/>
                   </a:solidFill>
@@ -350,8 +373,8 @@
               <a:noFill/>
             </a:ln>
             <a:extLst>
-              <a:ext uri="{91240B29-F687-4f45-9708-019B960494DF}">
-                <a14:hiddenLine xmlns="" xmlns:a14="http://schemas.microsoft.com/office/drawing/2010/main" w="9525">
+              <a:ext uri="{91240B29-F687-4F45-9708-019B960494DF}">
+                <a14:hiddenLine xmlns:a14="http://schemas.microsoft.com/office/drawing/2010/main" w="9525">
                   <a:solidFill>
                     <a:srgbClr val="000000"/>
                   </a:solidFill>
@@ -440,8 +463,8 @@
               <a:noFill/>
             </a:ln>
             <a:extLst>
-              <a:ext uri="{91240B29-F687-4f45-9708-019B960494DF}">
-                <a14:hiddenLine xmlns="" xmlns:a14="http://schemas.microsoft.com/office/drawing/2010/main" w="9525">
+              <a:ext uri="{91240B29-F687-4F45-9708-019B960494DF}">
+                <a14:hiddenLine xmlns:a14="http://schemas.microsoft.com/office/drawing/2010/main" w="9525">
                   <a:solidFill>
                     <a:srgbClr val="000000"/>
                   </a:solidFill>
@@ -474,8 +497,8 @@
               <a:noFill/>
             </a:ln>
             <a:extLst>
-              <a:ext uri="{91240B29-F687-4f45-9708-019B960494DF}">
-                <a14:hiddenLine xmlns="" xmlns:a14="http://schemas.microsoft.com/office/drawing/2010/main" w="9525">
+              <a:ext uri="{91240B29-F687-4F45-9708-019B960494DF}">
+                <a14:hiddenLine xmlns:a14="http://schemas.microsoft.com/office/drawing/2010/main" w="9525">
                   <a:solidFill>
                     <a:srgbClr val="000000"/>
                   </a:solidFill>
@@ -564,8 +587,8 @@
               <a:noFill/>
             </a:ln>
             <a:extLst>
-              <a:ext uri="{91240B29-F687-4f45-9708-019B960494DF}">
-                <a14:hiddenLine xmlns="" xmlns:a14="http://schemas.microsoft.com/office/drawing/2010/main" w="9525">
+              <a:ext uri="{91240B29-F687-4F45-9708-019B960494DF}">
+                <a14:hiddenLine xmlns:a14="http://schemas.microsoft.com/office/drawing/2010/main" w="9525">
                   <a:solidFill>
                     <a:srgbClr val="000000"/>
                   </a:solidFill>
@@ -626,8 +649,8 @@
               <a:noFill/>
             </a:ln>
             <a:extLst>
-              <a:ext uri="{91240B29-F687-4f45-9708-019B960494DF}">
-                <a14:hiddenLine xmlns="" xmlns:a14="http://schemas.microsoft.com/office/drawing/2010/main" w="9525">
+              <a:ext uri="{91240B29-F687-4F45-9708-019B960494DF}">
+                <a14:hiddenLine xmlns:a14="http://schemas.microsoft.com/office/drawing/2010/main" w="9525">
                   <a:solidFill>
                     <a:srgbClr val="000000"/>
                   </a:solidFill>
@@ -688,8 +711,8 @@
               <a:noFill/>
             </a:ln>
             <a:extLst>
-              <a:ext uri="{91240B29-F687-4f45-9708-019B960494DF}">
-                <a14:hiddenLine xmlns="" xmlns:a14="http://schemas.microsoft.com/office/drawing/2010/main" w="9525">
+              <a:ext uri="{91240B29-F687-4F45-9708-019B960494DF}">
+                <a14:hiddenLine xmlns:a14="http://schemas.microsoft.com/office/drawing/2010/main" w="9525">
                   <a:solidFill>
                     <a:srgbClr val="000000"/>
                   </a:solidFill>
@@ -778,8 +801,8 @@
               <a:noFill/>
             </a:ln>
             <a:extLst>
-              <a:ext uri="{91240B29-F687-4f45-9708-019B960494DF}">
-                <a14:hiddenLine xmlns="" xmlns:a14="http://schemas.microsoft.com/office/drawing/2010/main" w="9525">
+              <a:ext uri="{91240B29-F687-4F45-9708-019B960494DF}">
+                <a14:hiddenLine xmlns:a14="http://schemas.microsoft.com/office/drawing/2010/main" w="9525">
                   <a:solidFill>
                     <a:srgbClr val="000000"/>
                   </a:solidFill>
@@ -840,8 +863,8 @@
               <a:noFill/>
             </a:ln>
             <a:extLst>
-              <a:ext uri="{91240B29-F687-4f45-9708-019B960494DF}">
-                <a14:hiddenLine xmlns="" xmlns:a14="http://schemas.microsoft.com/office/drawing/2010/main" w="9525">
+              <a:ext uri="{91240B29-F687-4F45-9708-019B960494DF}">
+                <a14:hiddenLine xmlns:a14="http://schemas.microsoft.com/office/drawing/2010/main" w="9525">
                   <a:solidFill>
                     <a:srgbClr val="000000"/>
                   </a:solidFill>
@@ -902,8 +925,8 @@
               <a:noFill/>
             </a:ln>
             <a:extLst>
-              <a:ext uri="{91240B29-F687-4f45-9708-019B960494DF}">
-                <a14:hiddenLine xmlns="" xmlns:a14="http://schemas.microsoft.com/office/drawing/2010/main" w="9525">
+              <a:ext uri="{91240B29-F687-4F45-9708-019B960494DF}">
+                <a14:hiddenLine xmlns:a14="http://schemas.microsoft.com/office/drawing/2010/main" w="9525">
                   <a:solidFill>
                     <a:srgbClr val="000000"/>
                   </a:solidFill>
@@ -992,8 +1015,8 @@
               <a:noFill/>
             </a:ln>
             <a:extLst>
-              <a:ext uri="{91240B29-F687-4f45-9708-019B960494DF}">
-                <a14:hiddenLine xmlns="" xmlns:a14="http://schemas.microsoft.com/office/drawing/2010/main" w="9525">
+              <a:ext uri="{91240B29-F687-4F45-9708-019B960494DF}">
+                <a14:hiddenLine xmlns:a14="http://schemas.microsoft.com/office/drawing/2010/main" w="9525">
                   <a:solidFill>
                     <a:srgbClr val="000000"/>
                   </a:solidFill>
@@ -1082,8 +1105,8 @@
               <a:noFill/>
             </a:ln>
             <a:extLst>
-              <a:ext uri="{91240B29-F687-4f45-9708-019B960494DF}">
-                <a14:hiddenLine xmlns="" xmlns:a14="http://schemas.microsoft.com/office/drawing/2010/main" w="9525">
+              <a:ext uri="{91240B29-F687-4F45-9708-019B960494DF}">
+                <a14:hiddenLine xmlns:a14="http://schemas.microsoft.com/office/drawing/2010/main" w="9525">
                   <a:solidFill>
                     <a:srgbClr val="000000"/>
                   </a:solidFill>
@@ -1144,8 +1167,8 @@
               <a:noFill/>
             </a:ln>
             <a:extLst>
-              <a:ext uri="{91240B29-F687-4f45-9708-019B960494DF}">
-                <a14:hiddenLine xmlns="" xmlns:a14="http://schemas.microsoft.com/office/drawing/2010/main" w="9525">
+              <a:ext uri="{91240B29-F687-4F45-9708-019B960494DF}">
+                <a14:hiddenLine xmlns:a14="http://schemas.microsoft.com/office/drawing/2010/main" w="9525">
                   <a:solidFill>
                     <a:srgbClr val="000000"/>
                   </a:solidFill>
@@ -1254,8 +1277,8 @@
               <a:noFill/>
             </a:ln>
             <a:extLst>
-              <a:ext uri="{91240B29-F687-4f45-9708-019B960494DF}">
-                <a14:hiddenLine xmlns="" xmlns:a14="http://schemas.microsoft.com/office/drawing/2010/main" w="9525">
+              <a:ext uri="{91240B29-F687-4F45-9708-019B960494DF}">
+                <a14:hiddenLine xmlns:a14="http://schemas.microsoft.com/office/drawing/2010/main" w="9525">
                   <a:solidFill>
                     <a:srgbClr val="000000"/>
                   </a:solidFill>
@@ -1316,8 +1339,8 @@
               <a:noFill/>
             </a:ln>
             <a:extLst>
-              <a:ext uri="{91240B29-F687-4f45-9708-019B960494DF}">
-                <a14:hiddenLine xmlns="" xmlns:a14="http://schemas.microsoft.com/office/drawing/2010/main" w="9525">
+              <a:ext uri="{91240B29-F687-4F45-9708-019B960494DF}">
+                <a14:hiddenLine xmlns:a14="http://schemas.microsoft.com/office/drawing/2010/main" w="9525">
                   <a:solidFill>
                     <a:srgbClr val="000000"/>
                   </a:solidFill>
@@ -1406,8 +1429,8 @@
               <a:noFill/>
             </a:ln>
             <a:extLst>
-              <a:ext uri="{91240B29-F687-4f45-9708-019B960494DF}">
-                <a14:hiddenLine xmlns="" xmlns:a14="http://schemas.microsoft.com/office/drawing/2010/main" w="9525">
+              <a:ext uri="{91240B29-F687-4F45-9708-019B960494DF}">
+                <a14:hiddenLine xmlns:a14="http://schemas.microsoft.com/office/drawing/2010/main" w="9525">
                   <a:solidFill>
                     <a:srgbClr val="000000"/>
                   </a:solidFill>
@@ -1496,8 +1519,8 @@
               <a:noFill/>
             </a:ln>
             <a:extLst>
-              <a:ext uri="{91240B29-F687-4f45-9708-019B960494DF}">
-                <a14:hiddenLine xmlns="" xmlns:a14="http://schemas.microsoft.com/office/drawing/2010/main" w="9525">
+              <a:ext uri="{91240B29-F687-4F45-9708-019B960494DF}">
+                <a14:hiddenLine xmlns:a14="http://schemas.microsoft.com/office/drawing/2010/main" w="9525">
                   <a:solidFill>
                     <a:srgbClr val="000000"/>
                   </a:solidFill>
@@ -1558,8 +1581,8 @@
               <a:noFill/>
             </a:ln>
             <a:extLst>
-              <a:ext uri="{91240B29-F687-4f45-9708-019B960494DF}">
-                <a14:hiddenLine xmlns="" xmlns:a14="http://schemas.microsoft.com/office/drawing/2010/main" w="9525">
+              <a:ext uri="{91240B29-F687-4F45-9708-019B960494DF}">
+                <a14:hiddenLine xmlns:a14="http://schemas.microsoft.com/office/drawing/2010/main" w="9525">
                   <a:solidFill>
                     <a:srgbClr val="000000"/>
                   </a:solidFill>
@@ -1648,8 +1671,8 @@
               <a:noFill/>
             </a:ln>
             <a:extLst>
-              <a:ext uri="{91240B29-F687-4f45-9708-019B960494DF}">
-                <a14:hiddenLine xmlns="" xmlns:a14="http://schemas.microsoft.com/office/drawing/2010/main" w="9525">
+              <a:ext uri="{91240B29-F687-4F45-9708-019B960494DF}">
+                <a14:hiddenLine xmlns:a14="http://schemas.microsoft.com/office/drawing/2010/main" w="9525">
                   <a:solidFill>
                     <a:srgbClr val="000000"/>
                   </a:solidFill>
@@ -1738,8 +1761,8 @@
               <a:noFill/>
             </a:ln>
             <a:extLst>
-              <a:ext uri="{91240B29-F687-4f45-9708-019B960494DF}">
-                <a14:hiddenLine xmlns="" xmlns:a14="http://schemas.microsoft.com/office/drawing/2010/main" w="9525">
+              <a:ext uri="{91240B29-F687-4F45-9708-019B960494DF}">
+                <a14:hiddenLine xmlns:a14="http://schemas.microsoft.com/office/drawing/2010/main" w="9525">
                   <a:solidFill>
                     <a:srgbClr val="000000"/>
                   </a:solidFill>
@@ -1794,8 +1817,8 @@
               <a:noFill/>
             </a:ln>
             <a:extLst>
-              <a:ext uri="{91240B29-F687-4f45-9708-019B960494DF}">
-                <a14:hiddenLine xmlns="" xmlns:a14="http://schemas.microsoft.com/office/drawing/2010/main" w="9525">
+              <a:ext uri="{91240B29-F687-4F45-9708-019B960494DF}">
+                <a14:hiddenLine xmlns:a14="http://schemas.microsoft.com/office/drawing/2010/main" w="9525">
                   <a:solidFill>
                     <a:srgbClr val="000000"/>
                   </a:solidFill>
@@ -1884,8 +1907,8 @@
               <a:noFill/>
             </a:ln>
             <a:extLst>
-              <a:ext uri="{91240B29-F687-4f45-9708-019B960494DF}">
-                <a14:hiddenLine xmlns="" xmlns:a14="http://schemas.microsoft.com/office/drawing/2010/main" w="9525">
+              <a:ext uri="{91240B29-F687-4F45-9708-019B960494DF}">
+                <a14:hiddenLine xmlns:a14="http://schemas.microsoft.com/office/drawing/2010/main" w="9525">
                   <a:solidFill>
                     <a:srgbClr val="000000"/>
                   </a:solidFill>
@@ -1940,8 +1963,8 @@
               <a:noFill/>
             </a:ln>
             <a:extLst>
-              <a:ext uri="{91240B29-F687-4f45-9708-019B960494DF}">
-                <a14:hiddenLine xmlns="" xmlns:a14="http://schemas.microsoft.com/office/drawing/2010/main" w="9525">
+              <a:ext uri="{91240B29-F687-4F45-9708-019B960494DF}">
+                <a14:hiddenLine xmlns:a14="http://schemas.microsoft.com/office/drawing/2010/main" w="9525">
                   <a:solidFill>
                     <a:srgbClr val="000000"/>
                   </a:solidFill>
@@ -2030,8 +2053,8 @@
               <a:noFill/>
             </a:ln>
             <a:extLst>
-              <a:ext uri="{91240B29-F687-4f45-9708-019B960494DF}">
-                <a14:hiddenLine xmlns="" xmlns:a14="http://schemas.microsoft.com/office/drawing/2010/main" w="9525">
+              <a:ext uri="{91240B29-F687-4F45-9708-019B960494DF}">
+                <a14:hiddenLine xmlns:a14="http://schemas.microsoft.com/office/drawing/2010/main" w="9525">
                   <a:solidFill>
                     <a:srgbClr val="000000"/>
                   </a:solidFill>
@@ -2098,8 +2121,8 @@
               <a:noFill/>
             </a:ln>
             <a:extLst>
-              <a:ext uri="{91240B29-F687-4f45-9708-019B960494DF}">
-                <a14:hiddenLine xmlns="" xmlns:a14="http://schemas.microsoft.com/office/drawing/2010/main" w="9525">
+              <a:ext uri="{91240B29-F687-4F45-9708-019B960494DF}">
+                <a14:hiddenLine xmlns:a14="http://schemas.microsoft.com/office/drawing/2010/main" w="9525">
                   <a:solidFill>
                     <a:srgbClr val="000000"/>
                   </a:solidFill>
@@ -2188,8 +2211,8 @@
               <a:noFill/>
             </a:ln>
             <a:extLst>
-              <a:ext uri="{91240B29-F687-4f45-9708-019B960494DF}">
-                <a14:hiddenLine xmlns="" xmlns:a14="http://schemas.microsoft.com/office/drawing/2010/main" w="9525">
+              <a:ext uri="{91240B29-F687-4F45-9708-019B960494DF}">
+                <a14:hiddenLine xmlns:a14="http://schemas.microsoft.com/office/drawing/2010/main" w="9525">
                   <a:solidFill>
                     <a:srgbClr val="000000"/>
                   </a:solidFill>
@@ -2256,8 +2279,8 @@
               <a:noFill/>
             </a:ln>
             <a:extLst>
-              <a:ext uri="{91240B29-F687-4f45-9708-019B960494DF}">
-                <a14:hiddenLine xmlns="" xmlns:a14="http://schemas.microsoft.com/office/drawing/2010/main" w="9525">
+              <a:ext uri="{91240B29-F687-4F45-9708-019B960494DF}">
+                <a14:hiddenLine xmlns:a14="http://schemas.microsoft.com/office/drawing/2010/main" w="9525">
                   <a:solidFill>
                     <a:srgbClr val="000000"/>
                   </a:solidFill>
@@ -2346,8 +2369,8 @@
               <a:noFill/>
             </a:ln>
             <a:extLst>
-              <a:ext uri="{91240B29-F687-4f45-9708-019B960494DF}">
-                <a14:hiddenLine xmlns="" xmlns:a14="http://schemas.microsoft.com/office/drawing/2010/main" w="9525">
+              <a:ext uri="{91240B29-F687-4F45-9708-019B960494DF}">
+                <a14:hiddenLine xmlns:a14="http://schemas.microsoft.com/office/drawing/2010/main" w="9525">
                   <a:solidFill>
                     <a:srgbClr val="000000"/>
                   </a:solidFill>
@@ -2380,8 +2403,8 @@
               <a:noFill/>
             </a:ln>
             <a:extLst>
-              <a:ext uri="{91240B29-F687-4f45-9708-019B960494DF}">
-                <a14:hiddenLine xmlns="" xmlns:a14="http://schemas.microsoft.com/office/drawing/2010/main" w="9525">
+              <a:ext uri="{91240B29-F687-4F45-9708-019B960494DF}">
+                <a14:hiddenLine xmlns:a14="http://schemas.microsoft.com/office/drawing/2010/main" w="9525">
                   <a:solidFill>
                     <a:srgbClr val="000000"/>
                   </a:solidFill>
@@ -2470,8 +2493,8 @@
               <a:noFill/>
             </a:ln>
             <a:extLst>
-              <a:ext uri="{91240B29-F687-4f45-9708-019B960494DF}">
-                <a14:hiddenLine xmlns="" xmlns:a14="http://schemas.microsoft.com/office/drawing/2010/main" w="9525">
+              <a:ext uri="{91240B29-F687-4F45-9708-019B960494DF}">
+                <a14:hiddenLine xmlns:a14="http://schemas.microsoft.com/office/drawing/2010/main" w="9525">
                   <a:solidFill>
                     <a:srgbClr val="000000"/>
                   </a:solidFill>
@@ -2532,8 +2555,8 @@
               <a:noFill/>
             </a:ln>
             <a:extLst>
-              <a:ext uri="{91240B29-F687-4f45-9708-019B960494DF}">
-                <a14:hiddenLine xmlns="" xmlns:a14="http://schemas.microsoft.com/office/drawing/2010/main" w="9525">
+              <a:ext uri="{91240B29-F687-4F45-9708-019B960494DF}">
+                <a14:hiddenLine xmlns:a14="http://schemas.microsoft.com/office/drawing/2010/main" w="9525">
                   <a:solidFill>
                     <a:srgbClr val="000000"/>
                   </a:solidFill>
@@ -2594,8 +2617,8 @@
               <a:noFill/>
             </a:ln>
             <a:extLst>
-              <a:ext uri="{91240B29-F687-4f45-9708-019B960494DF}">
-                <a14:hiddenLine xmlns="" xmlns:a14="http://schemas.microsoft.com/office/drawing/2010/main" w="9525">
+              <a:ext uri="{91240B29-F687-4F45-9708-019B960494DF}">
+                <a14:hiddenLine xmlns:a14="http://schemas.microsoft.com/office/drawing/2010/main" w="9525">
                   <a:solidFill>
                     <a:srgbClr val="000000"/>
                   </a:solidFill>
@@ -2684,8 +2707,8 @@
               <a:noFill/>
             </a:ln>
             <a:extLst>
-              <a:ext uri="{91240B29-F687-4f45-9708-019B960494DF}">
-                <a14:hiddenLine xmlns="" xmlns:a14="http://schemas.microsoft.com/office/drawing/2010/main" w="9525">
+              <a:ext uri="{91240B29-F687-4F45-9708-019B960494DF}">
+                <a14:hiddenLine xmlns:a14="http://schemas.microsoft.com/office/drawing/2010/main" w="9525">
                   <a:solidFill>
                     <a:srgbClr val="000000"/>
                   </a:solidFill>
@@ -2752,8 +2775,8 @@
               <a:noFill/>
             </a:ln>
             <a:extLst>
-              <a:ext uri="{91240B29-F687-4f45-9708-019B960494DF}">
-                <a14:hiddenLine xmlns="" xmlns:a14="http://schemas.microsoft.com/office/drawing/2010/main" w="9525">
+              <a:ext uri="{91240B29-F687-4F45-9708-019B960494DF}">
+                <a14:hiddenLine xmlns:a14="http://schemas.microsoft.com/office/drawing/2010/main" w="9525">
                   <a:solidFill>
                     <a:srgbClr val="000000"/>
                   </a:solidFill>
@@ -2814,8 +2837,8 @@
               <a:noFill/>
             </a:ln>
             <a:extLst>
-              <a:ext uri="{91240B29-F687-4f45-9708-019B960494DF}">
-                <a14:hiddenLine xmlns="" xmlns:a14="http://schemas.microsoft.com/office/drawing/2010/main" w="9525">
+              <a:ext uri="{91240B29-F687-4F45-9708-019B960494DF}">
+                <a14:hiddenLine xmlns:a14="http://schemas.microsoft.com/office/drawing/2010/main" w="9525">
                   <a:solidFill>
                     <a:srgbClr val="000000"/>
                   </a:solidFill>
@@ -2904,8 +2927,8 @@
               <a:noFill/>
             </a:ln>
             <a:extLst>
-              <a:ext uri="{91240B29-F687-4f45-9708-019B960494DF}">
-                <a14:hiddenLine xmlns="" xmlns:a14="http://schemas.microsoft.com/office/drawing/2010/main" w="9525">
+              <a:ext uri="{91240B29-F687-4F45-9708-019B960494DF}">
+                <a14:hiddenLine xmlns:a14="http://schemas.microsoft.com/office/drawing/2010/main" w="9525">
                   <a:solidFill>
                     <a:srgbClr val="000000"/>
                   </a:solidFill>
@@ -2966,8 +2989,8 @@
               <a:noFill/>
             </a:ln>
             <a:extLst>
-              <a:ext uri="{91240B29-F687-4f45-9708-019B960494DF}">
-                <a14:hiddenLine xmlns="" xmlns:a14="http://schemas.microsoft.com/office/drawing/2010/main" w="9525">
+              <a:ext uri="{91240B29-F687-4F45-9708-019B960494DF}">
+                <a14:hiddenLine xmlns:a14="http://schemas.microsoft.com/office/drawing/2010/main" w="9525">
                   <a:solidFill>
                     <a:srgbClr val="000000"/>
                   </a:solidFill>
@@ -3056,8 +3079,8 @@
               <a:noFill/>
             </a:ln>
             <a:extLst>
-              <a:ext uri="{91240B29-F687-4f45-9708-019B960494DF}">
-                <a14:hiddenLine xmlns="" xmlns:a14="http://schemas.microsoft.com/office/drawing/2010/main" w="9525">
+              <a:ext uri="{91240B29-F687-4F45-9708-019B960494DF}">
+                <a14:hiddenLine xmlns:a14="http://schemas.microsoft.com/office/drawing/2010/main" w="9525">
                   <a:solidFill>
                     <a:srgbClr val="000000"/>
                   </a:solidFill>
@@ -3118,8 +3141,8 @@
               <a:noFill/>
             </a:ln>
             <a:extLst>
-              <a:ext uri="{91240B29-F687-4f45-9708-019B960494DF}">
-                <a14:hiddenLine xmlns="" xmlns:a14="http://schemas.microsoft.com/office/drawing/2010/main" w="9525">
+              <a:ext uri="{91240B29-F687-4F45-9708-019B960494DF}">
+                <a14:hiddenLine xmlns:a14="http://schemas.microsoft.com/office/drawing/2010/main" w="9525">
                   <a:solidFill>
                     <a:srgbClr val="000000"/>
                   </a:solidFill>
@@ -3208,8 +3231,8 @@
               <a:noFill/>
             </a:ln>
             <a:extLst>
-              <a:ext uri="{91240B29-F687-4f45-9708-019B960494DF}">
-                <a14:hiddenLine xmlns="" xmlns:a14="http://schemas.microsoft.com/office/drawing/2010/main" w="9525">
+              <a:ext uri="{91240B29-F687-4F45-9708-019B960494DF}">
+                <a14:hiddenLine xmlns:a14="http://schemas.microsoft.com/office/drawing/2010/main" w="9525">
                   <a:solidFill>
                     <a:srgbClr val="000000"/>
                   </a:solidFill>
@@ -3242,8 +3265,8 @@
               <a:noFill/>
             </a:ln>
             <a:extLst>
-              <a:ext uri="{91240B29-F687-4f45-9708-019B960494DF}">
-                <a14:hiddenLine xmlns="" xmlns:a14="http://schemas.microsoft.com/office/drawing/2010/main" w="9525">
+              <a:ext uri="{91240B29-F687-4F45-9708-019B960494DF}">
+                <a14:hiddenLine xmlns:a14="http://schemas.microsoft.com/office/drawing/2010/main" w="9525">
                   <a:solidFill>
                     <a:srgbClr val="000000"/>
                   </a:solidFill>
@@ -3307,8 +3330,8 @@
               <a:noFill/>
             </a:ln>
             <a:extLst>
-              <a:ext uri="{91240B29-F687-4f45-9708-019B960494DF}">
-                <a14:hiddenLine xmlns="" xmlns:a14="http://schemas.microsoft.com/office/drawing/2010/main" w="9525">
+              <a:ext uri="{91240B29-F687-4F45-9708-019B960494DF}">
+                <a14:hiddenLine xmlns:a14="http://schemas.microsoft.com/office/drawing/2010/main" w="9525">
                   <a:solidFill>
                     <a:srgbClr val="000000"/>
                   </a:solidFill>
@@ -3397,8 +3420,8 @@
               <a:noFill/>
             </a:ln>
             <a:extLst>
-              <a:ext uri="{91240B29-F687-4f45-9708-019B960494DF}">
-                <a14:hiddenLine xmlns="" xmlns:a14="http://schemas.microsoft.com/office/drawing/2010/main" w="9525">
+              <a:ext uri="{91240B29-F687-4F45-9708-019B960494DF}">
+                <a14:hiddenLine xmlns:a14="http://schemas.microsoft.com/office/drawing/2010/main" w="9525">
                   <a:solidFill>
                     <a:srgbClr val="000000"/>
                   </a:solidFill>
@@ -3459,8 +3482,8 @@
               <a:noFill/>
             </a:ln>
             <a:extLst>
-              <a:ext uri="{91240B29-F687-4f45-9708-019B960494DF}">
-                <a14:hiddenLine xmlns="" xmlns:a14="http://schemas.microsoft.com/office/drawing/2010/main" w="9525">
+              <a:ext uri="{91240B29-F687-4F45-9708-019B960494DF}">
+                <a14:hiddenLine xmlns:a14="http://schemas.microsoft.com/office/drawing/2010/main" w="9525">
                   <a:solidFill>
                     <a:srgbClr val="000000"/>
                   </a:solidFill>
@@ -3549,8 +3572,8 @@
               <a:noFill/>
             </a:ln>
             <a:extLst>
-              <a:ext uri="{91240B29-F687-4f45-9708-019B960494DF}">
-                <a14:hiddenLine xmlns="" xmlns:a14="http://schemas.microsoft.com/office/drawing/2010/main" w="9525">
+              <a:ext uri="{91240B29-F687-4F45-9708-019B960494DF}">
+                <a14:hiddenLine xmlns:a14="http://schemas.microsoft.com/office/drawing/2010/main" w="9525">
                   <a:solidFill>
                     <a:srgbClr val="000000"/>
                   </a:solidFill>
@@ -3639,8 +3662,8 @@
               <a:noFill/>
             </a:ln>
             <a:extLst>
-              <a:ext uri="{91240B29-F687-4f45-9708-019B960494DF}">
-                <a14:hiddenLine xmlns="" xmlns:a14="http://schemas.microsoft.com/office/drawing/2010/main" w="9525">
+              <a:ext uri="{91240B29-F687-4F45-9708-019B960494DF}">
+                <a14:hiddenLine xmlns:a14="http://schemas.microsoft.com/office/drawing/2010/main" w="9525">
                   <a:solidFill>
                     <a:srgbClr val="000000"/>
                   </a:solidFill>
@@ -3704,8 +3727,8 @@
               <a:noFill/>
             </a:ln>
             <a:extLst>
-              <a:ext uri="{91240B29-F687-4f45-9708-019B960494DF}">
-                <a14:hiddenLine xmlns="" xmlns:a14="http://schemas.microsoft.com/office/drawing/2010/main" w="9525">
+              <a:ext uri="{91240B29-F687-4F45-9708-019B960494DF}">
+                <a14:hiddenLine xmlns:a14="http://schemas.microsoft.com/office/drawing/2010/main" w="9525">
                   <a:solidFill>
                     <a:srgbClr val="000000"/>
                   </a:solidFill>
@@ -3766,8 +3789,8 @@
               <a:noFill/>
             </a:ln>
             <a:extLst>
-              <a:ext uri="{91240B29-F687-4f45-9708-019B960494DF}">
-                <a14:hiddenLine xmlns="" xmlns:a14="http://schemas.microsoft.com/office/drawing/2010/main" w="9525">
+              <a:ext uri="{91240B29-F687-4F45-9708-019B960494DF}">
+                <a14:hiddenLine xmlns:a14="http://schemas.microsoft.com/office/drawing/2010/main" w="9525">
                   <a:solidFill>
                     <a:srgbClr val="000000"/>
                   </a:solidFill>
@@ -3856,8 +3879,8 @@
               <a:noFill/>
             </a:ln>
             <a:extLst>
-              <a:ext uri="{91240B29-F687-4f45-9708-019B960494DF}">
-                <a14:hiddenLine xmlns="" xmlns:a14="http://schemas.microsoft.com/office/drawing/2010/main" w="9525">
+              <a:ext uri="{91240B29-F687-4F45-9708-019B960494DF}">
+                <a14:hiddenLine xmlns:a14="http://schemas.microsoft.com/office/drawing/2010/main" w="9525">
                   <a:solidFill>
                     <a:srgbClr val="000000"/>
                   </a:solidFill>
@@ -3946,8 +3969,8 @@
               <a:noFill/>
             </a:ln>
             <a:extLst>
-              <a:ext uri="{91240B29-F687-4f45-9708-019B960494DF}">
-                <a14:hiddenLine xmlns="" xmlns:a14="http://schemas.microsoft.com/office/drawing/2010/main" w="9525">
+              <a:ext uri="{91240B29-F687-4F45-9708-019B960494DF}">
+                <a14:hiddenLine xmlns:a14="http://schemas.microsoft.com/office/drawing/2010/main" w="9525">
                   <a:solidFill>
                     <a:srgbClr val="000000"/>
                   </a:solidFill>
@@ -4008,8 +4031,8 @@
               <a:noFill/>
             </a:ln>
             <a:extLst>
-              <a:ext uri="{91240B29-F687-4f45-9708-019B960494DF}">
-                <a14:hiddenLine xmlns="" xmlns:a14="http://schemas.microsoft.com/office/drawing/2010/main" w="9525">
+              <a:ext uri="{91240B29-F687-4F45-9708-019B960494DF}">
+                <a14:hiddenLine xmlns:a14="http://schemas.microsoft.com/office/drawing/2010/main" w="9525">
                   <a:solidFill>
                     <a:srgbClr val="000000"/>
                   </a:solidFill>
@@ -4128,8 +4151,8 @@
               <a:noFill/>
             </a:ln>
             <a:extLst>
-              <a:ext uri="{91240B29-F687-4f45-9708-019B960494DF}">
-                <a14:hiddenLine xmlns="" xmlns:a14="http://schemas.microsoft.com/office/drawing/2010/main" w="9525">
+              <a:ext uri="{91240B29-F687-4F45-9708-019B960494DF}">
+                <a14:hiddenLine xmlns:a14="http://schemas.microsoft.com/office/drawing/2010/main" w="9525">
                   <a:solidFill>
                     <a:srgbClr val="000000"/>
                   </a:solidFill>
@@ -4196,8 +4219,8 @@
               <a:noFill/>
             </a:ln>
             <a:extLst>
-              <a:ext uri="{91240B29-F687-4f45-9708-019B960494DF}">
-                <a14:hiddenLine xmlns="" xmlns:a14="http://schemas.microsoft.com/office/drawing/2010/main" w="9525">
+              <a:ext uri="{91240B29-F687-4F45-9708-019B960494DF}">
+                <a14:hiddenLine xmlns:a14="http://schemas.microsoft.com/office/drawing/2010/main" w="9525">
                   <a:solidFill>
                     <a:srgbClr val="000000"/>
                   </a:solidFill>
@@ -4286,8 +4309,8 @@
               <a:noFill/>
             </a:ln>
             <a:extLst>
-              <a:ext uri="{91240B29-F687-4f45-9708-019B960494DF}">
-                <a14:hiddenLine xmlns="" xmlns:a14="http://schemas.microsoft.com/office/drawing/2010/main" w="9525">
+              <a:ext uri="{91240B29-F687-4F45-9708-019B960494DF}">
+                <a14:hiddenLine xmlns:a14="http://schemas.microsoft.com/office/drawing/2010/main" w="9525">
                   <a:solidFill>
                     <a:srgbClr val="000000"/>
                   </a:solidFill>
@@ -4427,7 +4450,7 @@
           <a:p>
             <a:fld id="{48A87A34-81AB-432B-8DAE-1953F412C126}" type="datetimeFigureOut">
               <a:rPr lang="en-US" smtClean="0"/>
-              <a:t>13-Sep-17</a:t>
+              <a:t>09-Oct-17</a:t>
             </a:fld>
             <a:endParaRPr lang="en-US" dirty="0"/>
           </a:p>
@@ -4693,7 +4716,7 @@
           <a:p>
             <a:fld id="{48A87A34-81AB-432B-8DAE-1953F412C126}" type="datetimeFigureOut">
               <a:rPr lang="en-US" smtClean="0"/>
-              <a:t>13-Sep-17</a:t>
+              <a:t>09-Oct-17</a:t>
             </a:fld>
             <a:endParaRPr lang="en-US" dirty="0"/>
           </a:p>
@@ -4889,7 +4912,7 @@
           <a:p>
             <a:fld id="{48A87A34-81AB-432B-8DAE-1953F412C126}" type="datetimeFigureOut">
               <a:rPr lang="en-US" smtClean="0"/>
-              <a:t>13-Sep-17</a:t>
+              <a:t>09-Oct-17</a:t>
             </a:fld>
             <a:endParaRPr lang="en-US" dirty="0"/>
           </a:p>
@@ -5152,7 +5175,7 @@
           <a:p>
             <a:fld id="{48A87A34-81AB-432B-8DAE-1953F412C126}" type="datetimeFigureOut">
               <a:rPr lang="en-US" smtClean="0"/>
-              <a:t>13-Sep-17</a:t>
+              <a:t>09-Oct-17</a:t>
             </a:fld>
             <a:endParaRPr lang="en-US" dirty="0"/>
           </a:p>
@@ -5586,7 +5609,7 @@
           <a:p>
             <a:fld id="{48A87A34-81AB-432B-8DAE-1953F412C126}" type="datetimeFigureOut">
               <a:rPr lang="en-US" smtClean="0"/>
-              <a:t>13-Sep-17</a:t>
+              <a:t>09-Oct-17</a:t>
             </a:fld>
             <a:endParaRPr lang="en-US" dirty="0"/>
           </a:p>
@@ -6132,7 +6155,7 @@
           <a:p>
             <a:fld id="{48A87A34-81AB-432B-8DAE-1953F412C126}" type="datetimeFigureOut">
               <a:rPr lang="en-US" smtClean="0"/>
-              <a:t>13-Sep-17</a:t>
+              <a:t>09-Oct-17</a:t>
             </a:fld>
             <a:endParaRPr lang="en-US" dirty="0"/>
           </a:p>
@@ -6849,7 +6872,7 @@
           <a:p>
             <a:fld id="{48A87A34-81AB-432B-8DAE-1953F412C126}" type="datetimeFigureOut">
               <a:rPr lang="en-US" smtClean="0"/>
-              <a:t>13-Sep-17</a:t>
+              <a:t>09-Oct-17</a:t>
             </a:fld>
             <a:endParaRPr lang="en-US" dirty="0"/>
           </a:p>
@@ -7019,7 +7042,7 @@
           <a:p>
             <a:fld id="{48A87A34-81AB-432B-8DAE-1953F412C126}" type="datetimeFigureOut">
               <a:rPr lang="en-US" smtClean="0"/>
-              <a:t>13-Sep-17</a:t>
+              <a:t>09-Oct-17</a:t>
             </a:fld>
             <a:endParaRPr lang="en-US" dirty="0"/>
           </a:p>
@@ -7199,7 +7222,7 @@
           <a:p>
             <a:fld id="{48A87A34-81AB-432B-8DAE-1953F412C126}" type="datetimeFigureOut">
               <a:rPr lang="en-US" smtClean="0"/>
-              <a:t>13-Sep-17</a:t>
+              <a:t>09-Oct-17</a:t>
             </a:fld>
             <a:endParaRPr lang="en-US" dirty="0"/>
           </a:p>
@@ -7369,7 +7392,7 @@
           <a:p>
             <a:fld id="{48A87A34-81AB-432B-8DAE-1953F412C126}" type="datetimeFigureOut">
               <a:rPr lang="en-US" smtClean="0"/>
-              <a:t>13-Sep-17</a:t>
+              <a:t>09-Oct-17</a:t>
             </a:fld>
             <a:endParaRPr lang="en-US" dirty="0"/>
           </a:p>
@@ -7619,7 +7642,7 @@
           <a:p>
             <a:fld id="{48A87A34-81AB-432B-8DAE-1953F412C126}" type="datetimeFigureOut">
               <a:rPr lang="en-US" smtClean="0"/>
-              <a:t>13-Sep-17</a:t>
+              <a:t>09-Oct-17</a:t>
             </a:fld>
             <a:endParaRPr lang="en-US" dirty="0"/>
           </a:p>
@@ -7851,7 +7874,7 @@
           <a:p>
             <a:fld id="{48A87A34-81AB-432B-8DAE-1953F412C126}" type="datetimeFigureOut">
               <a:rPr lang="en-US" smtClean="0"/>
-              <a:t>13-Sep-17</a:t>
+              <a:t>09-Oct-17</a:t>
             </a:fld>
             <a:endParaRPr lang="en-US" dirty="0"/>
           </a:p>
@@ -8232,7 +8255,7 @@
           <a:p>
             <a:fld id="{48A87A34-81AB-432B-8DAE-1953F412C126}" type="datetimeFigureOut">
               <a:rPr lang="en-US" smtClean="0"/>
-              <a:t>13-Sep-17</a:t>
+              <a:t>09-Oct-17</a:t>
             </a:fld>
             <a:endParaRPr lang="en-US" dirty="0"/>
           </a:p>
@@ -8350,7 +8373,7 @@
           <a:p>
             <a:fld id="{48A87A34-81AB-432B-8DAE-1953F412C126}" type="datetimeFigureOut">
               <a:rPr lang="en-US" smtClean="0"/>
-              <a:t>13-Sep-17</a:t>
+              <a:t>09-Oct-17</a:t>
             </a:fld>
             <a:endParaRPr lang="en-US" dirty="0"/>
           </a:p>
@@ -8445,7 +8468,7 @@
           <a:p>
             <a:fld id="{48A87A34-81AB-432B-8DAE-1953F412C126}" type="datetimeFigureOut">
               <a:rPr lang="en-US" smtClean="0"/>
-              <a:t>13-Sep-17</a:t>
+              <a:t>09-Oct-17</a:t>
             </a:fld>
             <a:endParaRPr lang="en-US" dirty="0"/>
           </a:p>
@@ -8694,7 +8717,7 @@
           <a:p>
             <a:fld id="{48A87A34-81AB-432B-8DAE-1953F412C126}" type="datetimeFigureOut">
               <a:rPr lang="en-US" smtClean="0"/>
-              <a:t>13-Sep-17</a:t>
+              <a:t>09-Oct-17</a:t>
             </a:fld>
             <a:endParaRPr lang="en-US" dirty="0"/>
           </a:p>
@@ -8973,7 +8996,7 @@
           <a:p>
             <a:fld id="{48A87A34-81AB-432B-8DAE-1953F412C126}" type="datetimeFigureOut">
               <a:rPr lang="en-US" smtClean="0"/>
-              <a:t>13-Sep-17</a:t>
+              <a:t>09-Oct-17</a:t>
             </a:fld>
             <a:endParaRPr lang="en-US" dirty="0"/>
           </a:p>
@@ -9088,8 +9111,8 @@
           </a:prstGeom>
           <a:noFill/>
           <a:extLst>
-            <a:ext uri="{909E8E84-426E-40dd-AFC4-6F175D3DCCD1}">
-              <a14:hiddenFill xmlns="" xmlns:a14="http://schemas.microsoft.com/office/drawing/2010/main">
+            <a:ext uri="{909E8E84-426E-40DD-AFC4-6F175D3DCCD1}">
+              <a14:hiddenFill xmlns:a14="http://schemas.microsoft.com/office/drawing/2010/main">
                 <a:solidFill>
                   <a:srgbClr val="FFFFFF"/>
                 </a:solidFill>
@@ -9162,8 +9185,8 @@
                 <a:noFill/>
               </a:ln>
               <a:extLst>
-                <a:ext uri="{91240B29-F687-4f45-9708-019B960494DF}">
-                  <a14:hiddenLine xmlns="" xmlns:a14="http://schemas.microsoft.com/office/drawing/2010/main" w="9525">
+                <a:ext uri="{91240B29-F687-4F45-9708-019B960494DF}">
+                  <a14:hiddenLine xmlns:a14="http://schemas.microsoft.com/office/drawing/2010/main" w="9525">
                     <a:solidFill>
                       <a:srgbClr val="000000"/>
                     </a:solidFill>
@@ -9252,8 +9275,8 @@
                 <a:noFill/>
               </a:ln>
               <a:extLst>
-                <a:ext uri="{91240B29-F687-4f45-9708-019B960494DF}">
-                  <a14:hiddenLine xmlns="" xmlns:a14="http://schemas.microsoft.com/office/drawing/2010/main" w="9525">
+                <a:ext uri="{91240B29-F687-4F45-9708-019B960494DF}">
+                  <a14:hiddenLine xmlns:a14="http://schemas.microsoft.com/office/drawing/2010/main" w="9525">
                     <a:solidFill>
                       <a:srgbClr val="000000"/>
                     </a:solidFill>
@@ -9342,8 +9365,8 @@
                 <a:noFill/>
               </a:ln>
               <a:extLst>
-                <a:ext uri="{91240B29-F687-4f45-9708-019B960494DF}">
-                  <a14:hiddenLine xmlns="" xmlns:a14="http://schemas.microsoft.com/office/drawing/2010/main" w="9525">
+                <a:ext uri="{91240B29-F687-4F45-9708-019B960494DF}">
+                  <a14:hiddenLine xmlns:a14="http://schemas.microsoft.com/office/drawing/2010/main" w="9525">
                     <a:solidFill>
                       <a:srgbClr val="000000"/>
                     </a:solidFill>
@@ -9404,8 +9427,8 @@
                 <a:noFill/>
               </a:ln>
               <a:extLst>
-                <a:ext uri="{91240B29-F687-4f45-9708-019B960494DF}">
-                  <a14:hiddenLine xmlns="" xmlns:a14="http://schemas.microsoft.com/office/drawing/2010/main" w="9525">
+                <a:ext uri="{91240B29-F687-4F45-9708-019B960494DF}">
+                  <a14:hiddenLine xmlns:a14="http://schemas.microsoft.com/office/drawing/2010/main" w="9525">
                     <a:solidFill>
                       <a:srgbClr val="000000"/>
                     </a:solidFill>
@@ -9494,8 +9517,8 @@
                 <a:noFill/>
               </a:ln>
               <a:extLst>
-                <a:ext uri="{91240B29-F687-4f45-9708-019B960494DF}">
-                  <a14:hiddenLine xmlns="" xmlns:a14="http://schemas.microsoft.com/office/drawing/2010/main" w="9525">
+                <a:ext uri="{91240B29-F687-4F45-9708-019B960494DF}">
+                  <a14:hiddenLine xmlns:a14="http://schemas.microsoft.com/office/drawing/2010/main" w="9525">
                     <a:solidFill>
                       <a:srgbClr val="000000"/>
                     </a:solidFill>
@@ -9556,8 +9579,8 @@
                 <a:noFill/>
               </a:ln>
               <a:extLst>
-                <a:ext uri="{91240B29-F687-4f45-9708-019B960494DF}">
-                  <a14:hiddenLine xmlns="" xmlns:a14="http://schemas.microsoft.com/office/drawing/2010/main" w="9525">
+                <a:ext uri="{91240B29-F687-4F45-9708-019B960494DF}">
+                  <a14:hiddenLine xmlns:a14="http://schemas.microsoft.com/office/drawing/2010/main" w="9525">
                     <a:solidFill>
                       <a:srgbClr val="000000"/>
                     </a:solidFill>
@@ -9618,8 +9641,8 @@
                 <a:noFill/>
               </a:ln>
               <a:extLst>
-                <a:ext uri="{91240B29-F687-4f45-9708-019B960494DF}">
-                  <a14:hiddenLine xmlns="" xmlns:a14="http://schemas.microsoft.com/office/drawing/2010/main" w="9525">
+                <a:ext uri="{91240B29-F687-4F45-9708-019B960494DF}">
+                  <a14:hiddenLine xmlns:a14="http://schemas.microsoft.com/office/drawing/2010/main" w="9525">
                     <a:solidFill>
                       <a:srgbClr val="000000"/>
                     </a:solidFill>
@@ -9708,8 +9731,8 @@
                 <a:noFill/>
               </a:ln>
               <a:extLst>
-                <a:ext uri="{91240B29-F687-4f45-9708-019B960494DF}">
-                  <a14:hiddenLine xmlns="" xmlns:a14="http://schemas.microsoft.com/office/drawing/2010/main" w="9525">
+                <a:ext uri="{91240B29-F687-4F45-9708-019B960494DF}">
+                  <a14:hiddenLine xmlns:a14="http://schemas.microsoft.com/office/drawing/2010/main" w="9525">
                     <a:solidFill>
                       <a:srgbClr val="000000"/>
                     </a:solidFill>
@@ -9798,8 +9821,8 @@
                 <a:noFill/>
               </a:ln>
               <a:extLst>
-                <a:ext uri="{91240B29-F687-4f45-9708-019B960494DF}">
-                  <a14:hiddenLine xmlns="" xmlns:a14="http://schemas.microsoft.com/office/drawing/2010/main" w="9525">
+                <a:ext uri="{91240B29-F687-4F45-9708-019B960494DF}">
+                  <a14:hiddenLine xmlns:a14="http://schemas.microsoft.com/office/drawing/2010/main" w="9525">
                     <a:solidFill>
                       <a:srgbClr val="000000"/>
                     </a:solidFill>
@@ -9860,8 +9883,8 @@
                 <a:noFill/>
               </a:ln>
               <a:extLst>
-                <a:ext uri="{91240B29-F687-4f45-9708-019B960494DF}">
-                  <a14:hiddenLine xmlns="" xmlns:a14="http://schemas.microsoft.com/office/drawing/2010/main" w="9525">
+                <a:ext uri="{91240B29-F687-4F45-9708-019B960494DF}">
+                  <a14:hiddenLine xmlns:a14="http://schemas.microsoft.com/office/drawing/2010/main" w="9525">
                     <a:solidFill>
                       <a:srgbClr val="000000"/>
                     </a:solidFill>
@@ -9970,8 +9993,8 @@
                 <a:noFill/>
               </a:ln>
               <a:extLst>
-                <a:ext uri="{91240B29-F687-4f45-9708-019B960494DF}">
-                  <a14:hiddenLine xmlns="" xmlns:a14="http://schemas.microsoft.com/office/drawing/2010/main" w="9525">
+                <a:ext uri="{91240B29-F687-4F45-9708-019B960494DF}">
+                  <a14:hiddenLine xmlns:a14="http://schemas.microsoft.com/office/drawing/2010/main" w="9525">
                     <a:solidFill>
                       <a:srgbClr val="000000"/>
                     </a:solidFill>
@@ -10054,8 +10077,8 @@
                 <a:noFill/>
               </a:ln>
               <a:extLst>
-                <a:ext uri="{91240B29-F687-4f45-9708-019B960494DF}">
-                  <a14:hiddenLine xmlns="" xmlns:a14="http://schemas.microsoft.com/office/drawing/2010/main" w="9525">
+                <a:ext uri="{91240B29-F687-4F45-9708-019B960494DF}">
+                  <a14:hiddenLine xmlns:a14="http://schemas.microsoft.com/office/drawing/2010/main" w="9525">
                     <a:solidFill>
                       <a:srgbClr val="000000"/>
                     </a:solidFill>
@@ -10116,8 +10139,8 @@
                 <a:noFill/>
               </a:ln>
               <a:extLst>
-                <a:ext uri="{91240B29-F687-4f45-9708-019B960494DF}">
-                  <a14:hiddenLine xmlns="" xmlns:a14="http://schemas.microsoft.com/office/drawing/2010/main" w="9525">
+                <a:ext uri="{91240B29-F687-4F45-9708-019B960494DF}">
+                  <a14:hiddenLine xmlns:a14="http://schemas.microsoft.com/office/drawing/2010/main" w="9525">
                     <a:solidFill>
                       <a:srgbClr val="000000"/>
                     </a:solidFill>
@@ -10178,8 +10201,8 @@
                 <a:noFill/>
               </a:ln>
               <a:extLst>
-                <a:ext uri="{91240B29-F687-4f45-9708-019B960494DF}">
-                  <a14:hiddenLine xmlns="" xmlns:a14="http://schemas.microsoft.com/office/drawing/2010/main" w="9525">
+                <a:ext uri="{91240B29-F687-4F45-9708-019B960494DF}">
+                  <a14:hiddenLine xmlns:a14="http://schemas.microsoft.com/office/drawing/2010/main" w="9525">
                     <a:solidFill>
                       <a:srgbClr val="000000"/>
                     </a:solidFill>
@@ -10268,8 +10291,8 @@
                 <a:noFill/>
               </a:ln>
               <a:extLst>
-                <a:ext uri="{91240B29-F687-4f45-9708-019B960494DF}">
-                  <a14:hiddenLine xmlns="" xmlns:a14="http://schemas.microsoft.com/office/drawing/2010/main" w="9525">
+                <a:ext uri="{91240B29-F687-4F45-9708-019B960494DF}">
+                  <a14:hiddenLine xmlns:a14="http://schemas.microsoft.com/office/drawing/2010/main" w="9525">
                     <a:solidFill>
                       <a:srgbClr val="000000"/>
                     </a:solidFill>
@@ -10302,8 +10325,8 @@
                 <a:noFill/>
               </a:ln>
               <a:extLst>
-                <a:ext uri="{91240B29-F687-4f45-9708-019B960494DF}">
-                  <a14:hiddenLine xmlns="" xmlns:a14="http://schemas.microsoft.com/office/drawing/2010/main" w="9525">
+                <a:ext uri="{91240B29-F687-4F45-9708-019B960494DF}">
+                  <a14:hiddenLine xmlns:a14="http://schemas.microsoft.com/office/drawing/2010/main" w="9525">
                     <a:solidFill>
                       <a:srgbClr val="000000"/>
                     </a:solidFill>
@@ -10367,8 +10390,8 @@
                 <a:noFill/>
               </a:ln>
               <a:extLst>
-                <a:ext uri="{91240B29-F687-4f45-9708-019B960494DF}">
-                  <a14:hiddenLine xmlns="" xmlns:a14="http://schemas.microsoft.com/office/drawing/2010/main" w="9525">
+                <a:ext uri="{91240B29-F687-4F45-9708-019B960494DF}">
+                  <a14:hiddenLine xmlns:a14="http://schemas.microsoft.com/office/drawing/2010/main" w="9525">
                     <a:solidFill>
                       <a:srgbClr val="000000"/>
                     </a:solidFill>
@@ -10457,8 +10480,8 @@
                 <a:noFill/>
               </a:ln>
               <a:extLst>
-                <a:ext uri="{91240B29-F687-4f45-9708-019B960494DF}">
-                  <a14:hiddenLine xmlns="" xmlns:a14="http://schemas.microsoft.com/office/drawing/2010/main" w="9525">
+                <a:ext uri="{91240B29-F687-4F45-9708-019B960494DF}">
+                  <a14:hiddenLine xmlns:a14="http://schemas.microsoft.com/office/drawing/2010/main" w="9525">
                     <a:solidFill>
                       <a:srgbClr val="000000"/>
                     </a:solidFill>
@@ -10519,8 +10542,8 @@
                 <a:noFill/>
               </a:ln>
               <a:extLst>
-                <a:ext uri="{91240B29-F687-4f45-9708-019B960494DF}">
-                  <a14:hiddenLine xmlns="" xmlns:a14="http://schemas.microsoft.com/office/drawing/2010/main" w="9525">
+                <a:ext uri="{91240B29-F687-4F45-9708-019B960494DF}">
+                  <a14:hiddenLine xmlns:a14="http://schemas.microsoft.com/office/drawing/2010/main" w="9525">
                     <a:solidFill>
                       <a:srgbClr val="000000"/>
                     </a:solidFill>
@@ -10609,8 +10632,8 @@
                 <a:noFill/>
               </a:ln>
               <a:extLst>
-                <a:ext uri="{91240B29-F687-4f45-9708-019B960494DF}">
-                  <a14:hiddenLine xmlns="" xmlns:a14="http://schemas.microsoft.com/office/drawing/2010/main" w="9525">
+                <a:ext uri="{91240B29-F687-4F45-9708-019B960494DF}">
+                  <a14:hiddenLine xmlns:a14="http://schemas.microsoft.com/office/drawing/2010/main" w="9525">
                     <a:solidFill>
                       <a:srgbClr val="000000"/>
                     </a:solidFill>
@@ -10674,8 +10697,8 @@
                 <a:noFill/>
               </a:ln>
               <a:extLst>
-                <a:ext uri="{91240B29-F687-4f45-9708-019B960494DF}">
-                  <a14:hiddenLine xmlns="" xmlns:a14="http://schemas.microsoft.com/office/drawing/2010/main" w="9525">
+                <a:ext uri="{91240B29-F687-4F45-9708-019B960494DF}">
+                  <a14:hiddenLine xmlns:a14="http://schemas.microsoft.com/office/drawing/2010/main" w="9525">
                     <a:solidFill>
                       <a:srgbClr val="000000"/>
                     </a:solidFill>
@@ -10736,8 +10759,8 @@
                 <a:noFill/>
               </a:ln>
               <a:extLst>
-                <a:ext uri="{91240B29-F687-4f45-9708-019B960494DF}">
-                  <a14:hiddenLine xmlns="" xmlns:a14="http://schemas.microsoft.com/office/drawing/2010/main" w="9525">
+                <a:ext uri="{91240B29-F687-4F45-9708-019B960494DF}">
+                  <a14:hiddenLine xmlns:a14="http://schemas.microsoft.com/office/drawing/2010/main" w="9525">
                     <a:solidFill>
                       <a:srgbClr val="000000"/>
                     </a:solidFill>
@@ -10826,8 +10849,8 @@
                 <a:noFill/>
               </a:ln>
               <a:extLst>
-                <a:ext uri="{91240B29-F687-4f45-9708-019B960494DF}">
-                  <a14:hiddenLine xmlns="" xmlns:a14="http://schemas.microsoft.com/office/drawing/2010/main" w="9525">
+                <a:ext uri="{91240B29-F687-4F45-9708-019B960494DF}">
+                  <a14:hiddenLine xmlns:a14="http://schemas.microsoft.com/office/drawing/2010/main" w="9525">
                     <a:solidFill>
                       <a:srgbClr val="000000"/>
                     </a:solidFill>
@@ -10916,8 +10939,8 @@
                 <a:noFill/>
               </a:ln>
               <a:extLst>
-                <a:ext uri="{91240B29-F687-4f45-9708-019B960494DF}">
-                  <a14:hiddenLine xmlns="" xmlns:a14="http://schemas.microsoft.com/office/drawing/2010/main" w="9525">
+                <a:ext uri="{91240B29-F687-4F45-9708-019B960494DF}">
+                  <a14:hiddenLine xmlns:a14="http://schemas.microsoft.com/office/drawing/2010/main" w="9525">
                     <a:solidFill>
                       <a:srgbClr val="000000"/>
                     </a:solidFill>
@@ -10981,8 +11004,8 @@
                 <a:noFill/>
               </a:ln>
               <a:extLst>
-                <a:ext uri="{91240B29-F687-4f45-9708-019B960494DF}">
-                  <a14:hiddenLine xmlns="" xmlns:a14="http://schemas.microsoft.com/office/drawing/2010/main" w="9525">
+                <a:ext uri="{91240B29-F687-4F45-9708-019B960494DF}">
+                  <a14:hiddenLine xmlns:a14="http://schemas.microsoft.com/office/drawing/2010/main" w="9525">
                     <a:solidFill>
                       <a:srgbClr val="000000"/>
                     </a:solidFill>
@@ -11101,8 +11124,8 @@
                 <a:noFill/>
               </a:ln>
               <a:extLst>
-                <a:ext uri="{91240B29-F687-4f45-9708-019B960494DF}">
-                  <a14:hiddenLine xmlns="" xmlns:a14="http://schemas.microsoft.com/office/drawing/2010/main" w="9525">
+                <a:ext uri="{91240B29-F687-4F45-9708-019B960494DF}">
+                  <a14:hiddenLine xmlns:a14="http://schemas.microsoft.com/office/drawing/2010/main" w="9525">
                     <a:solidFill>
                       <a:srgbClr val="000000"/>
                     </a:solidFill>
@@ -11199,8 +11222,8 @@
                 <a:noFill/>
               </a:ln>
               <a:extLst>
-                <a:ext uri="{91240B29-F687-4f45-9708-019B960494DF}">
-                  <a14:hiddenLine xmlns="" xmlns:a14="http://schemas.microsoft.com/office/drawing/2010/main" w="9525">
+                <a:ext uri="{91240B29-F687-4F45-9708-019B960494DF}">
+                  <a14:hiddenLine xmlns:a14="http://schemas.microsoft.com/office/drawing/2010/main" w="9525">
                     <a:solidFill>
                       <a:srgbClr val="000000"/>
                     </a:solidFill>
@@ -11314,8 +11337,8 @@
                 <a:noFill/>
               </a:ln>
               <a:extLst>
-                <a:ext uri="{91240B29-F687-4f45-9708-019B960494DF}">
-                  <a14:hiddenLine xmlns="" xmlns:a14="http://schemas.microsoft.com/office/drawing/2010/main" w="9525">
+                <a:ext uri="{91240B29-F687-4F45-9708-019B960494DF}">
+                  <a14:hiddenLine xmlns:a14="http://schemas.microsoft.com/office/drawing/2010/main" w="9525">
                     <a:solidFill>
                       <a:srgbClr val="000000"/>
                     </a:solidFill>
@@ -11404,8 +11427,8 @@
                 <a:noFill/>
               </a:ln>
               <a:extLst>
-                <a:ext uri="{91240B29-F687-4f45-9708-019B960494DF}">
-                  <a14:hiddenLine xmlns="" xmlns:a14="http://schemas.microsoft.com/office/drawing/2010/main" w="9525">
+                <a:ext uri="{91240B29-F687-4F45-9708-019B960494DF}">
+                  <a14:hiddenLine xmlns:a14="http://schemas.microsoft.com/office/drawing/2010/main" w="9525">
                     <a:solidFill>
                       <a:srgbClr val="000000"/>
                     </a:solidFill>
@@ -11469,8 +11492,8 @@
                 <a:noFill/>
               </a:ln>
               <a:extLst>
-                <a:ext uri="{91240B29-F687-4f45-9708-019B960494DF}">
-                  <a14:hiddenLine xmlns="" xmlns:a14="http://schemas.microsoft.com/office/drawing/2010/main" w="9525">
+                <a:ext uri="{91240B29-F687-4F45-9708-019B960494DF}">
+                  <a14:hiddenLine xmlns:a14="http://schemas.microsoft.com/office/drawing/2010/main" w="9525">
                     <a:solidFill>
                       <a:srgbClr val="000000"/>
                     </a:solidFill>
@@ -11559,8 +11582,8 @@
                 <a:noFill/>
               </a:ln>
               <a:extLst>
-                <a:ext uri="{91240B29-F687-4f45-9708-019B960494DF}">
-                  <a14:hiddenLine xmlns="" xmlns:a14="http://schemas.microsoft.com/office/drawing/2010/main" w="9525">
+                <a:ext uri="{91240B29-F687-4F45-9708-019B960494DF}">
+                  <a14:hiddenLine xmlns:a14="http://schemas.microsoft.com/office/drawing/2010/main" w="9525">
                     <a:solidFill>
                       <a:srgbClr val="000000"/>
                     </a:solidFill>
@@ -11627,8 +11650,8 @@
                 <a:noFill/>
               </a:ln>
               <a:extLst>
-                <a:ext uri="{91240B29-F687-4f45-9708-019B960494DF}">
-                  <a14:hiddenLine xmlns="" xmlns:a14="http://schemas.microsoft.com/office/drawing/2010/main" w="9525">
+                <a:ext uri="{91240B29-F687-4F45-9708-019B960494DF}">
+                  <a14:hiddenLine xmlns:a14="http://schemas.microsoft.com/office/drawing/2010/main" w="9525">
                     <a:solidFill>
                       <a:srgbClr val="000000"/>
                     </a:solidFill>
@@ -11717,8 +11740,8 @@
                 <a:noFill/>
               </a:ln>
               <a:extLst>
-                <a:ext uri="{91240B29-F687-4f45-9708-019B960494DF}">
-                  <a14:hiddenLine xmlns="" xmlns:a14="http://schemas.microsoft.com/office/drawing/2010/main" w="9525">
+                <a:ext uri="{91240B29-F687-4F45-9708-019B960494DF}">
+                  <a14:hiddenLine xmlns:a14="http://schemas.microsoft.com/office/drawing/2010/main" w="9525">
                     <a:solidFill>
                       <a:srgbClr val="000000"/>
                     </a:solidFill>
@@ -11785,8 +11808,8 @@
                 <a:noFill/>
               </a:ln>
               <a:extLst>
-                <a:ext uri="{91240B29-F687-4f45-9708-019B960494DF}">
-                  <a14:hiddenLine xmlns="" xmlns:a14="http://schemas.microsoft.com/office/drawing/2010/main" w="9525">
+                <a:ext uri="{91240B29-F687-4F45-9708-019B960494DF}">
+                  <a14:hiddenLine xmlns:a14="http://schemas.microsoft.com/office/drawing/2010/main" w="9525">
                     <a:solidFill>
                       <a:srgbClr val="000000"/>
                     </a:solidFill>
@@ -11875,8 +11898,8 @@
                 <a:noFill/>
               </a:ln>
               <a:extLst>
-                <a:ext uri="{91240B29-F687-4f45-9708-019B960494DF}">
-                  <a14:hiddenLine xmlns="" xmlns:a14="http://schemas.microsoft.com/office/drawing/2010/main" w="9525">
+                <a:ext uri="{91240B29-F687-4F45-9708-019B960494DF}">
+                  <a14:hiddenLine xmlns:a14="http://schemas.microsoft.com/office/drawing/2010/main" w="9525">
                     <a:solidFill>
                       <a:srgbClr val="000000"/>
                     </a:solidFill>
@@ -11909,8 +11932,8 @@
                 <a:noFill/>
               </a:ln>
               <a:extLst>
-                <a:ext uri="{91240B29-F687-4f45-9708-019B960494DF}">
-                  <a14:hiddenLine xmlns="" xmlns:a14="http://schemas.microsoft.com/office/drawing/2010/main" w="9525">
+                <a:ext uri="{91240B29-F687-4F45-9708-019B960494DF}">
+                  <a14:hiddenLine xmlns:a14="http://schemas.microsoft.com/office/drawing/2010/main" w="9525">
                     <a:solidFill>
                       <a:srgbClr val="000000"/>
                     </a:solidFill>
@@ -12051,7 +12074,7 @@
             <a:fld id="{48A87A34-81AB-432B-8DAE-1953F412C126}" type="datetimeFigureOut">
               <a:rPr lang="en-US" smtClean="0"/>
               <a:pPr/>
-              <a:t>13-Sep-17</a:t>
+              <a:t>09-Oct-17</a:t>
             </a:fld>
             <a:endParaRPr lang="en-US" dirty="0"/>
           </a:p>
@@ -12501,14 +12524,7 @@
             <a:pPr algn="ctr"/>
             <a:r>
               <a:rPr lang="en-US" dirty="0"/>
-              <a:t>3d House Modeling in </a:t>
-            </a:r>
-            <a:br>
-              <a:rPr lang="en-US" dirty="0"/>
-            </a:br>
-            <a:r>
-              <a:rPr lang="en-US" dirty="0"/>
-              <a:t>virtual reality</a:t>
+              <a:t>DREAM HOUSE VR</a:t>
             </a:r>
           </a:p>
         </p:txBody>
@@ -12531,14 +12547,15 @@
         </p:nvSpPr>
         <p:spPr>
           <a:xfrm>
-            <a:off x="2036220" y="2987336"/>
-            <a:ext cx="8791575" cy="3542190"/>
+            <a:off x="985421" y="2987336"/>
+            <a:ext cx="9939253" cy="3542190"/>
           </a:xfrm>
         </p:spPr>
         <p:txBody>
           <a:bodyPr/>
           <a:lstStyle/>
           <a:p>
+            <a:pPr algn="just"/>
             <a:endParaRPr lang="en-US" dirty="0">
               <a:solidFill>
                 <a:schemeClr val="accent2">
@@ -12549,6 +12566,7 @@
             </a:endParaRPr>
           </a:p>
           <a:p>
+            <a:pPr algn="just"/>
             <a:r>
               <a:rPr lang="en-US" dirty="0">
                 <a:solidFill>
@@ -12558,10 +12576,30 @@
                   </a:schemeClr>
                 </a:solidFill>
               </a:rPr>
-              <a:t>Pathik shah -156330307104              Megh Thakkar -156330307116</a:t>
-            </a:r>
-          </a:p>
-          <a:p>
+              <a:t>Smith bhojak               156330307008       KANDARP </a:t>
+            </a:r>
+            <a:r>
+              <a:rPr lang="en-US">
+                <a:solidFill>
+                  <a:schemeClr val="accent2">
+                    <a:lumMod val="20000"/>
+                    <a:lumOff val="80000"/>
+                  </a:schemeClr>
+                </a:solidFill>
+              </a:rPr>
+              <a:t>PANDYA           156330307049  </a:t>
+            </a:r>
+            <a:endParaRPr lang="en-US" dirty="0">
+              <a:solidFill>
+                <a:schemeClr val="accent2">
+                  <a:lumMod val="20000"/>
+                  <a:lumOff val="80000"/>
+                </a:schemeClr>
+              </a:solidFill>
+            </a:endParaRPr>
+          </a:p>
+          <a:p>
+            <a:pPr algn="just"/>
             <a:r>
               <a:rPr lang="en-US" dirty="0">
                 <a:solidFill>
@@ -12571,10 +12609,11 @@
                   </a:schemeClr>
                 </a:solidFill>
               </a:rPr>
-              <a:t>Smith bhojak -156330307008           Bhavin Panchasara -156330307047</a:t>
-            </a:r>
-          </a:p>
-          <a:p>
+              <a:t>Kishan Patel                 156330307026       Pathik Shah                   156330307104 </a:t>
+            </a:r>
+          </a:p>
+          <a:p>
+            <a:pPr algn="just"/>
             <a:r>
               <a:rPr lang="en-US" dirty="0">
                 <a:solidFill>
@@ -12584,7 +12623,29 @@
                   </a:schemeClr>
                 </a:solidFill>
               </a:rPr>
-              <a:t> Kandarp Pandya  -156330307049    Kishan Patel - 156330307026</a:t>
+              <a:t>Bhavin Panchasara     156330307047      Megh </a:t>
+            </a:r>
+            <a:r>
+              <a:rPr lang="en-US" dirty="0" err="1">
+                <a:solidFill>
+                  <a:schemeClr val="accent2">
+                    <a:lumMod val="20000"/>
+                    <a:lumOff val="80000"/>
+                  </a:schemeClr>
+                </a:solidFill>
+              </a:rPr>
+              <a:t>thakkar</a:t>
+            </a:r>
+            <a:r>
+              <a:rPr lang="en-US" dirty="0">
+                <a:solidFill>
+                  <a:schemeClr val="accent2">
+                    <a:lumMod val="20000"/>
+                    <a:lumOff val="80000"/>
+                  </a:schemeClr>
+                </a:solidFill>
+              </a:rPr>
+              <a:t>              156330307116</a:t>
             </a:r>
           </a:p>
         </p:txBody>
@@ -12624,6 +12685,284 @@
           <p:cNvPr id="2" name="Title 1">
             <a:extLst>
               <a:ext uri="{FF2B5EF4-FFF2-40B4-BE49-F238E27FC236}">
+                <a16:creationId xmlns:a16="http://schemas.microsoft.com/office/drawing/2014/main" id="{80FD4B3F-2201-4870-BC85-4B520D369B49}"/>
+              </a:ext>
+            </a:extLst>
+          </p:cNvPr>
+          <p:cNvSpPr>
+            <a:spLocks noGrp="1"/>
+          </p:cNvSpPr>
+          <p:nvPr>
+            <p:ph type="title"/>
+          </p:nvPr>
+        </p:nvSpPr>
+        <p:spPr/>
+        <p:txBody>
+          <a:bodyPr/>
+          <a:lstStyle/>
+          <a:p>
+            <a:r>
+              <a:rPr lang="en-US" dirty="0">
+                <a:solidFill>
+                  <a:schemeClr val="bg1">
+                    <a:lumMod val="75000"/>
+                    <a:lumOff val="25000"/>
+                  </a:schemeClr>
+                </a:solidFill>
+              </a:rPr>
+              <a:t>Solution</a:t>
+            </a:r>
+            <a:r>
+              <a:rPr lang="en-US" dirty="0">
+                <a:solidFill>
+                  <a:srgbClr val="FFFF00"/>
+                </a:solidFill>
+              </a:rPr>
+              <a:t> </a:t>
+            </a:r>
+            <a:r>
+              <a:rPr lang="en-US" dirty="0"/>
+              <a:t>	</a:t>
+            </a:r>
+          </a:p>
+        </p:txBody>
+      </p:sp>
+      <p:sp>
+        <p:nvSpPr>
+          <p:cNvPr id="3" name="Content Placeholder 2">
+            <a:extLst>
+              <a:ext uri="{FF2B5EF4-FFF2-40B4-BE49-F238E27FC236}">
+                <a16:creationId xmlns:a16="http://schemas.microsoft.com/office/drawing/2014/main" id="{75EC9FC1-DA0D-4815-9093-9BADF4499815}"/>
+              </a:ext>
+            </a:extLst>
+          </p:cNvPr>
+          <p:cNvSpPr>
+            <a:spLocks noGrp="1"/>
+          </p:cNvSpPr>
+          <p:nvPr>
+            <p:ph idx="1"/>
+          </p:nvPr>
+        </p:nvSpPr>
+        <p:spPr/>
+        <p:txBody>
+          <a:bodyPr/>
+          <a:lstStyle/>
+          <a:p>
+            <a:endParaRPr lang="en-US" dirty="0"/>
+          </a:p>
+          <a:p>
+            <a:r>
+              <a:rPr lang="en-US" dirty="0"/>
+              <a:t>Dynamic Environment.</a:t>
+            </a:r>
+          </a:p>
+          <a:p>
+            <a:r>
+              <a:rPr lang="en-US" dirty="0"/>
+              <a:t>Enhanced User Experience.</a:t>
+            </a:r>
+          </a:p>
+          <a:p>
+            <a:r>
+              <a:rPr lang="en-US" dirty="0"/>
+              <a:t>Affordable in terms of multiple system development/design.</a:t>
+            </a:r>
+          </a:p>
+          <a:p>
+            <a:pPr marL="0" indent="0">
+              <a:buNone/>
+            </a:pPr>
+            <a:r>
+              <a:rPr lang="en-US" dirty="0"/>
+              <a:t> </a:t>
+            </a:r>
+          </a:p>
+          <a:p>
+            <a:endParaRPr lang="en-US" dirty="0"/>
+          </a:p>
+        </p:txBody>
+      </p:sp>
+    </p:spTree>
+    <p:extLst>
+      <p:ext uri="{BB962C8B-B14F-4D97-AF65-F5344CB8AC3E}">
+        <p14:creationId xmlns:p14="http://schemas.microsoft.com/office/powerpoint/2010/main" val="121403053"/>
+      </p:ext>
+    </p:extLst>
+  </p:cSld>
+  <p:clrMapOvr>
+    <a:masterClrMapping/>
+  </p:clrMapOvr>
+</p:sld>
+</file>
+
+<file path=ppt/slides/slide11.xml><?xml version="1.0" encoding="utf-8"?>
+<p:sld xmlns:a="http://schemas.openxmlformats.org/drawingml/2006/main" xmlns:r="http://schemas.openxmlformats.org/officeDocument/2006/relationships" xmlns:p="http://schemas.openxmlformats.org/presentationml/2006/main">
+  <p:cSld>
+    <p:spTree>
+      <p:nvGrpSpPr>
+        <p:cNvPr id="1" name=""/>
+        <p:cNvGrpSpPr/>
+        <p:nvPr/>
+      </p:nvGrpSpPr>
+      <p:grpSpPr>
+        <a:xfrm>
+          <a:off x="0" y="0"/>
+          <a:ext cx="0" cy="0"/>
+          <a:chOff x="0" y="0"/>
+          <a:chExt cx="0" cy="0"/>
+        </a:xfrm>
+      </p:grpSpPr>
+      <p:sp>
+        <p:nvSpPr>
+          <p:cNvPr id="2" name="Title 1">
+            <a:extLst>
+              <a:ext uri="{FF2B5EF4-FFF2-40B4-BE49-F238E27FC236}">
+                <a16:creationId xmlns:a16="http://schemas.microsoft.com/office/drawing/2014/main" id="{232E058C-E815-4A9E-AD7E-C231D644521F}"/>
+              </a:ext>
+            </a:extLst>
+          </p:cNvPr>
+          <p:cNvSpPr>
+            <a:spLocks noGrp="1"/>
+          </p:cNvSpPr>
+          <p:nvPr>
+            <p:ph type="title"/>
+          </p:nvPr>
+        </p:nvSpPr>
+        <p:spPr/>
+        <p:txBody>
+          <a:bodyPr/>
+          <a:lstStyle/>
+          <a:p>
+            <a:r>
+              <a:rPr lang="en-US" dirty="0">
+                <a:solidFill>
+                  <a:schemeClr val="bg1">
+                    <a:lumMod val="75000"/>
+                    <a:lumOff val="25000"/>
+                  </a:schemeClr>
+                </a:solidFill>
+              </a:rPr>
+              <a:t>Modules</a:t>
+            </a:r>
+            <a:r>
+              <a:rPr lang="en-US" dirty="0"/>
+              <a:t>	</a:t>
+            </a:r>
+          </a:p>
+        </p:txBody>
+      </p:sp>
+      <p:sp>
+        <p:nvSpPr>
+          <p:cNvPr id="3" name="Content Placeholder 2">
+            <a:extLst>
+              <a:ext uri="{FF2B5EF4-FFF2-40B4-BE49-F238E27FC236}">
+                <a16:creationId xmlns:a16="http://schemas.microsoft.com/office/drawing/2014/main" id="{215FAE6C-774C-4D06-A7A1-F2FBDE1920EF}"/>
+              </a:ext>
+            </a:extLst>
+          </p:cNvPr>
+          <p:cNvSpPr>
+            <a:spLocks noGrp="1"/>
+          </p:cNvSpPr>
+          <p:nvPr>
+            <p:ph idx="1"/>
+          </p:nvPr>
+        </p:nvSpPr>
+        <p:spPr>
+          <a:xfrm>
+            <a:off x="1141413" y="2097088"/>
+            <a:ext cx="9905999" cy="4305301"/>
+          </a:xfrm>
+        </p:spPr>
+        <p:txBody>
+          <a:bodyPr>
+            <a:normAutofit/>
+          </a:bodyPr>
+          <a:lstStyle/>
+          <a:p>
+            <a:endParaRPr lang="en-US" dirty="0"/>
+          </a:p>
+          <a:p>
+            <a:r>
+              <a:rPr lang="en-US" dirty="0"/>
+              <a:t>Providing complete 3D space for creating architecture.</a:t>
+            </a:r>
+          </a:p>
+          <a:p>
+            <a:r>
+              <a:rPr lang="en-US" dirty="0"/>
+              <a:t>Designing models using different objects.</a:t>
+            </a:r>
+          </a:p>
+          <a:p>
+            <a:r>
+              <a:rPr lang="en-US" dirty="0"/>
+              <a:t>Ability to save created 3D architecture.</a:t>
+            </a:r>
+          </a:p>
+          <a:p>
+            <a:r>
+              <a:rPr lang="en-US" dirty="0"/>
+              <a:t>Making 3D architecture portable to use in different system.</a:t>
+            </a:r>
+          </a:p>
+          <a:p>
+            <a:r>
+              <a:rPr lang="en-US" dirty="0"/>
+              <a:t>Provision for modifying and altering created 3D architecture.  </a:t>
+            </a:r>
+          </a:p>
+          <a:p>
+            <a:endParaRPr lang="en-US" dirty="0"/>
+          </a:p>
+          <a:p>
+            <a:endParaRPr lang="en-US" dirty="0"/>
+          </a:p>
+          <a:p>
+            <a:pPr marL="0" indent="0">
+              <a:buNone/>
+            </a:pPr>
+            <a:endParaRPr lang="en-US" dirty="0"/>
+          </a:p>
+          <a:p>
+            <a:endParaRPr lang="en-US" dirty="0"/>
+          </a:p>
+        </p:txBody>
+      </p:sp>
+    </p:spTree>
+    <p:extLst>
+      <p:ext uri="{BB962C8B-B14F-4D97-AF65-F5344CB8AC3E}">
+        <p14:creationId xmlns:p14="http://schemas.microsoft.com/office/powerpoint/2010/main" val="2766811839"/>
+      </p:ext>
+    </p:extLst>
+  </p:cSld>
+  <p:clrMapOvr>
+    <a:masterClrMapping/>
+  </p:clrMapOvr>
+</p:sld>
+</file>
+
+<file path=ppt/slides/slide12.xml><?xml version="1.0" encoding="utf-8"?>
+<p:sld xmlns:a="http://schemas.openxmlformats.org/drawingml/2006/main" xmlns:r="http://schemas.openxmlformats.org/officeDocument/2006/relationships" xmlns:p="http://schemas.openxmlformats.org/presentationml/2006/main">
+  <p:cSld>
+    <p:spTree>
+      <p:nvGrpSpPr>
+        <p:cNvPr id="1" name=""/>
+        <p:cNvGrpSpPr/>
+        <p:nvPr/>
+      </p:nvGrpSpPr>
+      <p:grpSpPr>
+        <a:xfrm>
+          <a:off x="0" y="0"/>
+          <a:ext cx="0" cy="0"/>
+          <a:chOff x="0" y="0"/>
+          <a:chExt cx="0" cy="0"/>
+        </a:xfrm>
+      </p:grpSpPr>
+      <p:sp>
+        <p:nvSpPr>
+          <p:cNvPr id="2" name="Title 1">
+            <a:extLst>
+              <a:ext uri="{FF2B5EF4-FFF2-40B4-BE49-F238E27FC236}">
                 <a16:creationId xmlns:a16="http://schemas.microsoft.com/office/drawing/2014/main" id="{6C550332-E48A-4D78-93DE-03FAF01E5B58}"/>
               </a:ext>
             </a:extLst>
@@ -12733,7 +13072,7 @@
 </p:sld>
 </file>
 
-<file path=ppt/slides/slide11.xml><?xml version="1.0" encoding="utf-8"?>
+<file path=ppt/slides/slide13.xml><?xml version="1.0" encoding="utf-8"?>
 <p:sld xmlns:a="http://schemas.openxmlformats.org/drawingml/2006/main" xmlns:r="http://schemas.openxmlformats.org/officeDocument/2006/relationships" xmlns:p="http://schemas.openxmlformats.org/presentationml/2006/main">
   <p:cSld>
     <p:spTree>
@@ -12810,7 +13149,7 @@
               <a:rPr lang="en-US" dirty="0">
                 <a:hlinkClick r:id="rId2" action="ppaction://hlinkfile"/>
               </a:rPr>
-              <a:t>DATA_DICTIONARY v01.pdf</a:t>
+              <a:t>../DD/DATA_DICTIONARY v02.pdf</a:t>
             </a:r>
             <a:endParaRPr lang="en-US" dirty="0"/>
           </a:p>
@@ -12829,7 +13168,7 @@
 </p:sld>
 </file>
 
-<file path=ppt/slides/slide12.xml><?xml version="1.0" encoding="utf-8"?>
+<file path=ppt/slides/slide14.xml><?xml version="1.0" encoding="utf-8"?>
 <p:sld xmlns:a="http://schemas.openxmlformats.org/drawingml/2006/main" xmlns:r="http://schemas.openxmlformats.org/officeDocument/2006/relationships" xmlns:p="http://schemas.openxmlformats.org/presentationml/2006/main">
   <p:cSld>
     <p:spTree>
@@ -12903,10 +13242,10 @@
           <a:lstStyle/>
           <a:p>
             <a:r>
-              <a:rPr lang="en-US">
+              <a:rPr lang="en-US" dirty="0">
                 <a:hlinkClick r:id="rId2" action="ppaction://hlinkfile"/>
               </a:rPr>
-              <a:t>erd.pdf</a:t>
+              <a:t>../ERD/erd.pdf</a:t>
             </a:r>
             <a:endParaRPr lang="en-US" dirty="0"/>
           </a:p>
@@ -12925,7 +13264,7 @@
 </p:sld>
 </file>
 
-<file path=ppt/slides/slide13.xml><?xml version="1.0" encoding="utf-8"?>
+<file path=ppt/slides/slide15.xml><?xml version="1.0" encoding="utf-8"?>
 <p:sld xmlns:a="http://schemas.openxmlformats.org/drawingml/2006/main" xmlns:r="http://schemas.openxmlformats.org/officeDocument/2006/relationships" xmlns:p="http://schemas.openxmlformats.org/presentationml/2006/main">
   <p:cSld>
     <p:spTree>
@@ -13002,7 +13341,7 @@
               <a:rPr lang="en-US" dirty="0">
                 <a:hlinkClick r:id="rId2" action="ppaction://hlinkfile"/>
               </a:rPr>
-              <a:t>DFD\Level_0_DFD.pdf</a:t>
+              <a:t>../DFD/Level_0_DFD.pdf</a:t>
             </a:r>
             <a:endParaRPr lang="en-US" dirty="0"/>
           </a:p>
@@ -13011,7 +13350,7 @@
               <a:rPr lang="en-US" dirty="0">
                 <a:hlinkClick r:id="rId3" action="ppaction://hlinkfile"/>
               </a:rPr>
-              <a:t>DFD\Level_1_DFD.pdf</a:t>
+              <a:t>../DFD/Level_1_DFD.pdf</a:t>
             </a:r>
             <a:endParaRPr lang="en-US" dirty="0"/>
           </a:p>
@@ -13020,7 +13359,7 @@
               <a:rPr lang="en-US" dirty="0">
                 <a:hlinkClick r:id="rId4" action="ppaction://hlinkfile"/>
               </a:rPr>
-              <a:t>DFD\Level_2_DFD.pdf</a:t>
+              <a:t>../DFD/Level_2_DFD.pdf</a:t>
             </a:r>
             <a:endParaRPr lang="en-US" dirty="0"/>
           </a:p>
@@ -13029,7 +13368,7 @@
               <a:rPr lang="en-US" dirty="0">
                 <a:hlinkClick r:id="rId5" action="ppaction://hlinkfile"/>
               </a:rPr>
-              <a:t>DFD\Level_3_DFD.pdf</a:t>
+              <a:t>../DFD/Level_2.1_DFD.pdf</a:t>
             </a:r>
             <a:endParaRPr lang="en-US" dirty="0"/>
           </a:p>
@@ -13038,14 +13377,8 @@
               <a:rPr lang="en-US" dirty="0">
                 <a:hlinkClick r:id="rId6" action="ppaction://hlinkfile"/>
               </a:rPr>
-              <a:t>DFD\Level_4_DFD.pdf</a:t>
-            </a:r>
-            <a:endParaRPr lang="en-US" dirty="0"/>
-          </a:p>
-          <a:p>
-            <a:pPr marL="0" indent="0">
-              <a:buNone/>
-            </a:pPr>
+              <a:t>../DFD/Level_2.2_DFD.pdf</a:t>
+            </a:r>
             <a:endParaRPr lang="en-US" dirty="0"/>
           </a:p>
         </p:txBody>
@@ -13063,7 +13396,7 @@
 </p:sld>
 </file>
 
-<file path=ppt/slides/slide14.xml><?xml version="1.0" encoding="utf-8"?>
+<file path=ppt/slides/slide16.xml><?xml version="1.0" encoding="utf-8"?>
 <p:sld xmlns:a="http://schemas.openxmlformats.org/drawingml/2006/main" xmlns:r="http://schemas.openxmlformats.org/officeDocument/2006/relationships" xmlns:p="http://schemas.openxmlformats.org/presentationml/2006/main">
   <p:cSld>
     <p:spTree>
@@ -13085,7 +13418,7 @@
           <p:cNvPr id="2" name="Title 1">
             <a:extLst>
               <a:ext uri="{FF2B5EF4-FFF2-40B4-BE49-F238E27FC236}">
-                <a16:creationId xmlns:a16="http://schemas.microsoft.com/office/drawing/2014/main" id="{649A5905-8E95-4D75-820B-BCA76090EAD2}"/>
+                <a16:creationId xmlns:a16="http://schemas.microsoft.com/office/drawing/2014/main" id="{E9A9FE07-7C23-4CF0-8064-6F8B48C8579D}"/>
               </a:ext>
             </a:extLst>
           </p:cNvPr>
@@ -13102,88 +13435,227 @@
           <a:lstStyle/>
           <a:p>
             <a:r>
-              <a:rPr lang="en-US" dirty="0">
-                <a:solidFill>
-                  <a:schemeClr val="bg1">
-                    <a:lumMod val="75000"/>
-                    <a:lumOff val="25000"/>
-                  </a:schemeClr>
-                </a:solidFill>
-              </a:rPr>
-              <a:t>Thank</a:t>
-            </a:r>
-            <a:r>
               <a:rPr lang="en-US" dirty="0"/>
-              <a:t> </a:t>
-            </a:r>
-            <a:r>
-              <a:rPr lang="en-US" dirty="0">
-                <a:solidFill>
-                  <a:schemeClr val="bg1">
-                    <a:lumMod val="75000"/>
-                    <a:lumOff val="25000"/>
-                  </a:schemeClr>
-                </a:solidFill>
-              </a:rPr>
-              <a:t>you</a:t>
-            </a:r>
+              <a:t>Design </a:t>
+            </a:r>
+            <a:r>
+              <a:rPr lang="en-US" dirty="0" err="1"/>
+              <a:t>LayOUT</a:t>
+            </a:r>
+            <a:endParaRPr lang="en-US" dirty="0"/>
           </a:p>
         </p:txBody>
       </p:sp>
-      <p:sp>
-        <p:nvSpPr>
-          <p:cNvPr id="3" name="Content Placeholder 2">
+      <p:pic>
+        <p:nvPicPr>
+          <p:cNvPr id="5" name="Content Placeholder 4">
             <a:extLst>
               <a:ext uri="{FF2B5EF4-FFF2-40B4-BE49-F238E27FC236}">
-                <a16:creationId xmlns:a16="http://schemas.microsoft.com/office/drawing/2014/main" id="{070589D3-AEAC-4C0C-9282-03F6662044B1}"/>
+                <a16:creationId xmlns:a16="http://schemas.microsoft.com/office/drawing/2014/main" id="{17C23313-AEB3-4701-83B9-823D30778CF0}"/>
               </a:ext>
             </a:extLst>
           </p:cNvPr>
-          <p:cNvSpPr>
-            <a:spLocks noGrp="1"/>
-          </p:cNvSpPr>
+          <p:cNvPicPr>
+            <a:picLocks noGrp="1" noChangeAspect="1"/>
+          </p:cNvPicPr>
           <p:nvPr>
             <p:ph idx="1"/>
           </p:nvPr>
-        </p:nvSpPr>
+        </p:nvPicPr>
+        <p:blipFill>
+          <a:blip r:embed="rId2"/>
+          <a:stretch>
+            <a:fillRect/>
+          </a:stretch>
+        </p:blipFill>
         <p:spPr>
           <a:xfrm>
-            <a:off x="954981" y="2097088"/>
-            <a:ext cx="9905999" cy="3541714"/>
+            <a:off x="4954893" y="1793289"/>
+            <a:ext cx="2421080" cy="4261281"/>
           </a:xfrm>
         </p:spPr>
-        <p:txBody>
-          <a:bodyPr>
-            <a:normAutofit/>
-          </a:bodyPr>
-          <a:lstStyle/>
-          <a:p>
-            <a:pPr marL="0" indent="0">
-              <a:buNone/>
-            </a:pPr>
-            <a:endParaRPr lang="en-US" sz="3200" dirty="0"/>
-          </a:p>
-          <a:p>
-            <a:pPr marL="0" indent="0">
-              <a:buNone/>
-            </a:pPr>
-            <a:endParaRPr lang="en-US" sz="3200" dirty="0"/>
-          </a:p>
-          <a:p>
-            <a:pPr marL="0" indent="0">
-              <a:buNone/>
-            </a:pPr>
-            <a:r>
-              <a:rPr lang="en-US" sz="3200" dirty="0"/>
-              <a:t>			Any suggestions or questions? </a:t>
-            </a:r>
-          </a:p>
-        </p:txBody>
-      </p:sp>
+      </p:pic>
     </p:spTree>
     <p:extLst>
       <p:ext uri="{BB962C8B-B14F-4D97-AF65-F5344CB8AC3E}">
-        <p14:creationId xmlns:p14="http://schemas.microsoft.com/office/powerpoint/2010/main" val="424565478"/>
+        <p14:creationId xmlns:p14="http://schemas.microsoft.com/office/powerpoint/2010/main" val="2541487057"/>
+      </p:ext>
+    </p:extLst>
+  </p:cSld>
+  <p:clrMapOvr>
+    <a:masterClrMapping/>
+  </p:clrMapOvr>
+</p:sld>
+</file>
+
+<file path=ppt/slides/slide17.xml><?xml version="1.0" encoding="utf-8"?>
+<p:sld xmlns:a="http://schemas.openxmlformats.org/drawingml/2006/main" xmlns:r="http://schemas.openxmlformats.org/officeDocument/2006/relationships" xmlns:p="http://schemas.openxmlformats.org/presentationml/2006/main">
+  <p:cSld>
+    <p:spTree>
+      <p:nvGrpSpPr>
+        <p:cNvPr id="1" name=""/>
+        <p:cNvGrpSpPr/>
+        <p:nvPr/>
+      </p:nvGrpSpPr>
+      <p:grpSpPr>
+        <a:xfrm>
+          <a:off x="0" y="0"/>
+          <a:ext cx="0" cy="0"/>
+          <a:chOff x="0" y="0"/>
+          <a:chExt cx="0" cy="0"/>
+        </a:xfrm>
+      </p:grpSpPr>
+      <p:pic>
+        <p:nvPicPr>
+          <p:cNvPr id="5" name="Content Placeholder 4">
+            <a:extLst>
+              <a:ext uri="{FF2B5EF4-FFF2-40B4-BE49-F238E27FC236}">
+                <a16:creationId xmlns:a16="http://schemas.microsoft.com/office/drawing/2014/main" id="{7F0C1DF4-EC5E-4B87-9AA9-2A5551DAC774}"/>
+              </a:ext>
+            </a:extLst>
+          </p:cNvPr>
+          <p:cNvPicPr>
+            <a:picLocks noGrp="1" noChangeAspect="1"/>
+          </p:cNvPicPr>
+          <p:nvPr>
+            <p:ph idx="1"/>
+          </p:nvPr>
+        </p:nvPicPr>
+        <p:blipFill>
+          <a:blip r:embed="rId2"/>
+          <a:stretch>
+            <a:fillRect/>
+          </a:stretch>
+        </p:blipFill>
+        <p:spPr>
+          <a:xfrm>
+            <a:off x="4867487" y="1331650"/>
+            <a:ext cx="2350059" cy="4415161"/>
+          </a:xfrm>
+        </p:spPr>
+      </p:pic>
+    </p:spTree>
+    <p:extLst>
+      <p:ext uri="{BB962C8B-B14F-4D97-AF65-F5344CB8AC3E}">
+        <p14:creationId xmlns:p14="http://schemas.microsoft.com/office/powerpoint/2010/main" val="3744485081"/>
+      </p:ext>
+    </p:extLst>
+  </p:cSld>
+  <p:clrMapOvr>
+    <a:masterClrMapping/>
+  </p:clrMapOvr>
+</p:sld>
+</file>
+
+<file path=ppt/slides/slide18.xml><?xml version="1.0" encoding="utf-8"?>
+<p:sld xmlns:a="http://schemas.openxmlformats.org/drawingml/2006/main" xmlns:r="http://schemas.openxmlformats.org/officeDocument/2006/relationships" xmlns:p="http://schemas.openxmlformats.org/presentationml/2006/main">
+  <p:cSld>
+    <p:spTree>
+      <p:nvGrpSpPr>
+        <p:cNvPr id="1" name=""/>
+        <p:cNvGrpSpPr/>
+        <p:nvPr/>
+      </p:nvGrpSpPr>
+      <p:grpSpPr>
+        <a:xfrm>
+          <a:off x="0" y="0"/>
+          <a:ext cx="0" cy="0"/>
+          <a:chOff x="0" y="0"/>
+          <a:chExt cx="0" cy="0"/>
+        </a:xfrm>
+      </p:grpSpPr>
+      <p:pic>
+        <p:nvPicPr>
+          <p:cNvPr id="5" name="Content Placeholder 4">
+            <a:extLst>
+              <a:ext uri="{FF2B5EF4-FFF2-40B4-BE49-F238E27FC236}">
+                <a16:creationId xmlns:a16="http://schemas.microsoft.com/office/drawing/2014/main" id="{312CC30E-94AB-4AFE-93DE-93AE74F789B1}"/>
+              </a:ext>
+            </a:extLst>
+          </p:cNvPr>
+          <p:cNvPicPr>
+            <a:picLocks noGrp="1" noChangeAspect="1"/>
+          </p:cNvPicPr>
+          <p:nvPr>
+            <p:ph idx="1"/>
+          </p:nvPr>
+        </p:nvPicPr>
+        <p:blipFill>
+          <a:blip r:embed="rId2"/>
+          <a:stretch>
+            <a:fillRect/>
+          </a:stretch>
+        </p:blipFill>
+        <p:spPr>
+          <a:xfrm>
+            <a:off x="5098306" y="1651247"/>
+            <a:ext cx="2243527" cy="4139953"/>
+          </a:xfrm>
+        </p:spPr>
+      </p:pic>
+    </p:spTree>
+    <p:extLst>
+      <p:ext uri="{BB962C8B-B14F-4D97-AF65-F5344CB8AC3E}">
+        <p14:creationId xmlns:p14="http://schemas.microsoft.com/office/powerpoint/2010/main" val="510895949"/>
+      </p:ext>
+    </p:extLst>
+  </p:cSld>
+  <p:clrMapOvr>
+    <a:masterClrMapping/>
+  </p:clrMapOvr>
+</p:sld>
+</file>
+
+<file path=ppt/slides/slide19.xml><?xml version="1.0" encoding="utf-8"?>
+<p:sld xmlns:a="http://schemas.openxmlformats.org/drawingml/2006/main" xmlns:r="http://schemas.openxmlformats.org/officeDocument/2006/relationships" xmlns:p="http://schemas.openxmlformats.org/presentationml/2006/main">
+  <p:cSld>
+    <p:spTree>
+      <p:nvGrpSpPr>
+        <p:cNvPr id="1" name=""/>
+        <p:cNvGrpSpPr/>
+        <p:nvPr/>
+      </p:nvGrpSpPr>
+      <p:grpSpPr>
+        <a:xfrm>
+          <a:off x="0" y="0"/>
+          <a:ext cx="0" cy="0"/>
+          <a:chOff x="0" y="0"/>
+          <a:chExt cx="0" cy="0"/>
+        </a:xfrm>
+      </p:grpSpPr>
+      <p:pic>
+        <p:nvPicPr>
+          <p:cNvPr id="5" name="Content Placeholder 4">
+            <a:extLst>
+              <a:ext uri="{FF2B5EF4-FFF2-40B4-BE49-F238E27FC236}">
+                <a16:creationId xmlns:a16="http://schemas.microsoft.com/office/drawing/2014/main" id="{CF926CFF-BDB4-400D-8E8B-0060DA212368}"/>
+              </a:ext>
+            </a:extLst>
+          </p:cNvPr>
+          <p:cNvPicPr>
+            <a:picLocks noGrp="1" noChangeAspect="1"/>
+          </p:cNvPicPr>
+          <p:nvPr>
+            <p:ph idx="1"/>
+          </p:nvPr>
+        </p:nvPicPr>
+        <p:blipFill>
+          <a:blip r:embed="rId2"/>
+          <a:stretch>
+            <a:fillRect/>
+          </a:stretch>
+        </p:blipFill>
+        <p:spPr>
+          <a:xfrm>
+            <a:off x="5098306" y="1740023"/>
+            <a:ext cx="2287915" cy="4051177"/>
+          </a:xfrm>
+        </p:spPr>
+      </p:pic>
+    </p:spTree>
+    <p:extLst>
+      <p:ext uri="{BB962C8B-B14F-4D97-AF65-F5344CB8AC3E}">
+        <p14:creationId xmlns:p14="http://schemas.microsoft.com/office/powerpoint/2010/main" val="3254599981"/>
       </p:ext>
     </p:extLst>
   </p:cSld>
@@ -13266,17 +13738,15 @@
           <a:bodyPr/>
           <a:lstStyle/>
           <a:p>
-            <a:pPr algn="just"/>
             <a:r>
               <a:rPr lang="en-US" dirty="0"/>
               <a:t>Virtual Reality (VR) is the use of computer technology to create a simulated environment. Unlike traditional user interfaces, VR places the user inside an experience. Instead of viewing a screen in front of them, users are immersed and able to interact with 3D worlds.</a:t>
             </a:r>
           </a:p>
           <a:p>
-            <a:pPr algn="just"/>
             <a:r>
               <a:rPr lang="en-US" dirty="0"/>
-              <a:t> By simulating as many senses as possible, such as vision, hearing, touch the computer is transformed into a gatekeeper to this artificial world.</a:t>
+              <a:t> By simulating as many senses as possible, such as vision, hearing, touch, the computer is transformed into a gatekeeper to this artificial world.</a:t>
             </a:r>
           </a:p>
         </p:txBody>
@@ -13285,6 +13755,136 @@
     <p:extLst>
       <p:ext uri="{BB962C8B-B14F-4D97-AF65-F5344CB8AC3E}">
         <p14:creationId xmlns:p14="http://schemas.microsoft.com/office/powerpoint/2010/main" val="1634630094"/>
+      </p:ext>
+    </p:extLst>
+  </p:cSld>
+  <p:clrMapOvr>
+    <a:masterClrMapping/>
+  </p:clrMapOvr>
+</p:sld>
+</file>
+
+<file path=ppt/slides/slide20.xml><?xml version="1.0" encoding="utf-8"?>
+<p:sld xmlns:a="http://schemas.openxmlformats.org/drawingml/2006/main" xmlns:r="http://schemas.openxmlformats.org/officeDocument/2006/relationships" xmlns:p="http://schemas.openxmlformats.org/presentationml/2006/main">
+  <p:cSld>
+    <p:spTree>
+      <p:nvGrpSpPr>
+        <p:cNvPr id="1" name=""/>
+        <p:cNvGrpSpPr/>
+        <p:nvPr/>
+      </p:nvGrpSpPr>
+      <p:grpSpPr>
+        <a:xfrm>
+          <a:off x="0" y="0"/>
+          <a:ext cx="0" cy="0"/>
+          <a:chOff x="0" y="0"/>
+          <a:chExt cx="0" cy="0"/>
+        </a:xfrm>
+      </p:grpSpPr>
+      <p:sp>
+        <p:nvSpPr>
+          <p:cNvPr id="2" name="Title 1">
+            <a:extLst>
+              <a:ext uri="{FF2B5EF4-FFF2-40B4-BE49-F238E27FC236}">
+                <a16:creationId xmlns:a16="http://schemas.microsoft.com/office/drawing/2014/main" id="{649A5905-8E95-4D75-820B-BCA76090EAD2}"/>
+              </a:ext>
+            </a:extLst>
+          </p:cNvPr>
+          <p:cNvSpPr>
+            <a:spLocks noGrp="1"/>
+          </p:cNvSpPr>
+          <p:nvPr>
+            <p:ph type="title"/>
+          </p:nvPr>
+        </p:nvSpPr>
+        <p:spPr/>
+        <p:txBody>
+          <a:bodyPr/>
+          <a:lstStyle/>
+          <a:p>
+            <a:r>
+              <a:rPr lang="en-US" dirty="0">
+                <a:solidFill>
+                  <a:schemeClr val="bg1">
+                    <a:lumMod val="75000"/>
+                    <a:lumOff val="25000"/>
+                  </a:schemeClr>
+                </a:solidFill>
+              </a:rPr>
+              <a:t>Thank</a:t>
+            </a:r>
+            <a:r>
+              <a:rPr lang="en-US" dirty="0"/>
+              <a:t> </a:t>
+            </a:r>
+            <a:r>
+              <a:rPr lang="en-US" dirty="0">
+                <a:solidFill>
+                  <a:schemeClr val="bg1">
+                    <a:lumMod val="75000"/>
+                    <a:lumOff val="25000"/>
+                  </a:schemeClr>
+                </a:solidFill>
+              </a:rPr>
+              <a:t>you</a:t>
+            </a:r>
+          </a:p>
+        </p:txBody>
+      </p:sp>
+      <p:sp>
+        <p:nvSpPr>
+          <p:cNvPr id="3" name="Content Placeholder 2">
+            <a:extLst>
+              <a:ext uri="{FF2B5EF4-FFF2-40B4-BE49-F238E27FC236}">
+                <a16:creationId xmlns:a16="http://schemas.microsoft.com/office/drawing/2014/main" id="{070589D3-AEAC-4C0C-9282-03F6662044B1}"/>
+              </a:ext>
+            </a:extLst>
+          </p:cNvPr>
+          <p:cNvSpPr>
+            <a:spLocks noGrp="1"/>
+          </p:cNvSpPr>
+          <p:nvPr>
+            <p:ph idx="1"/>
+          </p:nvPr>
+        </p:nvSpPr>
+        <p:spPr>
+          <a:xfrm>
+            <a:off x="954981" y="2097088"/>
+            <a:ext cx="9905999" cy="3541714"/>
+          </a:xfrm>
+        </p:spPr>
+        <p:txBody>
+          <a:bodyPr>
+            <a:normAutofit/>
+          </a:bodyPr>
+          <a:lstStyle/>
+          <a:p>
+            <a:pPr marL="0" indent="0">
+              <a:buNone/>
+            </a:pPr>
+            <a:endParaRPr lang="en-US" sz="3200" dirty="0"/>
+          </a:p>
+          <a:p>
+            <a:pPr marL="0" indent="0">
+              <a:buNone/>
+            </a:pPr>
+            <a:endParaRPr lang="en-US" sz="3200" dirty="0"/>
+          </a:p>
+          <a:p>
+            <a:pPr marL="0" indent="0">
+              <a:buNone/>
+            </a:pPr>
+            <a:r>
+              <a:rPr lang="en-US" sz="3200" dirty="0"/>
+              <a:t>			Any suggestions or questions? </a:t>
+            </a:r>
+          </a:p>
+        </p:txBody>
+      </p:sp>
+    </p:spTree>
+    <p:extLst>
+      <p:ext uri="{BB962C8B-B14F-4D97-AF65-F5344CB8AC3E}">
+        <p14:creationId xmlns:p14="http://schemas.microsoft.com/office/powerpoint/2010/main" val="424565478"/>
       </p:ext>
     </p:extLst>
   </p:cSld>
@@ -13375,7 +13975,6 @@
           </a:bodyPr>
           <a:lstStyle/>
           <a:p>
-            <a:pPr algn="just"/>
             <a:r>
               <a:rPr lang="en-US" b="1" dirty="0"/>
               <a:t>AR technology</a:t>
@@ -13386,7 +13985,6 @@
             </a:r>
           </a:p>
           <a:p>
-            <a:pPr algn="just"/>
             <a:r>
               <a:rPr lang="en-US" dirty="0"/>
               <a:t>In </a:t>
@@ -13497,14 +14095,13 @@
           </a:bodyPr>
           <a:lstStyle/>
           <a:p>
-            <a:pPr algn="just"/>
             <a:r>
               <a:rPr lang="en-US" dirty="0"/>
-              <a:t>3D House Modeling in Virtual Reality (VR) is a android application that allows Interior designer to create and design models using objects in 3D space. It provides a dynamic environment for development of 3D models. It is Portable in the sense that after creating a model it can easily be shared and modified on other devices using the platform. Also the ability to create multiple models and work on them at same time is a feature that is not available on other existing products, And system provides overall a better user experience and easy usability for the laymen.</a:t>
-            </a:r>
-          </a:p>
-          <a:p>
-            <a:pPr marL="0" indent="0" algn="just">
+              <a:t>DREAM HOUSE VR is a android application that allows Interior designer to create and design models using objects in 3D space. It provides a dynamic environment for development of 3D models. It is Portable in the sense that after creating a model it can easily be shared and modified on other devices using the platform. Also the ability to create multiple models and work on them at same time is a feature that is not available on other existing products, And system provides overall a better user experience and easy usability for the laymen.</a:t>
+            </a:r>
+          </a:p>
+          <a:p>
+            <a:pPr marL="0" indent="0">
               <a:buNone/>
             </a:pPr>
             <a:r>
@@ -13703,15 +14300,26 @@
             <p:ph idx="1"/>
           </p:nvPr>
         </p:nvSpPr>
-        <p:spPr/>
+        <p:spPr>
+          <a:xfrm>
+            <a:off x="1141412" y="2338264"/>
+            <a:ext cx="9905999" cy="3541714"/>
+          </a:xfrm>
+        </p:spPr>
         <p:txBody>
           <a:bodyPr/>
           <a:lstStyle/>
           <a:p>
             <a:r>
               <a:rPr lang="en-US" dirty="0"/>
-              <a:t>GANESH HOUSING 360</a:t>
-            </a:r>
+              <a:t>Planner 5D</a:t>
+            </a:r>
+          </a:p>
+          <a:p>
+            <a:endParaRPr lang="en-US" dirty="0"/>
+          </a:p>
+          <a:p>
+            <a:endParaRPr lang="en-US" dirty="0"/>
           </a:p>
         </p:txBody>
       </p:sp>
@@ -13820,6 +14428,12 @@
             </a:r>
           </a:p>
           <a:p>
+            <a:r>
+              <a:rPr lang="en-US" dirty="0"/>
+              <a:t>Adding multiple floors it does not allow user to work simultaneously.</a:t>
+            </a:r>
+          </a:p>
+          <a:p>
             <a:pPr marL="0" indent="0">
               <a:buNone/>
             </a:pPr>
@@ -13857,112 +14471,40 @@
           <a:chExt cx="0" cy="0"/>
         </a:xfrm>
       </p:grpSpPr>
-      <p:sp>
-        <p:nvSpPr>
-          <p:cNvPr id="2" name="Title 1">
+      <p:pic>
+        <p:nvPicPr>
+          <p:cNvPr id="4" name="Picture 3" descr="A screenshot of a cell phone&#10;&#10;Description generated with very high confidence">
             <a:extLst>
               <a:ext uri="{FF2B5EF4-FFF2-40B4-BE49-F238E27FC236}">
-                <a16:creationId xmlns:a16="http://schemas.microsoft.com/office/drawing/2014/main" id="{80FD4B3F-2201-4870-BC85-4B520D369B49}"/>
+                <a16:creationId xmlns:a16="http://schemas.microsoft.com/office/drawing/2014/main" id="{1945884E-0D91-4C35-B1BA-CFD93961AAB4}"/>
               </a:ext>
             </a:extLst>
           </p:cNvPr>
-          <p:cNvSpPr>
-            <a:spLocks noGrp="1"/>
-          </p:cNvSpPr>
-          <p:nvPr>
-            <p:ph type="title"/>
-          </p:nvPr>
-        </p:nvSpPr>
-        <p:spPr/>
-        <p:txBody>
-          <a:bodyPr/>
-          <a:lstStyle/>
-          <a:p>
-            <a:r>
-              <a:rPr lang="en-US" dirty="0">
-                <a:solidFill>
-                  <a:schemeClr val="bg1">
-                    <a:lumMod val="75000"/>
-                    <a:lumOff val="25000"/>
-                  </a:schemeClr>
-                </a:solidFill>
-              </a:rPr>
-              <a:t>Solution</a:t>
-            </a:r>
-            <a:r>
-              <a:rPr lang="en-US" dirty="0">
-                <a:solidFill>
-                  <a:srgbClr val="FFFF00"/>
-                </a:solidFill>
-              </a:rPr>
-              <a:t> </a:t>
-            </a:r>
-            <a:r>
-              <a:rPr lang="en-US" dirty="0"/>
-              <a:t>	</a:t>
-            </a:r>
-          </a:p>
-        </p:txBody>
-      </p:sp>
-      <p:sp>
-        <p:nvSpPr>
-          <p:cNvPr id="3" name="Content Placeholder 2">
-            <a:extLst>
-              <a:ext uri="{FF2B5EF4-FFF2-40B4-BE49-F238E27FC236}">
-                <a16:creationId xmlns:a16="http://schemas.microsoft.com/office/drawing/2014/main" id="{75EC9FC1-DA0D-4815-9093-9BADF4499815}"/>
-              </a:ext>
-            </a:extLst>
-          </p:cNvPr>
-          <p:cNvSpPr>
-            <a:spLocks noGrp="1"/>
-          </p:cNvSpPr>
-          <p:nvPr>
-            <p:ph idx="1"/>
-          </p:nvPr>
-        </p:nvSpPr>
-        <p:spPr/>
-        <p:txBody>
-          <a:bodyPr/>
-          <a:lstStyle/>
-          <a:p>
-            <a:endParaRPr lang="en-US" dirty="0"/>
-          </a:p>
-          <a:p>
-            <a:r>
-              <a:rPr lang="en-US" dirty="0"/>
-              <a:t>Dynamic Environment.</a:t>
-            </a:r>
-          </a:p>
-          <a:p>
-            <a:r>
-              <a:rPr lang="en-US" dirty="0"/>
-              <a:t>Enhanced User Experience.</a:t>
-            </a:r>
-          </a:p>
-          <a:p>
-            <a:r>
-              <a:rPr lang="en-US" dirty="0"/>
-              <a:t>Affordable in terms of multiple system development/design.</a:t>
-            </a:r>
-          </a:p>
-          <a:p>
-            <a:pPr marL="0" indent="0">
-              <a:buNone/>
-            </a:pPr>
-            <a:r>
-              <a:rPr lang="en-US" dirty="0"/>
-              <a:t> </a:t>
-            </a:r>
-          </a:p>
-          <a:p>
-            <a:endParaRPr lang="en-US" dirty="0"/>
-          </a:p>
-        </p:txBody>
-      </p:sp>
+          <p:cNvPicPr>
+            <a:picLocks noChangeAspect="1"/>
+          </p:cNvPicPr>
+          <p:nvPr/>
+        </p:nvPicPr>
+        <p:blipFill>
+          <a:blip r:embed="rId2"/>
+          <a:stretch>
+            <a:fillRect/>
+          </a:stretch>
+        </p:blipFill>
+        <p:spPr>
+          <a:xfrm>
+            <a:off x="2518438" y="2104006"/>
+            <a:ext cx="6401272" cy="3338006"/>
+          </a:xfrm>
+          <a:prstGeom prst="rect">
+            <a:avLst/>
+          </a:prstGeom>
+        </p:spPr>
+      </p:pic>
     </p:spTree>
     <p:extLst>
       <p:ext uri="{BB962C8B-B14F-4D97-AF65-F5344CB8AC3E}">
-        <p14:creationId xmlns:p14="http://schemas.microsoft.com/office/powerpoint/2010/main" val="121403053"/>
+        <p14:creationId xmlns:p14="http://schemas.microsoft.com/office/powerpoint/2010/main" val="2820484922"/>
       </p:ext>
     </p:extLst>
   </p:cSld>
@@ -13989,126 +14531,39 @@
           <a:chExt cx="0" cy="0"/>
         </a:xfrm>
       </p:grpSpPr>
-      <p:sp>
-        <p:nvSpPr>
-          <p:cNvPr id="2" name="Title 1">
+      <p:pic>
+        <p:nvPicPr>
+          <p:cNvPr id="5" name="Content Placeholder 4" descr="A view of a box&#10;&#10;Description generated with high confidence">
             <a:extLst>
               <a:ext uri="{FF2B5EF4-FFF2-40B4-BE49-F238E27FC236}">
-                <a16:creationId xmlns:a16="http://schemas.microsoft.com/office/drawing/2014/main" id="{232E058C-E815-4A9E-AD7E-C231D644521F}"/>
+                <a16:creationId xmlns:a16="http://schemas.microsoft.com/office/drawing/2014/main" id="{44F89391-A333-4BB8-A64F-E8D14B450589}"/>
               </a:ext>
             </a:extLst>
           </p:cNvPr>
-          <p:cNvSpPr>
-            <a:spLocks noGrp="1"/>
-          </p:cNvSpPr>
-          <p:nvPr>
-            <p:ph type="title"/>
-          </p:nvPr>
-        </p:nvSpPr>
-        <p:spPr/>
-        <p:txBody>
-          <a:bodyPr/>
-          <a:lstStyle/>
-          <a:p>
-            <a:r>
-              <a:rPr lang="en-US" dirty="0">
-                <a:solidFill>
-                  <a:schemeClr val="bg1">
-                    <a:lumMod val="75000"/>
-                    <a:lumOff val="25000"/>
-                  </a:schemeClr>
-                </a:solidFill>
-              </a:rPr>
-              <a:t>Modules</a:t>
-            </a:r>
-            <a:r>
-              <a:rPr lang="en-US" dirty="0"/>
-              <a:t>	</a:t>
-            </a:r>
-          </a:p>
-        </p:txBody>
-      </p:sp>
-      <p:sp>
-        <p:nvSpPr>
-          <p:cNvPr id="3" name="Content Placeholder 2">
-            <a:extLst>
-              <a:ext uri="{FF2B5EF4-FFF2-40B4-BE49-F238E27FC236}">
-                <a16:creationId xmlns:a16="http://schemas.microsoft.com/office/drawing/2014/main" id="{215FAE6C-774C-4D06-A7A1-F2FBDE1920EF}"/>
-              </a:ext>
-            </a:extLst>
-          </p:cNvPr>
-          <p:cNvSpPr>
-            <a:spLocks noGrp="1"/>
-          </p:cNvSpPr>
+          <p:cNvPicPr>
+            <a:picLocks noGrp="1" noChangeAspect="1"/>
+          </p:cNvPicPr>
           <p:nvPr>
             <p:ph idx="1"/>
           </p:nvPr>
-        </p:nvSpPr>
+        </p:nvPicPr>
+        <p:blipFill>
+          <a:blip r:embed="rId2"/>
+          <a:stretch>
+            <a:fillRect/>
+          </a:stretch>
+        </p:blipFill>
         <p:spPr>
           <a:xfrm>
-            <a:off x="1141413" y="2097088"/>
-            <a:ext cx="9905999" cy="4305301"/>
+            <a:off x="2798561" y="1929892"/>
+            <a:ext cx="6307620" cy="3541712"/>
           </a:xfrm>
         </p:spPr>
-        <p:txBody>
-          <a:bodyPr>
-            <a:normAutofit/>
-          </a:bodyPr>
-          <a:lstStyle/>
-          <a:p>
-            <a:endParaRPr lang="en-US" dirty="0"/>
-          </a:p>
-          <a:p>
-            <a:r>
-              <a:rPr lang="en-US" dirty="0"/>
-              <a:t>Providing complete 3D space for creating architecture.</a:t>
-            </a:r>
-          </a:p>
-          <a:p>
-            <a:r>
-              <a:rPr lang="en-US" dirty="0"/>
-              <a:t>Designing models using different objects.</a:t>
-            </a:r>
-          </a:p>
-          <a:p>
-            <a:r>
-              <a:rPr lang="en-US" dirty="0"/>
-              <a:t>Ability to save created 3D architecture.</a:t>
-            </a:r>
-          </a:p>
-          <a:p>
-            <a:r>
-              <a:rPr lang="en-US" dirty="0"/>
-              <a:t>Making 3D architecture portable to use in different system.</a:t>
-            </a:r>
-          </a:p>
-          <a:p>
-            <a:r>
-              <a:rPr lang="en-US" dirty="0"/>
-              <a:t>Provision for modifying and altering created 3D architecture.  </a:t>
-            </a:r>
-          </a:p>
-          <a:p>
-            <a:endParaRPr lang="en-US" dirty="0"/>
-          </a:p>
-          <a:p>
-            <a:endParaRPr lang="en-US" dirty="0"/>
-          </a:p>
-          <a:p>
-            <a:pPr marL="0" indent="0">
-              <a:buNone/>
-            </a:pPr>
-            <a:endParaRPr lang="en-US" dirty="0"/>
-          </a:p>
-          <a:p>
-            <a:endParaRPr lang="en-US" dirty="0"/>
-          </a:p>
-        </p:txBody>
-      </p:sp>
+      </p:pic>
     </p:spTree>
     <p:extLst>
       <p:ext uri="{BB962C8B-B14F-4D97-AF65-F5344CB8AC3E}">
-        <p14:creationId xmlns:p14="http://schemas.microsoft.com/office/powerpoint/2010/main" val="2766811839"/>
+        <p14:creationId xmlns:p14="http://schemas.microsoft.com/office/powerpoint/2010/main" val="1663228568"/>
       </p:ext>
     </p:extLst>
   </p:cSld>
@@ -14161,7 +14616,7 @@
     </a:clrScheme>
     <a:fontScheme name="Circuit">
       <a:majorFont>
-        <a:latin typeface="Tw Cen MT" panose="020B0602020104020603"/>
+        <a:latin typeface="Tw Cen MT"/>
         <a:ea typeface=""/>
         <a:cs typeface=""/>
         <a:font script="Jpan" typeface="ＭＳ Ｐゴシック"/>
@@ -14196,7 +14651,7 @@
         <a:font script="Geor" typeface="Sylfaen"/>
       </a:majorFont>
       <a:minorFont>
-        <a:latin typeface="Tw Cen MT" panose="020B0602020104020603"/>
+        <a:latin typeface="Tw Cen MT"/>
         <a:ea typeface=""/>
         <a:cs typeface=""/>
         <a:font script="Jpan" typeface="ＭＳ Ｐゴシック"/>
